--- a/resources/Diagrams.pptx
+++ b/resources/Diagrams.pptx
@@ -8,14 +8,14 @@
   </p:sldMasterIdLst>
   <p:sldIdLst>
     <p:sldId id="261" r:id="rId4"/>
-    <p:sldId id="264" r:id="rId5"/>
-    <p:sldId id="265" r:id="rId6"/>
-    <p:sldId id="268" r:id="rId7"/>
-    <p:sldId id="266" r:id="rId8"/>
-    <p:sldId id="260" r:id="rId9"/>
-    <p:sldId id="257" r:id="rId10"/>
-    <p:sldId id="258" r:id="rId11"/>
-    <p:sldId id="262" r:id="rId12"/>
+    <p:sldId id="266" r:id="rId5"/>
+    <p:sldId id="260" r:id="rId6"/>
+    <p:sldId id="257" r:id="rId7"/>
+    <p:sldId id="258" r:id="rId8"/>
+    <p:sldId id="262" r:id="rId9"/>
+    <p:sldId id="264" r:id="rId10"/>
+    <p:sldId id="265" r:id="rId11"/>
+    <p:sldId id="268" r:id="rId12"/>
     <p:sldId id="263" r:id="rId13"/>
     <p:sldId id="267" r:id="rId14"/>
     <p:sldId id="256" r:id="rId15"/>
@@ -9562,7 +9562,7 @@
           <a:p>
             <a:fld id="{1B144220-78F4-4213-8FE5-02F759C59627}" type="datetimeFigureOut">
               <a:rPr lang="en-US" smtClean="0"/>
-              <a:t>12/3/2019</a:t>
+              <a:t>12/9/2019</a:t>
             </a:fld>
             <a:endParaRPr lang="en-US"/>
           </a:p>
@@ -10108,7 +10108,7 @@
           <a:p>
             <a:fld id="{1B144220-78F4-4213-8FE5-02F759C59627}" type="datetimeFigureOut">
               <a:rPr lang="en-US" smtClean="0"/>
-              <a:t>12/3/2019</a:t>
+              <a:t>12/9/2019</a:t>
             </a:fld>
             <a:endParaRPr lang="en-US"/>
           </a:p>
@@ -41764,10 +41764,10 @@
       </p:grpSpPr>
       <p:sp>
         <p:nvSpPr>
-          <p:cNvPr id="9" name="Title 8">
+          <p:cNvPr id="6" name="Title 5">
             <a:extLst>
               <a:ext uri="{FF2B5EF4-FFF2-40B4-BE49-F238E27FC236}">
-                <a16:creationId xmlns:a16="http://schemas.microsoft.com/office/drawing/2014/main" id="{61F708E7-CEB6-4F83-84BA-921AA82C6305}"/>
+                <a16:creationId xmlns:a16="http://schemas.microsoft.com/office/drawing/2014/main" id="{9CEDA966-D3AE-4FC3-90F6-67CC8136F94C}"/>
               </a:ext>
             </a:extLst>
           </p:cNvPr>
@@ -41780,24 +41780,22 @@
         </p:nvSpPr>
         <p:spPr/>
         <p:txBody>
-          <a:bodyPr>
-            <a:normAutofit fontScale="90000"/>
-          </a:bodyPr>
+          <a:bodyPr/>
           <a:lstStyle/>
           <a:p>
             <a:r>
               <a:rPr lang="en-US" dirty="0"/>
-              <a:t>What is it exactly?</a:t>
-            </a:r>
-          </a:p>
-        </p:txBody>
-      </p:sp>
-      <p:sp>
-        <p:nvSpPr>
-          <p:cNvPr id="11" name="Subtitle 10">
+              <a:t>Example case</a:t>
+            </a:r>
+          </a:p>
+        </p:txBody>
+      </p:sp>
+      <p:sp>
+        <p:nvSpPr>
+          <p:cNvPr id="7" name="Text Placeholder 6">
             <a:extLst>
               <a:ext uri="{FF2B5EF4-FFF2-40B4-BE49-F238E27FC236}">
-                <a16:creationId xmlns:a16="http://schemas.microsoft.com/office/drawing/2014/main" id="{42E136C4-67FD-4D89-90C0-FB1D6D2B36B7}"/>
+                <a16:creationId xmlns:a16="http://schemas.microsoft.com/office/drawing/2014/main" id="{525905B5-9C4C-4C27-978F-76FB95AE15E3}"/>
               </a:ext>
             </a:extLst>
           </p:cNvPr>
@@ -41805,7 +41803,7 @@
             <a:spLocks noGrp="1"/>
           </p:cNvSpPr>
           <p:nvPr>
-            <p:ph type="subTitle" idx="27"/>
+            <p:ph type="body" idx="7"/>
           </p:nvPr>
         </p:nvSpPr>
         <p:spPr/>
@@ -41814,79 +41812,13 @@
           <a:lstStyle/>
           <a:p>
             <a:endParaRPr lang="en-US" dirty="0"/>
-          </a:p>
-        </p:txBody>
-      </p:sp>
-      <p:sp>
-        <p:nvSpPr>
-          <p:cNvPr id="10" name="Content Placeholder 9">
-            <a:extLst>
-              <a:ext uri="{FF2B5EF4-FFF2-40B4-BE49-F238E27FC236}">
-                <a16:creationId xmlns:a16="http://schemas.microsoft.com/office/drawing/2014/main" id="{F9612E3A-ED10-4719-BC40-4F0F15860EF2}"/>
-              </a:ext>
-            </a:extLst>
-          </p:cNvPr>
-          <p:cNvSpPr>
-            <a:spLocks noGrp="1"/>
-          </p:cNvSpPr>
-          <p:nvPr>
-            <p:ph idx="1"/>
-          </p:nvPr>
-        </p:nvSpPr>
-        <p:spPr/>
-        <p:txBody>
-          <a:bodyPr/>
-          <a:lstStyle/>
-          <a:p>
-            <a:r>
-              <a:rPr lang="en-US" dirty="0"/>
-              <a:t>An Azure Logic App with 2 API Connections</a:t>
-            </a:r>
-          </a:p>
-          <a:p>
-            <a:pPr marL="457200" lvl="1" indent="-457200">
-              <a:buFont typeface="Arial" panose="020B0604020202020204" pitchFamily="34" charset="0"/>
-              <a:buChar char="•"/>
-            </a:pPr>
-            <a:r>
-              <a:rPr lang="en-US" dirty="0"/>
-              <a:t>Azure DevOps</a:t>
-            </a:r>
-          </a:p>
-          <a:p>
-            <a:pPr marL="457200" lvl="1" indent="-457200">
-              <a:buFont typeface="Arial" panose="020B0604020202020204" pitchFamily="34" charset="0"/>
-              <a:buChar char="•"/>
-            </a:pPr>
-            <a:r>
-              <a:rPr lang="en-US" dirty="0"/>
-              <a:t>Azure Resource Manager</a:t>
-            </a:r>
-          </a:p>
-          <a:p>
-            <a:r>
-              <a:rPr lang="en-US" dirty="0"/>
-              <a:t>HTTP Endpoint JSON body to define pipeline execution sequence</a:t>
-            </a:r>
-          </a:p>
-          <a:p>
-            <a:r>
-              <a:rPr lang="en-US" dirty="0"/>
-              <a:t>Primary set of Synchronously executed pipelines</a:t>
-            </a:r>
-          </a:p>
-          <a:p>
-            <a:r>
-              <a:rPr lang="en-US" dirty="0"/>
-              <a:t>Secondary set of Asynchronously executed pipelines</a:t>
-            </a:r>
           </a:p>
         </p:txBody>
       </p:sp>
     </p:spTree>
     <p:extLst>
       <p:ext uri="{BB962C8B-B14F-4D97-AF65-F5344CB8AC3E}">
-        <p14:creationId xmlns:p14="http://schemas.microsoft.com/office/powerpoint/2010/main" val="4018757990"/>
+        <p14:creationId xmlns:p14="http://schemas.microsoft.com/office/powerpoint/2010/main" val="1031131883"/>
       </p:ext>
     </p:extLst>
   </p:cSld>
@@ -41915,280 +41847,6 @@
       </p:grpSpPr>
       <p:sp>
         <p:nvSpPr>
-          <p:cNvPr id="2" name="Title 1">
-            <a:extLst>
-              <a:ext uri="{FF2B5EF4-FFF2-40B4-BE49-F238E27FC236}">
-                <a16:creationId xmlns:a16="http://schemas.microsoft.com/office/drawing/2014/main" id="{CF3B1331-12F8-41B1-9633-8D0517A0843C}"/>
-              </a:ext>
-            </a:extLst>
-          </p:cNvPr>
-          <p:cNvSpPr>
-            <a:spLocks noGrp="1"/>
-          </p:cNvSpPr>
-          <p:nvPr>
-            <p:ph type="title"/>
-          </p:nvPr>
-        </p:nvSpPr>
-        <p:spPr/>
-        <p:txBody>
-          <a:bodyPr>
-            <a:normAutofit fontScale="90000"/>
-          </a:bodyPr>
-          <a:lstStyle/>
-          <a:p>
-            <a:r>
-              <a:rPr lang="en-US" dirty="0"/>
-              <a:t>Why would I use it?</a:t>
-            </a:r>
-          </a:p>
-        </p:txBody>
-      </p:sp>
-      <p:sp>
-        <p:nvSpPr>
-          <p:cNvPr id="7" name="Subtitle 6">
-            <a:extLst>
-              <a:ext uri="{FF2B5EF4-FFF2-40B4-BE49-F238E27FC236}">
-                <a16:creationId xmlns:a16="http://schemas.microsoft.com/office/drawing/2014/main" id="{4066BE0E-1002-4B31-9AAF-D0D0CF561481}"/>
-              </a:ext>
-            </a:extLst>
-          </p:cNvPr>
-          <p:cNvSpPr>
-            <a:spLocks noGrp="1"/>
-          </p:cNvSpPr>
-          <p:nvPr>
-            <p:ph type="subTitle" idx="27"/>
-          </p:nvPr>
-        </p:nvSpPr>
-        <p:spPr/>
-        <p:txBody>
-          <a:bodyPr/>
-          <a:lstStyle/>
-          <a:p>
-            <a:endParaRPr lang="en-US"/>
-          </a:p>
-        </p:txBody>
-      </p:sp>
-      <p:sp>
-        <p:nvSpPr>
-          <p:cNvPr id="6" name="Content Placeholder 5">
-            <a:extLst>
-              <a:ext uri="{FF2B5EF4-FFF2-40B4-BE49-F238E27FC236}">
-                <a16:creationId xmlns:a16="http://schemas.microsoft.com/office/drawing/2014/main" id="{EA1749E6-C0B1-44D3-BFEC-25D300DDB20F}"/>
-              </a:ext>
-            </a:extLst>
-          </p:cNvPr>
-          <p:cNvSpPr>
-            <a:spLocks noGrp="1"/>
-          </p:cNvSpPr>
-          <p:nvPr>
-            <p:ph idx="1"/>
-          </p:nvPr>
-        </p:nvSpPr>
-        <p:spPr/>
-        <p:txBody>
-          <a:bodyPr/>
-          <a:lstStyle/>
-          <a:p>
-            <a:r>
-              <a:rPr lang="en-US" dirty="0"/>
-              <a:t>Orchestrate the execution of a series of Azure DevOps pipelines.</a:t>
-            </a:r>
-          </a:p>
-          <a:p>
-            <a:r>
-              <a:rPr lang="en-US" dirty="0"/>
-              <a:t>Series of discrete applications/services are combined to create a larger system.</a:t>
-            </a:r>
-          </a:p>
-          <a:p>
-            <a:r>
-              <a:rPr lang="en-US" dirty="0"/>
-              <a:t>Manual execution of the series of applications is error prone.</a:t>
-            </a:r>
-          </a:p>
-          <a:p>
-            <a:r>
-              <a:rPr lang="en-US" dirty="0"/>
-              <a:t>A long running pipeline exists within the series of deployments.</a:t>
-            </a:r>
-          </a:p>
-        </p:txBody>
-      </p:sp>
-    </p:spTree>
-    <p:extLst>
-      <p:ext uri="{BB962C8B-B14F-4D97-AF65-F5344CB8AC3E}">
-        <p14:creationId xmlns:p14="http://schemas.microsoft.com/office/powerpoint/2010/main" val="3927680586"/>
-      </p:ext>
-    </p:extLst>
-  </p:cSld>
-  <p:clrMapOvr>
-    <a:masterClrMapping/>
-  </p:clrMapOvr>
-</p:sld>
-</file>
-
-<file path=ppt/slides/slide4.xml><?xml version="1.0" encoding="utf-8"?>
-<p:sld xmlns:a="http://schemas.openxmlformats.org/drawingml/2006/main" xmlns:r="http://schemas.openxmlformats.org/officeDocument/2006/relationships" xmlns:p="http://schemas.openxmlformats.org/presentationml/2006/main">
-  <p:cSld>
-    <p:spTree>
-      <p:nvGrpSpPr>
-        <p:cNvPr id="1" name=""/>
-        <p:cNvGrpSpPr/>
-        <p:nvPr/>
-      </p:nvGrpSpPr>
-      <p:grpSpPr>
-        <a:xfrm>
-          <a:off x="0" y="0"/>
-          <a:ext cx="0" cy="0"/>
-          <a:chOff x="0" y="0"/>
-          <a:chExt cx="0" cy="0"/>
-        </a:xfrm>
-      </p:grpSpPr>
-      <p:pic>
-        <p:nvPicPr>
-          <p:cNvPr id="2" name="Picture 1">
-            <a:extLst>
-              <a:ext uri="{FF2B5EF4-FFF2-40B4-BE49-F238E27FC236}">
-                <a16:creationId xmlns:a16="http://schemas.microsoft.com/office/drawing/2014/main" id="{AD728762-F9C4-490F-8D64-16CF55432F2D}"/>
-              </a:ext>
-            </a:extLst>
-          </p:cNvPr>
-          <p:cNvPicPr>
-            <a:picLocks noChangeAspect="1"/>
-          </p:cNvPicPr>
-          <p:nvPr/>
-        </p:nvPicPr>
-        <p:blipFill>
-          <a:blip r:embed="rId2"/>
-          <a:stretch>
-            <a:fillRect/>
-          </a:stretch>
-        </p:blipFill>
-        <p:spPr>
-          <a:xfrm>
-            <a:off x="221320" y="243211"/>
-            <a:ext cx="11831480" cy="6371578"/>
-          </a:xfrm>
-          <a:prstGeom prst="rect">
-            <a:avLst/>
-          </a:prstGeom>
-        </p:spPr>
-      </p:pic>
-    </p:spTree>
-    <p:extLst>
-      <p:ext uri="{BB962C8B-B14F-4D97-AF65-F5344CB8AC3E}">
-        <p14:creationId xmlns:p14="http://schemas.microsoft.com/office/powerpoint/2010/main" val="1035908304"/>
-      </p:ext>
-    </p:extLst>
-  </p:cSld>
-  <p:clrMapOvr>
-    <a:masterClrMapping/>
-  </p:clrMapOvr>
-</p:sld>
-</file>
-
-<file path=ppt/slides/slide5.xml><?xml version="1.0" encoding="utf-8"?>
-<p:sld xmlns:a="http://schemas.openxmlformats.org/drawingml/2006/main" xmlns:r="http://schemas.openxmlformats.org/officeDocument/2006/relationships" xmlns:p="http://schemas.openxmlformats.org/presentationml/2006/main">
-  <p:cSld>
-    <p:spTree>
-      <p:nvGrpSpPr>
-        <p:cNvPr id="1" name=""/>
-        <p:cNvGrpSpPr/>
-        <p:nvPr/>
-      </p:nvGrpSpPr>
-      <p:grpSpPr>
-        <a:xfrm>
-          <a:off x="0" y="0"/>
-          <a:ext cx="0" cy="0"/>
-          <a:chOff x="0" y="0"/>
-          <a:chExt cx="0" cy="0"/>
-        </a:xfrm>
-      </p:grpSpPr>
-      <p:sp>
-        <p:nvSpPr>
-          <p:cNvPr id="6" name="Title 5">
-            <a:extLst>
-              <a:ext uri="{FF2B5EF4-FFF2-40B4-BE49-F238E27FC236}">
-                <a16:creationId xmlns:a16="http://schemas.microsoft.com/office/drawing/2014/main" id="{9CEDA966-D3AE-4FC3-90F6-67CC8136F94C}"/>
-              </a:ext>
-            </a:extLst>
-          </p:cNvPr>
-          <p:cNvSpPr>
-            <a:spLocks noGrp="1"/>
-          </p:cNvSpPr>
-          <p:nvPr>
-            <p:ph type="title"/>
-          </p:nvPr>
-        </p:nvSpPr>
-        <p:spPr/>
-        <p:txBody>
-          <a:bodyPr/>
-          <a:lstStyle/>
-          <a:p>
-            <a:r>
-              <a:rPr lang="en-US" dirty="0"/>
-              <a:t>Example case</a:t>
-            </a:r>
-          </a:p>
-        </p:txBody>
-      </p:sp>
-      <p:sp>
-        <p:nvSpPr>
-          <p:cNvPr id="7" name="Text Placeholder 6">
-            <a:extLst>
-              <a:ext uri="{FF2B5EF4-FFF2-40B4-BE49-F238E27FC236}">
-                <a16:creationId xmlns:a16="http://schemas.microsoft.com/office/drawing/2014/main" id="{525905B5-9C4C-4C27-978F-76FB95AE15E3}"/>
-              </a:ext>
-            </a:extLst>
-          </p:cNvPr>
-          <p:cNvSpPr>
-            <a:spLocks noGrp="1"/>
-          </p:cNvSpPr>
-          <p:nvPr>
-            <p:ph type="body" idx="7"/>
-          </p:nvPr>
-        </p:nvSpPr>
-        <p:spPr/>
-        <p:txBody>
-          <a:bodyPr/>
-          <a:lstStyle/>
-          <a:p>
-            <a:endParaRPr lang="en-US" dirty="0"/>
-          </a:p>
-        </p:txBody>
-      </p:sp>
-    </p:spTree>
-    <p:extLst>
-      <p:ext uri="{BB962C8B-B14F-4D97-AF65-F5344CB8AC3E}">
-        <p14:creationId xmlns:p14="http://schemas.microsoft.com/office/powerpoint/2010/main" val="1031131883"/>
-      </p:ext>
-    </p:extLst>
-  </p:cSld>
-  <p:clrMapOvr>
-    <a:masterClrMapping/>
-  </p:clrMapOvr>
-</p:sld>
-</file>
-
-<file path=ppt/slides/slide6.xml><?xml version="1.0" encoding="utf-8"?>
-<p:sld xmlns:a="http://schemas.openxmlformats.org/drawingml/2006/main" xmlns:r="http://schemas.openxmlformats.org/officeDocument/2006/relationships" xmlns:p="http://schemas.openxmlformats.org/presentationml/2006/main">
-  <p:cSld>
-    <p:spTree>
-      <p:nvGrpSpPr>
-        <p:cNvPr id="1" name=""/>
-        <p:cNvGrpSpPr/>
-        <p:nvPr/>
-      </p:nvGrpSpPr>
-      <p:grpSpPr>
-        <a:xfrm>
-          <a:off x="0" y="0"/>
-          <a:ext cx="0" cy="0"/>
-          <a:chOff x="0" y="0"/>
-          <a:chExt cx="0" cy="0"/>
-        </a:xfrm>
-      </p:grpSpPr>
-      <p:sp>
-        <p:nvSpPr>
           <p:cNvPr id="7" name="Rectangle 6">
             <a:extLst>
               <a:ext uri="{FF2B5EF4-FFF2-40B4-BE49-F238E27FC236}">
@@ -42573,7 +42231,7 @@
 </p:sld>
 </file>
 
-<file path=ppt/slides/slide7.xml><?xml version="1.0" encoding="utf-8"?>
+<file path=ppt/slides/slide4.xml><?xml version="1.0" encoding="utf-8"?>
 <p:sld xmlns:a="http://schemas.openxmlformats.org/drawingml/2006/main" xmlns:r="http://schemas.openxmlformats.org/officeDocument/2006/relationships" xmlns:p="http://schemas.openxmlformats.org/presentationml/2006/main">
   <p:cSld>
     <p:spTree>
@@ -44877,7 +44535,7 @@
 </p:sld>
 </file>
 
-<file path=ppt/slides/slide8.xml><?xml version="1.0" encoding="utf-8"?>
+<file path=ppt/slides/slide5.xml><?xml version="1.0" encoding="utf-8"?>
 <p:sld xmlns:a="http://schemas.openxmlformats.org/drawingml/2006/main" xmlns:r="http://schemas.openxmlformats.org/officeDocument/2006/relationships" xmlns:p="http://schemas.openxmlformats.org/presentationml/2006/main">
   <p:cSld>
     <p:spTree>
@@ -45946,7 +45604,7 @@
 </p:sld>
 </file>
 
-<file path=ppt/slides/slide9.xml><?xml version="1.0" encoding="utf-8"?>
+<file path=ppt/slides/slide6.xml><?xml version="1.0" encoding="utf-8"?>
 <p:sld xmlns:a="http://schemas.openxmlformats.org/drawingml/2006/main" xmlns:r="http://schemas.openxmlformats.org/officeDocument/2006/relationships" xmlns:p="http://schemas.openxmlformats.org/presentationml/2006/main">
   <p:cSld>
     <p:spTree>
@@ -47522,6 +47180,348 @@
     <p:extLst>
       <p:ext uri="{BB962C8B-B14F-4D97-AF65-F5344CB8AC3E}">
         <p14:creationId xmlns:p14="http://schemas.microsoft.com/office/powerpoint/2010/main" val="2877906357"/>
+      </p:ext>
+    </p:extLst>
+  </p:cSld>
+  <p:clrMapOvr>
+    <a:masterClrMapping/>
+  </p:clrMapOvr>
+</p:sld>
+</file>
+
+<file path=ppt/slides/slide7.xml><?xml version="1.0" encoding="utf-8"?>
+<p:sld xmlns:a="http://schemas.openxmlformats.org/drawingml/2006/main" xmlns:r="http://schemas.openxmlformats.org/officeDocument/2006/relationships" xmlns:p="http://schemas.openxmlformats.org/presentationml/2006/main">
+  <p:cSld>
+    <p:spTree>
+      <p:nvGrpSpPr>
+        <p:cNvPr id="1" name=""/>
+        <p:cNvGrpSpPr/>
+        <p:nvPr/>
+      </p:nvGrpSpPr>
+      <p:grpSpPr>
+        <a:xfrm>
+          <a:off x="0" y="0"/>
+          <a:ext cx="0" cy="0"/>
+          <a:chOff x="0" y="0"/>
+          <a:chExt cx="0" cy="0"/>
+        </a:xfrm>
+      </p:grpSpPr>
+      <p:sp>
+        <p:nvSpPr>
+          <p:cNvPr id="9" name="Title 8">
+            <a:extLst>
+              <a:ext uri="{FF2B5EF4-FFF2-40B4-BE49-F238E27FC236}">
+                <a16:creationId xmlns:a16="http://schemas.microsoft.com/office/drawing/2014/main" id="{61F708E7-CEB6-4F83-84BA-921AA82C6305}"/>
+              </a:ext>
+            </a:extLst>
+          </p:cNvPr>
+          <p:cNvSpPr>
+            <a:spLocks noGrp="1"/>
+          </p:cNvSpPr>
+          <p:nvPr>
+            <p:ph type="title"/>
+          </p:nvPr>
+        </p:nvSpPr>
+        <p:spPr/>
+        <p:txBody>
+          <a:bodyPr>
+            <a:normAutofit fontScale="90000"/>
+          </a:bodyPr>
+          <a:lstStyle/>
+          <a:p>
+            <a:r>
+              <a:rPr lang="en-US" dirty="0"/>
+              <a:t>What is it exactly?</a:t>
+            </a:r>
+          </a:p>
+        </p:txBody>
+      </p:sp>
+      <p:sp>
+        <p:nvSpPr>
+          <p:cNvPr id="11" name="Subtitle 10">
+            <a:extLst>
+              <a:ext uri="{FF2B5EF4-FFF2-40B4-BE49-F238E27FC236}">
+                <a16:creationId xmlns:a16="http://schemas.microsoft.com/office/drawing/2014/main" id="{42E136C4-67FD-4D89-90C0-FB1D6D2B36B7}"/>
+              </a:ext>
+            </a:extLst>
+          </p:cNvPr>
+          <p:cNvSpPr>
+            <a:spLocks noGrp="1"/>
+          </p:cNvSpPr>
+          <p:nvPr>
+            <p:ph type="subTitle" idx="27"/>
+          </p:nvPr>
+        </p:nvSpPr>
+        <p:spPr/>
+        <p:txBody>
+          <a:bodyPr/>
+          <a:lstStyle/>
+          <a:p>
+            <a:endParaRPr lang="en-US" dirty="0"/>
+          </a:p>
+        </p:txBody>
+      </p:sp>
+      <p:sp>
+        <p:nvSpPr>
+          <p:cNvPr id="10" name="Content Placeholder 9">
+            <a:extLst>
+              <a:ext uri="{FF2B5EF4-FFF2-40B4-BE49-F238E27FC236}">
+                <a16:creationId xmlns:a16="http://schemas.microsoft.com/office/drawing/2014/main" id="{F9612E3A-ED10-4719-BC40-4F0F15860EF2}"/>
+              </a:ext>
+            </a:extLst>
+          </p:cNvPr>
+          <p:cNvSpPr>
+            <a:spLocks noGrp="1"/>
+          </p:cNvSpPr>
+          <p:nvPr>
+            <p:ph idx="1"/>
+          </p:nvPr>
+        </p:nvSpPr>
+        <p:spPr/>
+        <p:txBody>
+          <a:bodyPr/>
+          <a:lstStyle/>
+          <a:p>
+            <a:r>
+              <a:rPr lang="en-US" dirty="0"/>
+              <a:t>An Azure Logic App with 2 API Connections</a:t>
+            </a:r>
+          </a:p>
+          <a:p>
+            <a:pPr marL="457200" lvl="1" indent="-457200">
+              <a:buFont typeface="Arial" panose="020B0604020202020204" pitchFamily="34" charset="0"/>
+              <a:buChar char="•"/>
+            </a:pPr>
+            <a:r>
+              <a:rPr lang="en-US" dirty="0"/>
+              <a:t>Azure DevOps</a:t>
+            </a:r>
+          </a:p>
+          <a:p>
+            <a:pPr marL="457200" lvl="1" indent="-457200">
+              <a:buFont typeface="Arial" panose="020B0604020202020204" pitchFamily="34" charset="0"/>
+              <a:buChar char="•"/>
+            </a:pPr>
+            <a:r>
+              <a:rPr lang="en-US" dirty="0"/>
+              <a:t>Azure Resource Manager</a:t>
+            </a:r>
+          </a:p>
+          <a:p>
+            <a:r>
+              <a:rPr lang="en-US" dirty="0"/>
+              <a:t>HTTP Endpoint JSON body to define pipeline execution sequence</a:t>
+            </a:r>
+          </a:p>
+          <a:p>
+            <a:r>
+              <a:rPr lang="en-US" dirty="0"/>
+              <a:t>Primary set of Synchronously executed pipelines</a:t>
+            </a:r>
+          </a:p>
+          <a:p>
+            <a:r>
+              <a:rPr lang="en-US" dirty="0"/>
+              <a:t>Secondary set of Asynchronously executed pipelines</a:t>
+            </a:r>
+          </a:p>
+        </p:txBody>
+      </p:sp>
+    </p:spTree>
+    <p:extLst>
+      <p:ext uri="{BB962C8B-B14F-4D97-AF65-F5344CB8AC3E}">
+        <p14:creationId xmlns:p14="http://schemas.microsoft.com/office/powerpoint/2010/main" val="4018757990"/>
+      </p:ext>
+    </p:extLst>
+  </p:cSld>
+  <p:clrMapOvr>
+    <a:masterClrMapping/>
+  </p:clrMapOvr>
+</p:sld>
+</file>
+
+<file path=ppt/slides/slide8.xml><?xml version="1.0" encoding="utf-8"?>
+<p:sld xmlns:a="http://schemas.openxmlformats.org/drawingml/2006/main" xmlns:r="http://schemas.openxmlformats.org/officeDocument/2006/relationships" xmlns:p="http://schemas.openxmlformats.org/presentationml/2006/main">
+  <p:cSld>
+    <p:spTree>
+      <p:nvGrpSpPr>
+        <p:cNvPr id="1" name=""/>
+        <p:cNvGrpSpPr/>
+        <p:nvPr/>
+      </p:nvGrpSpPr>
+      <p:grpSpPr>
+        <a:xfrm>
+          <a:off x="0" y="0"/>
+          <a:ext cx="0" cy="0"/>
+          <a:chOff x="0" y="0"/>
+          <a:chExt cx="0" cy="0"/>
+        </a:xfrm>
+      </p:grpSpPr>
+      <p:sp>
+        <p:nvSpPr>
+          <p:cNvPr id="2" name="Title 1">
+            <a:extLst>
+              <a:ext uri="{FF2B5EF4-FFF2-40B4-BE49-F238E27FC236}">
+                <a16:creationId xmlns:a16="http://schemas.microsoft.com/office/drawing/2014/main" id="{CF3B1331-12F8-41B1-9633-8D0517A0843C}"/>
+              </a:ext>
+            </a:extLst>
+          </p:cNvPr>
+          <p:cNvSpPr>
+            <a:spLocks noGrp="1"/>
+          </p:cNvSpPr>
+          <p:nvPr>
+            <p:ph type="title"/>
+          </p:nvPr>
+        </p:nvSpPr>
+        <p:spPr/>
+        <p:txBody>
+          <a:bodyPr>
+            <a:normAutofit fontScale="90000"/>
+          </a:bodyPr>
+          <a:lstStyle/>
+          <a:p>
+            <a:r>
+              <a:rPr lang="en-US" dirty="0"/>
+              <a:t>Why would I use it?</a:t>
+            </a:r>
+          </a:p>
+        </p:txBody>
+      </p:sp>
+      <p:sp>
+        <p:nvSpPr>
+          <p:cNvPr id="7" name="Subtitle 6">
+            <a:extLst>
+              <a:ext uri="{FF2B5EF4-FFF2-40B4-BE49-F238E27FC236}">
+                <a16:creationId xmlns:a16="http://schemas.microsoft.com/office/drawing/2014/main" id="{4066BE0E-1002-4B31-9AAF-D0D0CF561481}"/>
+              </a:ext>
+            </a:extLst>
+          </p:cNvPr>
+          <p:cNvSpPr>
+            <a:spLocks noGrp="1"/>
+          </p:cNvSpPr>
+          <p:nvPr>
+            <p:ph type="subTitle" idx="27"/>
+          </p:nvPr>
+        </p:nvSpPr>
+        <p:spPr/>
+        <p:txBody>
+          <a:bodyPr/>
+          <a:lstStyle/>
+          <a:p>
+            <a:endParaRPr lang="en-US"/>
+          </a:p>
+        </p:txBody>
+      </p:sp>
+      <p:sp>
+        <p:nvSpPr>
+          <p:cNvPr id="6" name="Content Placeholder 5">
+            <a:extLst>
+              <a:ext uri="{FF2B5EF4-FFF2-40B4-BE49-F238E27FC236}">
+                <a16:creationId xmlns:a16="http://schemas.microsoft.com/office/drawing/2014/main" id="{EA1749E6-C0B1-44D3-BFEC-25D300DDB20F}"/>
+              </a:ext>
+            </a:extLst>
+          </p:cNvPr>
+          <p:cNvSpPr>
+            <a:spLocks noGrp="1"/>
+          </p:cNvSpPr>
+          <p:nvPr>
+            <p:ph idx="1"/>
+          </p:nvPr>
+        </p:nvSpPr>
+        <p:spPr/>
+        <p:txBody>
+          <a:bodyPr/>
+          <a:lstStyle/>
+          <a:p>
+            <a:r>
+              <a:rPr lang="en-US" dirty="0"/>
+              <a:t>Orchestrate the execution of a series of Azure DevOps pipelines.</a:t>
+            </a:r>
+          </a:p>
+          <a:p>
+            <a:r>
+              <a:rPr lang="en-US" dirty="0"/>
+              <a:t>Series of discrete applications/services are combined to create a larger system.</a:t>
+            </a:r>
+          </a:p>
+          <a:p>
+            <a:r>
+              <a:rPr lang="en-US" dirty="0"/>
+              <a:t>Manual execution of the series of applications is error prone.</a:t>
+            </a:r>
+          </a:p>
+          <a:p>
+            <a:r>
+              <a:rPr lang="en-US" dirty="0"/>
+              <a:t>A long running pipeline exists within the series of deployments.</a:t>
+            </a:r>
+          </a:p>
+        </p:txBody>
+      </p:sp>
+    </p:spTree>
+    <p:extLst>
+      <p:ext uri="{BB962C8B-B14F-4D97-AF65-F5344CB8AC3E}">
+        <p14:creationId xmlns:p14="http://schemas.microsoft.com/office/powerpoint/2010/main" val="3927680586"/>
+      </p:ext>
+    </p:extLst>
+  </p:cSld>
+  <p:clrMapOvr>
+    <a:masterClrMapping/>
+  </p:clrMapOvr>
+</p:sld>
+</file>
+
+<file path=ppt/slides/slide9.xml><?xml version="1.0" encoding="utf-8"?>
+<p:sld xmlns:a="http://schemas.openxmlformats.org/drawingml/2006/main" xmlns:r="http://schemas.openxmlformats.org/officeDocument/2006/relationships" xmlns:p="http://schemas.openxmlformats.org/presentationml/2006/main">
+  <p:cSld>
+    <p:spTree>
+      <p:nvGrpSpPr>
+        <p:cNvPr id="1" name=""/>
+        <p:cNvGrpSpPr/>
+        <p:nvPr/>
+      </p:nvGrpSpPr>
+      <p:grpSpPr>
+        <a:xfrm>
+          <a:off x="0" y="0"/>
+          <a:ext cx="0" cy="0"/>
+          <a:chOff x="0" y="0"/>
+          <a:chExt cx="0" cy="0"/>
+        </a:xfrm>
+      </p:grpSpPr>
+      <p:pic>
+        <p:nvPicPr>
+          <p:cNvPr id="2" name="Picture 1">
+            <a:extLst>
+              <a:ext uri="{FF2B5EF4-FFF2-40B4-BE49-F238E27FC236}">
+                <a16:creationId xmlns:a16="http://schemas.microsoft.com/office/drawing/2014/main" id="{AD728762-F9C4-490F-8D64-16CF55432F2D}"/>
+              </a:ext>
+            </a:extLst>
+          </p:cNvPr>
+          <p:cNvPicPr>
+            <a:picLocks noChangeAspect="1"/>
+          </p:cNvPicPr>
+          <p:nvPr/>
+        </p:nvPicPr>
+        <p:blipFill>
+          <a:blip r:embed="rId2"/>
+          <a:stretch>
+            <a:fillRect/>
+          </a:stretch>
+        </p:blipFill>
+        <p:spPr>
+          <a:xfrm>
+            <a:off x="221320" y="243211"/>
+            <a:ext cx="11831480" cy="6371578"/>
+          </a:xfrm>
+          <a:prstGeom prst="rect">
+            <a:avLst/>
+          </a:prstGeom>
+        </p:spPr>
+      </p:pic>
+    </p:spTree>
+    <p:extLst>
+      <p:ext uri="{BB962C8B-B14F-4D97-AF65-F5344CB8AC3E}">
+        <p14:creationId xmlns:p14="http://schemas.microsoft.com/office/powerpoint/2010/main" val="1035908304"/>
       </p:ext>
     </p:extLst>
   </p:cSld>

--- a/resources/Diagrams.pptx
+++ b/resources/Diagrams.pptx
@@ -8,17 +8,12 @@
   </p:sldMasterIdLst>
   <p:sldIdLst>
     <p:sldId id="261" r:id="rId4"/>
-    <p:sldId id="266" r:id="rId5"/>
-    <p:sldId id="260" r:id="rId6"/>
-    <p:sldId id="257" r:id="rId7"/>
-    <p:sldId id="258" r:id="rId8"/>
-    <p:sldId id="262" r:id="rId9"/>
-    <p:sldId id="264" r:id="rId10"/>
-    <p:sldId id="265" r:id="rId11"/>
-    <p:sldId id="268" r:id="rId12"/>
-    <p:sldId id="263" r:id="rId13"/>
-    <p:sldId id="267" r:id="rId14"/>
-    <p:sldId id="256" r:id="rId15"/>
+    <p:sldId id="260" r:id="rId5"/>
+    <p:sldId id="257" r:id="rId6"/>
+    <p:sldId id="258" r:id="rId7"/>
+    <p:sldId id="262" r:id="rId8"/>
+    <p:sldId id="263" r:id="rId9"/>
+    <p:sldId id="267" r:id="rId10"/>
   </p:sldIdLst>
   <p:sldSz cx="12192000" cy="6858000"/>
   <p:notesSz cx="6858000" cy="9144000"/>
@@ -9562,7 +9557,7 @@
           <a:p>
             <a:fld id="{1B144220-78F4-4213-8FE5-02F759C59627}" type="datetimeFigureOut">
               <a:rPr lang="en-US" smtClean="0"/>
-              <a:t>12/9/2019</a:t>
+              <a:t>12/12/2019</a:t>
             </a:fld>
             <a:endParaRPr lang="en-US"/>
           </a:p>
@@ -9962,8 +9957,8 @@
 </file>
 
 <file path=ppt/slideLayouts/slideLayout30.xml><?xml version="1.0" encoding="utf-8"?>
-<p:sldLayout xmlns:a="http://schemas.openxmlformats.org/drawingml/2006/main" xmlns:r="http://schemas.openxmlformats.org/officeDocument/2006/relationships" xmlns:p="http://schemas.openxmlformats.org/presentationml/2006/main" type="title">
-  <p:cSld name="Title Slide">
+<p:sldLayout xmlns:a="http://schemas.openxmlformats.org/drawingml/2006/main" xmlns:r="http://schemas.openxmlformats.org/officeDocument/2006/relationships" xmlns:p="http://schemas.openxmlformats.org/presentationml/2006/main" preserve="1" userDrawn="1">
+  <p:cSld name="Content">
     <p:spTree>
       <p:nvGrpSpPr>
         <p:cNvPr id="1" name=""/>
@@ -9980,10 +9975,137 @@
       </p:grpSpPr>
       <p:sp>
         <p:nvSpPr>
-          <p:cNvPr id="2" name="Title 1">
+          <p:cNvPr id="5" name="Footer Placeholder 6" hidden="1"/>
+          <p:cNvSpPr txBox="1">
+            <a:spLocks/>
+          </p:cNvSpPr>
+          <p:nvPr userDrawn="1"/>
+        </p:nvSpPr>
+        <p:spPr>
+          <a:xfrm>
+            <a:off x="10529456" y="6553200"/>
+            <a:ext cx="1663691" cy="304800"/>
+          </a:xfrm>
+          <a:prstGeom prst="rect">
+            <a:avLst/>
+          </a:prstGeom>
+        </p:spPr>
+        <p:txBody>
+          <a:bodyPr/>
+          <a:lstStyle>
+            <a:defPPr>
+              <a:defRPr lang="en-US"/>
+            </a:defPPr>
+            <a:lvl1pPr marL="0" algn="l" defTabSz="914400" rtl="0" eaLnBrk="1" latinLnBrk="0" hangingPunct="1">
+              <a:defRPr sz="1800" kern="1200">
+                <a:solidFill>
+                  <a:schemeClr val="tx1"/>
+                </a:solidFill>
+                <a:latin typeface="+mn-lt"/>
+                <a:ea typeface="+mn-ea"/>
+                <a:cs typeface="+mn-cs"/>
+              </a:defRPr>
+            </a:lvl1pPr>
+            <a:lvl2pPr marL="457200" algn="l" defTabSz="914400" rtl="0" eaLnBrk="1" latinLnBrk="0" hangingPunct="1">
+              <a:defRPr sz="1800" kern="1200">
+                <a:solidFill>
+                  <a:schemeClr val="tx1"/>
+                </a:solidFill>
+                <a:latin typeface="+mn-lt"/>
+                <a:ea typeface="+mn-ea"/>
+                <a:cs typeface="+mn-cs"/>
+              </a:defRPr>
+            </a:lvl2pPr>
+            <a:lvl3pPr marL="914400" algn="l" defTabSz="914400" rtl="0" eaLnBrk="1" latinLnBrk="0" hangingPunct="1">
+              <a:defRPr sz="1800" kern="1200">
+                <a:solidFill>
+                  <a:schemeClr val="tx1"/>
+                </a:solidFill>
+                <a:latin typeface="+mn-lt"/>
+                <a:ea typeface="+mn-ea"/>
+                <a:cs typeface="+mn-cs"/>
+              </a:defRPr>
+            </a:lvl3pPr>
+            <a:lvl4pPr marL="1371600" algn="l" defTabSz="914400" rtl="0" eaLnBrk="1" latinLnBrk="0" hangingPunct="1">
+              <a:defRPr sz="1800" kern="1200">
+                <a:solidFill>
+                  <a:schemeClr val="tx1"/>
+                </a:solidFill>
+                <a:latin typeface="+mn-lt"/>
+                <a:ea typeface="+mn-ea"/>
+                <a:cs typeface="+mn-cs"/>
+              </a:defRPr>
+            </a:lvl4pPr>
+            <a:lvl5pPr marL="1828800" algn="l" defTabSz="914400" rtl="0" eaLnBrk="1" latinLnBrk="0" hangingPunct="1">
+              <a:defRPr sz="1800" kern="1200">
+                <a:solidFill>
+                  <a:schemeClr val="tx1"/>
+                </a:solidFill>
+                <a:latin typeface="+mn-lt"/>
+                <a:ea typeface="+mn-ea"/>
+                <a:cs typeface="+mn-cs"/>
+              </a:defRPr>
+            </a:lvl5pPr>
+            <a:lvl6pPr marL="2286000" algn="l" defTabSz="914400" rtl="0" eaLnBrk="1" latinLnBrk="0" hangingPunct="1">
+              <a:defRPr sz="1800" kern="1200">
+                <a:solidFill>
+                  <a:schemeClr val="tx1"/>
+                </a:solidFill>
+                <a:latin typeface="+mn-lt"/>
+                <a:ea typeface="+mn-ea"/>
+                <a:cs typeface="+mn-cs"/>
+              </a:defRPr>
+            </a:lvl6pPr>
+            <a:lvl7pPr marL="2743200" algn="l" defTabSz="914400" rtl="0" eaLnBrk="1" latinLnBrk="0" hangingPunct="1">
+              <a:defRPr sz="1800" kern="1200">
+                <a:solidFill>
+                  <a:schemeClr val="tx1"/>
+                </a:solidFill>
+                <a:latin typeface="+mn-lt"/>
+                <a:ea typeface="+mn-ea"/>
+                <a:cs typeface="+mn-cs"/>
+              </a:defRPr>
+            </a:lvl7pPr>
+            <a:lvl8pPr marL="3200400" algn="l" defTabSz="914400" rtl="0" eaLnBrk="1" latinLnBrk="0" hangingPunct="1">
+              <a:defRPr sz="1800" kern="1200">
+                <a:solidFill>
+                  <a:schemeClr val="tx1"/>
+                </a:solidFill>
+                <a:latin typeface="+mn-lt"/>
+                <a:ea typeface="+mn-ea"/>
+                <a:cs typeface="+mn-cs"/>
+              </a:defRPr>
+            </a:lvl8pPr>
+            <a:lvl9pPr marL="3657600" algn="l" defTabSz="914400" rtl="0" eaLnBrk="1" latinLnBrk="0" hangingPunct="1">
+              <a:defRPr sz="1800" kern="1200">
+                <a:solidFill>
+                  <a:schemeClr val="tx1"/>
+                </a:solidFill>
+                <a:latin typeface="+mn-lt"/>
+                <a:ea typeface="+mn-ea"/>
+                <a:cs typeface="+mn-cs"/>
+              </a:defRPr>
+            </a:lvl9pPr>
+          </a:lstStyle>
+          <a:p>
+            <a:pPr algn="r"/>
+            <a:r>
+              <a:rPr lang="en-US" sz="800">
+                <a:solidFill>
+                  <a:srgbClr val="666666"/>
+                </a:solidFill>
+              </a:rPr>
+              <a:t>MICROSOFT CONFIDENTIAL</a:t>
+            </a:r>
+          </a:p>
+        </p:txBody>
+      </p:sp>
+      <p:sp>
+        <p:nvSpPr>
+          <p:cNvPr id="12" name="Title Placeholder 2">
             <a:extLst>
               <a:ext uri="{FF2B5EF4-FFF2-40B4-BE49-F238E27FC236}">
-                <a16:creationId xmlns:a16="http://schemas.microsoft.com/office/drawing/2014/main" id="{B8D8E8E0-D768-471A-8252-56DB44D407E4}"/>
+                <a16:creationId xmlns:a16="http://schemas.microsoft.com/office/drawing/2014/main" id="{E901D344-ED89-49CF-99A7-86594AEA4B3F}"/>
               </a:ext>
             </a:extLst>
           </p:cNvPr>
@@ -9991,20 +10113,32 @@
             <a:spLocks noGrp="1"/>
           </p:cNvSpPr>
           <p:nvPr>
-            <p:ph type="ctrTitle"/>
+            <p:ph type="title"/>
           </p:nvPr>
         </p:nvSpPr>
         <p:spPr>
           <a:xfrm>
-            <a:off x="1524000" y="1122363"/>
-            <a:ext cx="9144000" cy="2387600"/>
-          </a:xfrm>
-        </p:spPr>
-        <p:txBody>
-          <a:bodyPr anchor="b"/>
+            <a:off x="457200" y="457200"/>
+            <a:ext cx="11277599" cy="594360"/>
+          </a:xfrm>
+          <a:prstGeom prst="rect">
+            <a:avLst/>
+          </a:prstGeom>
+        </p:spPr>
+        <p:txBody>
+          <a:bodyPr vert="horz" lIns="0" tIns="0" rIns="0" bIns="0" rtlCol="0" anchor="t">
+            <a:normAutofit/>
+          </a:bodyPr>
           <a:lstStyle>
-            <a:lvl1pPr algn="ctr">
-              <a:defRPr sz="6000"/>
+            <a:lvl1pPr>
+              <a:defRPr sz="4400" b="1" i="0">
+                <a:solidFill>
+                  <a:schemeClr val="tx1"/>
+                </a:solidFill>
+                <a:latin typeface="Segoe Semibold" charset="0"/>
+                <a:ea typeface="Segoe Semibold" charset="0"/>
+                <a:cs typeface="Segoe Semibold" charset="0"/>
+              </a:defRPr>
             </a:lvl1pPr>
           </a:lstStyle>
           <a:p>
@@ -10012,15 +10146,16 @@
               <a:rPr lang="en-US"/>
               <a:t>Click to edit Master title style</a:t>
             </a:r>
-          </a:p>
-        </p:txBody>
-      </p:sp>
-      <p:sp>
-        <p:nvSpPr>
-          <p:cNvPr id="3" name="Subtitle 2">
+            <a:endParaRPr lang="en-US" dirty="0"/>
+          </a:p>
+        </p:txBody>
+      </p:sp>
+      <p:sp>
+        <p:nvSpPr>
+          <p:cNvPr id="6" name="Subtitle 2">
             <a:extLst>
               <a:ext uri="{FF2B5EF4-FFF2-40B4-BE49-F238E27FC236}">
-                <a16:creationId xmlns:a16="http://schemas.microsoft.com/office/drawing/2014/main" id="{7B1EAD04-3B2D-4BD5-AA97-7B9359ED73CF}"/>
+                <a16:creationId xmlns:a16="http://schemas.microsoft.com/office/drawing/2014/main" id="{BA99162F-3F7B-2242-A1B2-486A63B6C5DF}"/>
               </a:ext>
             </a:extLst>
           </p:cNvPr>
@@ -10028,21 +10163,24 @@
             <a:spLocks noGrp="1"/>
           </p:cNvSpPr>
           <p:nvPr>
-            <p:ph type="subTitle" idx="1"/>
+            <p:ph type="subTitle" idx="27"/>
           </p:nvPr>
         </p:nvSpPr>
         <p:spPr>
           <a:xfrm>
-            <a:off x="1524000" y="3602038"/>
-            <a:ext cx="9144000" cy="1655762"/>
+            <a:off x="457200" y="1051560"/>
+            <a:ext cx="11277600" cy="685800"/>
           </a:xfrm>
         </p:spPr>
         <p:txBody>
           <a:bodyPr/>
           <a:lstStyle>
-            <a:lvl1pPr marL="0" indent="0" algn="ctr">
+            <a:lvl1pPr marL="0" indent="0" algn="l">
               <a:buNone/>
-              <a:defRPr sz="2400"/>
+              <a:defRPr sz="2400" b="0" i="0" spc="-60" baseline="0">
+                <a:latin typeface="Segoe UI Semibold" panose="020B0702040204020203" pitchFamily="34" charset="0"/>
+                <a:cs typeface="Segoe UI Semibold" panose="020B0702040204020203" pitchFamily="34" charset="0"/>
+              </a:defRPr>
             </a:lvl1pPr>
             <a:lvl2pPr marL="457200" indent="0" algn="ctr">
               <a:buNone/>
@@ -10082,15 +10220,16 @@
               <a:rPr lang="en-US"/>
               <a:t>Click to edit Master subtitle style</a:t>
             </a:r>
-          </a:p>
-        </p:txBody>
-      </p:sp>
-      <p:sp>
-        <p:nvSpPr>
-          <p:cNvPr id="4" name="Date Placeholder 3">
+            <a:endParaRPr lang="en-US" dirty="0"/>
+          </a:p>
+        </p:txBody>
+      </p:sp>
+      <p:sp>
+        <p:nvSpPr>
+          <p:cNvPr id="2" name="Slide Number Placeholder 1">
             <a:extLst>
               <a:ext uri="{FF2B5EF4-FFF2-40B4-BE49-F238E27FC236}">
-                <a16:creationId xmlns:a16="http://schemas.microsoft.com/office/drawing/2014/main" id="{148F64A7-4B38-452E-B408-4EC0559843F0}"/>
+                <a16:creationId xmlns:a16="http://schemas.microsoft.com/office/drawing/2014/main" id="{9FF4F531-1753-1544-8A42-F788362A04E3}"/>
               </a:ext>
             </a:extLst>
           </p:cNvPr>
@@ -10098,7 +10237,7 @@
             <a:spLocks noGrp="1"/>
           </p:cNvSpPr>
           <p:nvPr>
-            <p:ph type="dt" sz="half" idx="10"/>
+            <p:ph type="sldNum" sz="quarter" idx="28"/>
           </p:nvPr>
         </p:nvSpPr>
         <p:spPr/>
@@ -10106,9 +10245,10 @@
           <a:bodyPr/>
           <a:lstStyle/>
           <a:p>
-            <a:fld id="{1B144220-78F4-4213-8FE5-02F759C59627}" type="datetimeFigureOut">
+            <a:fld id="{529AFA16-AEC4-7D4A-82F3-BDAE8E49079E}" type="slidenum">
               <a:rPr lang="en-US" smtClean="0"/>
-              <a:t>12/9/2019</a:t>
+              <a:pPr/>
+              <a:t>‹#›</a:t>
             </a:fld>
             <a:endParaRPr lang="en-US"/>
           </a:p>
@@ -10116,10 +10256,10 @@
       </p:sp>
       <p:sp>
         <p:nvSpPr>
-          <p:cNvPr id="5" name="Footer Placeholder 4">
+          <p:cNvPr id="9" name="Text Placeholder 3">
             <a:extLst>
               <a:ext uri="{FF2B5EF4-FFF2-40B4-BE49-F238E27FC236}">
-                <a16:creationId xmlns:a16="http://schemas.microsoft.com/office/drawing/2014/main" id="{1F9655F8-A2D1-4DBC-8727-89BB18C0DB84}"/>
+                <a16:creationId xmlns:a16="http://schemas.microsoft.com/office/drawing/2014/main" id="{68F2A2D2-DE9B-4819-9052-7451D1D54C8B}"/>
               </a:ext>
             </a:extLst>
           </p:cNvPr>
@@ -10127,63 +10267,70 @@
             <a:spLocks noGrp="1"/>
           </p:cNvSpPr>
           <p:nvPr>
-            <p:ph type="ftr" sz="quarter" idx="11"/>
+            <p:ph idx="1" hasCustomPrompt="1"/>
           </p:nvPr>
         </p:nvSpPr>
-        <p:spPr/>
-        <p:txBody>
-          <a:bodyPr/>
+        <p:spPr>
+          <a:xfrm>
+            <a:off x="457200" y="1866900"/>
+            <a:ext cx="11277599" cy="4514047"/>
+          </a:xfrm>
+          <a:prstGeom prst="rect">
+            <a:avLst/>
+          </a:prstGeom>
+        </p:spPr>
+        <p:txBody>
+          <a:bodyPr vert="horz" wrap="square" lIns="0" tIns="0" rIns="182880" bIns="0" rtlCol="0">
+            <a:noAutofit/>
+          </a:bodyPr>
           <a:lstStyle/>
           <a:p>
-            <a:endParaRPr lang="en-US"/>
-          </a:p>
-        </p:txBody>
-      </p:sp>
-      <p:sp>
-        <p:nvSpPr>
-          <p:cNvPr id="6" name="Slide Number Placeholder 5">
-            <a:extLst>
-              <a:ext uri="{FF2B5EF4-FFF2-40B4-BE49-F238E27FC236}">
-                <a16:creationId xmlns:a16="http://schemas.microsoft.com/office/drawing/2014/main" id="{651CBA1C-96A5-4DC8-9B88-8B2C317BAA5F}"/>
-              </a:ext>
-            </a:extLst>
-          </p:cNvPr>
-          <p:cNvSpPr>
-            <a:spLocks noGrp="1"/>
-          </p:cNvSpPr>
-          <p:nvPr>
-            <p:ph type="sldNum" sz="quarter" idx="12"/>
-          </p:nvPr>
-        </p:nvSpPr>
-        <p:spPr/>
-        <p:txBody>
-          <a:bodyPr/>
-          <a:lstStyle/>
-          <a:p>
-            <a:fld id="{8600B337-8306-4970-9CC7-68D93470DF86}" type="slidenum">
-              <a:rPr lang="en-US" smtClean="0"/>
-              <a:t>‹#›</a:t>
-            </a:fld>
-            <a:endParaRPr lang="en-US"/>
+            <a:pPr lvl="0"/>
+            <a:r>
+              <a:rPr lang="en-US" dirty="0"/>
+              <a:t>Click to edit Master text styles</a:t>
+            </a:r>
+          </a:p>
+          <a:p>
+            <a:pPr lvl="1"/>
+            <a:r>
+              <a:rPr lang="en-US" dirty="0"/>
+              <a:t>Second level</a:t>
+            </a:r>
+          </a:p>
+          <a:p>
+            <a:pPr lvl="2"/>
+            <a:r>
+              <a:rPr lang="en-US" dirty="0"/>
+              <a:t>Third level</a:t>
+            </a:r>
+          </a:p>
+          <a:p>
+            <a:pPr lvl="3"/>
+            <a:r>
+              <a:rPr lang="en-US" dirty="0"/>
+              <a:t>Fourth level</a:t>
+            </a:r>
           </a:p>
         </p:txBody>
       </p:sp>
     </p:spTree>
     <p:extLst>
       <p:ext uri="{BB962C8B-B14F-4D97-AF65-F5344CB8AC3E}">
-        <p14:creationId xmlns:p14="http://schemas.microsoft.com/office/powerpoint/2010/main" val="3305049269"/>
+        <p14:creationId xmlns:p14="http://schemas.microsoft.com/office/powerpoint/2010/main" val="3654972402"/>
       </p:ext>
     </p:extLst>
   </p:cSld>
   <p:clrMapOvr>
     <a:masterClrMapping/>
   </p:clrMapOvr>
+  <p:hf hdr="0"/>
 </p:sldLayout>
 </file>
 
 <file path=ppt/slideLayouts/slideLayout31.xml><?xml version="1.0" encoding="utf-8"?>
 <p:sldLayout xmlns:a="http://schemas.openxmlformats.org/drawingml/2006/main" xmlns:r="http://schemas.openxmlformats.org/officeDocument/2006/relationships" xmlns:p="http://schemas.openxmlformats.org/presentationml/2006/main" preserve="1" userDrawn="1">
-  <p:cSld name="Content">
+  <p:cSld name="2-column">
     <p:spTree>
       <p:nvGrpSpPr>
         <p:cNvPr id="1" name=""/>
@@ -10200,137 +10347,10 @@
       </p:grpSpPr>
       <p:sp>
         <p:nvSpPr>
-          <p:cNvPr id="5" name="Footer Placeholder 6" hidden="1"/>
-          <p:cNvSpPr txBox="1">
-            <a:spLocks/>
-          </p:cNvSpPr>
-          <p:nvPr userDrawn="1"/>
-        </p:nvSpPr>
-        <p:spPr>
-          <a:xfrm>
-            <a:off x="10529456" y="6553200"/>
-            <a:ext cx="1663691" cy="304800"/>
-          </a:xfrm>
-          <a:prstGeom prst="rect">
-            <a:avLst/>
-          </a:prstGeom>
-        </p:spPr>
-        <p:txBody>
-          <a:bodyPr/>
-          <a:lstStyle>
-            <a:defPPr>
-              <a:defRPr lang="en-US"/>
-            </a:defPPr>
-            <a:lvl1pPr marL="0" algn="l" defTabSz="914400" rtl="0" eaLnBrk="1" latinLnBrk="0" hangingPunct="1">
-              <a:defRPr sz="1800" kern="1200">
-                <a:solidFill>
-                  <a:schemeClr val="tx1"/>
-                </a:solidFill>
-                <a:latin typeface="+mn-lt"/>
-                <a:ea typeface="+mn-ea"/>
-                <a:cs typeface="+mn-cs"/>
-              </a:defRPr>
-            </a:lvl1pPr>
-            <a:lvl2pPr marL="457200" algn="l" defTabSz="914400" rtl="0" eaLnBrk="1" latinLnBrk="0" hangingPunct="1">
-              <a:defRPr sz="1800" kern="1200">
-                <a:solidFill>
-                  <a:schemeClr val="tx1"/>
-                </a:solidFill>
-                <a:latin typeface="+mn-lt"/>
-                <a:ea typeface="+mn-ea"/>
-                <a:cs typeface="+mn-cs"/>
-              </a:defRPr>
-            </a:lvl2pPr>
-            <a:lvl3pPr marL="914400" algn="l" defTabSz="914400" rtl="0" eaLnBrk="1" latinLnBrk="0" hangingPunct="1">
-              <a:defRPr sz="1800" kern="1200">
-                <a:solidFill>
-                  <a:schemeClr val="tx1"/>
-                </a:solidFill>
-                <a:latin typeface="+mn-lt"/>
-                <a:ea typeface="+mn-ea"/>
-                <a:cs typeface="+mn-cs"/>
-              </a:defRPr>
-            </a:lvl3pPr>
-            <a:lvl4pPr marL="1371600" algn="l" defTabSz="914400" rtl="0" eaLnBrk="1" latinLnBrk="0" hangingPunct="1">
-              <a:defRPr sz="1800" kern="1200">
-                <a:solidFill>
-                  <a:schemeClr val="tx1"/>
-                </a:solidFill>
-                <a:latin typeface="+mn-lt"/>
-                <a:ea typeface="+mn-ea"/>
-                <a:cs typeface="+mn-cs"/>
-              </a:defRPr>
-            </a:lvl4pPr>
-            <a:lvl5pPr marL="1828800" algn="l" defTabSz="914400" rtl="0" eaLnBrk="1" latinLnBrk="0" hangingPunct="1">
-              <a:defRPr sz="1800" kern="1200">
-                <a:solidFill>
-                  <a:schemeClr val="tx1"/>
-                </a:solidFill>
-                <a:latin typeface="+mn-lt"/>
-                <a:ea typeface="+mn-ea"/>
-                <a:cs typeface="+mn-cs"/>
-              </a:defRPr>
-            </a:lvl5pPr>
-            <a:lvl6pPr marL="2286000" algn="l" defTabSz="914400" rtl="0" eaLnBrk="1" latinLnBrk="0" hangingPunct="1">
-              <a:defRPr sz="1800" kern="1200">
-                <a:solidFill>
-                  <a:schemeClr val="tx1"/>
-                </a:solidFill>
-                <a:latin typeface="+mn-lt"/>
-                <a:ea typeface="+mn-ea"/>
-                <a:cs typeface="+mn-cs"/>
-              </a:defRPr>
-            </a:lvl6pPr>
-            <a:lvl7pPr marL="2743200" algn="l" defTabSz="914400" rtl="0" eaLnBrk="1" latinLnBrk="0" hangingPunct="1">
-              <a:defRPr sz="1800" kern="1200">
-                <a:solidFill>
-                  <a:schemeClr val="tx1"/>
-                </a:solidFill>
-                <a:latin typeface="+mn-lt"/>
-                <a:ea typeface="+mn-ea"/>
-                <a:cs typeface="+mn-cs"/>
-              </a:defRPr>
-            </a:lvl7pPr>
-            <a:lvl8pPr marL="3200400" algn="l" defTabSz="914400" rtl="0" eaLnBrk="1" latinLnBrk="0" hangingPunct="1">
-              <a:defRPr sz="1800" kern="1200">
-                <a:solidFill>
-                  <a:schemeClr val="tx1"/>
-                </a:solidFill>
-                <a:latin typeface="+mn-lt"/>
-                <a:ea typeface="+mn-ea"/>
-                <a:cs typeface="+mn-cs"/>
-              </a:defRPr>
-            </a:lvl8pPr>
-            <a:lvl9pPr marL="3657600" algn="l" defTabSz="914400" rtl="0" eaLnBrk="1" latinLnBrk="0" hangingPunct="1">
-              <a:defRPr sz="1800" kern="1200">
-                <a:solidFill>
-                  <a:schemeClr val="tx1"/>
-                </a:solidFill>
-                <a:latin typeface="+mn-lt"/>
-                <a:ea typeface="+mn-ea"/>
-                <a:cs typeface="+mn-cs"/>
-              </a:defRPr>
-            </a:lvl9pPr>
-          </a:lstStyle>
-          <a:p>
-            <a:pPr algn="r"/>
-            <a:r>
-              <a:rPr lang="en-US" sz="800">
-                <a:solidFill>
-                  <a:srgbClr val="666666"/>
-                </a:solidFill>
-              </a:rPr>
-              <a:t>MICROSOFT CONFIDENTIAL</a:t>
-            </a:r>
-          </a:p>
-        </p:txBody>
-      </p:sp>
-      <p:sp>
-        <p:nvSpPr>
-          <p:cNvPr id="12" name="Title Placeholder 2">
+          <p:cNvPr id="11" name="Title Placeholder 2">
             <a:extLst>
               <a:ext uri="{FF2B5EF4-FFF2-40B4-BE49-F238E27FC236}">
-                <a16:creationId xmlns:a16="http://schemas.microsoft.com/office/drawing/2014/main" id="{E901D344-ED89-49CF-99A7-86594AEA4B3F}"/>
+                <a16:creationId xmlns:a16="http://schemas.microsoft.com/office/drawing/2014/main" id="{9AFD44FB-5EE2-4D3E-9C7F-A0CA74B39F11}"/>
               </a:ext>
             </a:extLst>
           </p:cNvPr>
@@ -10360,9 +10380,9 @@
                 <a:solidFill>
                   <a:schemeClr val="tx1"/>
                 </a:solidFill>
-                <a:latin typeface="Segoe Semibold" charset="0"/>
-                <a:ea typeface="Segoe Semibold" charset="0"/>
-                <a:cs typeface="Segoe Semibold" charset="0"/>
+                <a:latin typeface="Segoe Pro Semibold" charset="0"/>
+                <a:ea typeface="Segoe Pro Semibold" charset="0"/>
+                <a:cs typeface="Segoe Pro Semibold" charset="0"/>
               </a:defRPr>
             </a:lvl1pPr>
           </a:lstStyle>
@@ -10380,7 +10400,7 @@
           <p:cNvPr id="6" name="Subtitle 2">
             <a:extLst>
               <a:ext uri="{FF2B5EF4-FFF2-40B4-BE49-F238E27FC236}">
-                <a16:creationId xmlns:a16="http://schemas.microsoft.com/office/drawing/2014/main" id="{BA99162F-3F7B-2242-A1B2-486A63B6C5DF}"/>
+                <a16:creationId xmlns:a16="http://schemas.microsoft.com/office/drawing/2014/main" id="{AC21BB0E-11FF-4849-A437-1A08AE905469}"/>
               </a:ext>
             </a:extLst>
           </p:cNvPr>
@@ -10402,9 +10422,10 @@
           <a:lstStyle>
             <a:lvl1pPr marL="0" indent="0" algn="l">
               <a:buNone/>
-              <a:defRPr sz="2400" b="0" i="0" spc="-60" baseline="0">
-                <a:latin typeface="Segoe UI Semibold" panose="020B0702040204020203" pitchFamily="34" charset="0"/>
-                <a:cs typeface="Segoe UI Semibold" panose="020B0702040204020203" pitchFamily="34" charset="0"/>
+              <a:defRPr sz="2400" b="1" i="0" spc="-60" baseline="0">
+                <a:latin typeface="Segoe UI Semibold" charset="0"/>
+                <a:ea typeface="Segoe UI Semibold" charset="0"/>
+                <a:cs typeface="Segoe UI Semibold" charset="0"/>
               </a:defRPr>
             </a:lvl1pPr>
             <a:lvl2pPr marL="457200" indent="0" algn="ctr">
@@ -10454,7 +10475,7 @@
           <p:cNvPr id="2" name="Slide Number Placeholder 1">
             <a:extLst>
               <a:ext uri="{FF2B5EF4-FFF2-40B4-BE49-F238E27FC236}">
-                <a16:creationId xmlns:a16="http://schemas.microsoft.com/office/drawing/2014/main" id="{9FF4F531-1753-1544-8A42-F788362A04E3}"/>
+                <a16:creationId xmlns:a16="http://schemas.microsoft.com/office/drawing/2014/main" id="{6E8743FE-41B9-984E-A69D-ECABFEB0E741}"/>
               </a:ext>
             </a:extLst>
           </p:cNvPr>
@@ -10462,7 +10483,7 @@
             <a:spLocks noGrp="1"/>
           </p:cNvSpPr>
           <p:nvPr>
-            <p:ph type="sldNum" sz="quarter" idx="28"/>
+            <p:ph type="sldNum" sz="quarter" idx="32"/>
           </p:nvPr>
         </p:nvSpPr>
         <p:spPr/>
@@ -10484,7 +10505,7 @@
           <p:cNvPr id="9" name="Text Placeholder 3">
             <a:extLst>
               <a:ext uri="{FF2B5EF4-FFF2-40B4-BE49-F238E27FC236}">
-                <a16:creationId xmlns:a16="http://schemas.microsoft.com/office/drawing/2014/main" id="{68F2A2D2-DE9B-4819-9052-7451D1D54C8B}"/>
+                <a16:creationId xmlns:a16="http://schemas.microsoft.com/office/drawing/2014/main" id="{BE28BD72-8F4D-45F0-895D-618DDEA404CB}"/>
               </a:ext>
             </a:extLst>
           </p:cNvPr>
@@ -10498,7 +10519,7 @@
         <p:spPr>
           <a:xfrm>
             <a:off x="457200" y="1866900"/>
-            <a:ext cx="11277599" cy="4514047"/>
+            <a:ext cx="5638799" cy="4514047"/>
           </a:xfrm>
           <a:prstGeom prst="rect">
             <a:avLst/>
@@ -10539,23 +10560,82 @@
           </a:p>
         </p:txBody>
       </p:sp>
+      <p:sp>
+        <p:nvSpPr>
+          <p:cNvPr id="12" name="Text Placeholder 3">
+            <a:extLst>
+              <a:ext uri="{FF2B5EF4-FFF2-40B4-BE49-F238E27FC236}">
+                <a16:creationId xmlns:a16="http://schemas.microsoft.com/office/drawing/2014/main" id="{CB848D9E-E208-474E-B8F8-6B6EF468998A}"/>
+              </a:ext>
+            </a:extLst>
+          </p:cNvPr>
+          <p:cNvSpPr>
+            <a:spLocks noGrp="1"/>
+          </p:cNvSpPr>
+          <p:nvPr>
+            <p:ph idx="26" hasCustomPrompt="1"/>
+          </p:nvPr>
+        </p:nvSpPr>
+        <p:spPr>
+          <a:xfrm>
+            <a:off x="6096000" y="1866900"/>
+            <a:ext cx="5638799" cy="4514047"/>
+          </a:xfrm>
+          <a:prstGeom prst="rect">
+            <a:avLst/>
+          </a:prstGeom>
+        </p:spPr>
+        <p:txBody>
+          <a:bodyPr vert="horz" wrap="square" lIns="0" tIns="0" rIns="0" bIns="0" rtlCol="0">
+            <a:noAutofit/>
+          </a:bodyPr>
+          <a:lstStyle/>
+          <a:p>
+            <a:pPr lvl="0"/>
+            <a:r>
+              <a:rPr lang="en-US" dirty="0"/>
+              <a:t>Click to edit Master text styles</a:t>
+            </a:r>
+          </a:p>
+          <a:p>
+            <a:pPr lvl="1"/>
+            <a:r>
+              <a:rPr lang="en-US" dirty="0"/>
+              <a:t>Second level</a:t>
+            </a:r>
+          </a:p>
+          <a:p>
+            <a:pPr lvl="2"/>
+            <a:r>
+              <a:rPr lang="en-US" dirty="0"/>
+              <a:t>Third level</a:t>
+            </a:r>
+          </a:p>
+          <a:p>
+            <a:pPr lvl="3"/>
+            <a:r>
+              <a:rPr lang="en-US" dirty="0"/>
+              <a:t>Fourth level</a:t>
+            </a:r>
+          </a:p>
+        </p:txBody>
+      </p:sp>
     </p:spTree>
     <p:extLst>
       <p:ext uri="{BB962C8B-B14F-4D97-AF65-F5344CB8AC3E}">
-        <p14:creationId xmlns:p14="http://schemas.microsoft.com/office/powerpoint/2010/main" val="3654972402"/>
+        <p14:creationId xmlns:p14="http://schemas.microsoft.com/office/powerpoint/2010/main" val="2327531358"/>
       </p:ext>
     </p:extLst>
   </p:cSld>
   <p:clrMapOvr>
     <a:masterClrMapping/>
   </p:clrMapOvr>
-  <p:hf hdr="0"/>
 </p:sldLayout>
 </file>
 
 <file path=ppt/slideLayouts/slideLayout32.xml><?xml version="1.0" encoding="utf-8"?>
 <p:sldLayout xmlns:a="http://schemas.openxmlformats.org/drawingml/2006/main" xmlns:r="http://schemas.openxmlformats.org/officeDocument/2006/relationships" xmlns:p="http://schemas.openxmlformats.org/presentationml/2006/main" preserve="1" userDrawn="1">
-  <p:cSld name="2-column">
+  <p:cSld name="2-col + Double Subheads">
     <p:spTree>
       <p:nvGrpSpPr>
         <p:cNvPr id="1" name=""/>
@@ -10572,6 +10652,114 @@
       </p:grpSpPr>
       <p:sp>
         <p:nvSpPr>
+          <p:cNvPr id="13" name="Text Placeholder 3"/>
+          <p:cNvSpPr>
+            <a:spLocks noGrp="1"/>
+          </p:cNvSpPr>
+          <p:nvPr>
+            <p:ph idx="1" hasCustomPrompt="1"/>
+          </p:nvPr>
+        </p:nvSpPr>
+        <p:spPr>
+          <a:xfrm>
+            <a:off x="457200" y="1866900"/>
+            <a:ext cx="5638799" cy="4514047"/>
+          </a:xfrm>
+          <a:prstGeom prst="rect">
+            <a:avLst/>
+          </a:prstGeom>
+        </p:spPr>
+        <p:txBody>
+          <a:bodyPr vert="horz" wrap="square" lIns="0" tIns="0" rIns="182880" bIns="0" rtlCol="0">
+            <a:noAutofit/>
+          </a:bodyPr>
+          <a:lstStyle/>
+          <a:p>
+            <a:pPr lvl="0"/>
+            <a:r>
+              <a:rPr lang="en-US" dirty="0"/>
+              <a:t>Click to edit Master text styles</a:t>
+            </a:r>
+          </a:p>
+          <a:p>
+            <a:pPr lvl="1"/>
+            <a:r>
+              <a:rPr lang="en-US" dirty="0"/>
+              <a:t>Second level</a:t>
+            </a:r>
+          </a:p>
+          <a:p>
+            <a:pPr lvl="2"/>
+            <a:r>
+              <a:rPr lang="en-US" dirty="0"/>
+              <a:t>Third level</a:t>
+            </a:r>
+          </a:p>
+          <a:p>
+            <a:pPr lvl="3"/>
+            <a:r>
+              <a:rPr lang="en-US" dirty="0"/>
+              <a:t>Fourth level</a:t>
+            </a:r>
+          </a:p>
+        </p:txBody>
+      </p:sp>
+      <p:sp>
+        <p:nvSpPr>
+          <p:cNvPr id="14" name="Text Placeholder 3"/>
+          <p:cNvSpPr>
+            <a:spLocks noGrp="1"/>
+          </p:cNvSpPr>
+          <p:nvPr>
+            <p:ph idx="26" hasCustomPrompt="1"/>
+          </p:nvPr>
+        </p:nvSpPr>
+        <p:spPr>
+          <a:xfrm>
+            <a:off x="6096000" y="1866900"/>
+            <a:ext cx="5638799" cy="4514047"/>
+          </a:xfrm>
+          <a:prstGeom prst="rect">
+            <a:avLst/>
+          </a:prstGeom>
+        </p:spPr>
+        <p:txBody>
+          <a:bodyPr vert="horz" wrap="square" lIns="0" tIns="0" rIns="0" bIns="0" rtlCol="0">
+            <a:noAutofit/>
+          </a:bodyPr>
+          <a:lstStyle/>
+          <a:p>
+            <a:pPr lvl="0"/>
+            <a:r>
+              <a:rPr lang="en-US" dirty="0"/>
+              <a:t>Click to edit Master text styles</a:t>
+            </a:r>
+          </a:p>
+          <a:p>
+            <a:pPr lvl="1"/>
+            <a:r>
+              <a:rPr lang="en-US" dirty="0"/>
+              <a:t>Second level</a:t>
+            </a:r>
+          </a:p>
+          <a:p>
+            <a:pPr lvl="2"/>
+            <a:r>
+              <a:rPr lang="en-US" dirty="0"/>
+              <a:t>Third level</a:t>
+            </a:r>
+          </a:p>
+          <a:p>
+            <a:pPr lvl="3"/>
+            <a:r>
+              <a:rPr lang="en-US" dirty="0"/>
+              <a:t>Fourth level</a:t>
+            </a:r>
+          </a:p>
+        </p:txBody>
+      </p:sp>
+      <p:sp>
+        <p:nvSpPr>
           <p:cNvPr id="11" name="Title Placeholder 2">
             <a:extLst>
               <a:ext uri="{FF2B5EF4-FFF2-40B4-BE49-F238E27FC236}">
@@ -10589,7 +10777,7 @@
         <p:spPr>
           <a:xfrm>
             <a:off x="457200" y="457200"/>
-            <a:ext cx="11277599" cy="594360"/>
+            <a:ext cx="11277599" cy="722853"/>
           </a:xfrm>
           <a:prstGeom prst="rect">
             <a:avLst/>
@@ -10597,18 +10785,215 @@
         </p:spPr>
         <p:txBody>
           <a:bodyPr vert="horz" lIns="0" tIns="0" rIns="0" bIns="0" rtlCol="0" anchor="t">
+            <a:normAutofit/>
+          </a:bodyPr>
+          <a:lstStyle/>
+          <a:p>
+            <a:r>
+              <a:rPr lang="en-US"/>
+              <a:t>Click to edit Master title style</a:t>
+            </a:r>
+            <a:endParaRPr lang="en-US" dirty="0"/>
+          </a:p>
+        </p:txBody>
+      </p:sp>
+      <p:sp>
+        <p:nvSpPr>
+          <p:cNvPr id="2" name="Slide Number Placeholder 1">
+            <a:extLst>
+              <a:ext uri="{FF2B5EF4-FFF2-40B4-BE49-F238E27FC236}">
+                <a16:creationId xmlns:a16="http://schemas.microsoft.com/office/drawing/2014/main" id="{C5A5FC2E-6D98-CE43-9551-6AA69FEF734C}"/>
+              </a:ext>
+            </a:extLst>
+          </p:cNvPr>
+          <p:cNvSpPr>
+            <a:spLocks noGrp="1"/>
+          </p:cNvSpPr>
+          <p:nvPr>
+            <p:ph type="sldNum" sz="quarter" idx="27"/>
+          </p:nvPr>
+        </p:nvSpPr>
+        <p:spPr/>
+        <p:txBody>
+          <a:bodyPr/>
+          <a:lstStyle/>
+          <a:p>
+            <a:fld id="{529AFA16-AEC4-7D4A-82F3-BDAE8E49079E}" type="slidenum">
+              <a:rPr lang="en-US" smtClean="0"/>
+              <a:pPr/>
+              <a:t>‹#›</a:t>
+            </a:fld>
+            <a:endParaRPr lang="en-US"/>
+          </a:p>
+        </p:txBody>
+      </p:sp>
+      <p:sp>
+        <p:nvSpPr>
+          <p:cNvPr id="8" name="Shape 78">
+            <a:extLst>
+              <a:ext uri="{FF2B5EF4-FFF2-40B4-BE49-F238E27FC236}">
+                <a16:creationId xmlns:a16="http://schemas.microsoft.com/office/drawing/2014/main" id="{DA021890-D16A-D649-AA1E-9ED7EFA69AF4}"/>
+              </a:ext>
+            </a:extLst>
+          </p:cNvPr>
+          <p:cNvSpPr txBox="1">
+            <a:spLocks noGrp="1"/>
+          </p:cNvSpPr>
+          <p:nvPr>
+            <p:ph type="body" idx="7" hasCustomPrompt="1"/>
+          </p:nvPr>
+        </p:nvSpPr>
+        <p:spPr>
+          <a:xfrm>
+            <a:off x="6095999" y="1180053"/>
+            <a:ext cx="5638798" cy="686847"/>
+          </a:xfrm>
+          <a:prstGeom prst="rect">
+            <a:avLst/>
+          </a:prstGeom>
+          <a:ln>
+            <a:noFill/>
+          </a:ln>
+        </p:spPr>
+        <p:txBody>
+          <a:bodyPr vert="horz" wrap="square" lIns="0" tIns="0" rIns="0" bIns="0" rtlCol="0" anchor="b">
+            <a:noAutofit/>
+          </a:bodyPr>
+          <a:lstStyle>
+            <a:lvl1pPr algn="ctr">
+              <a:defRPr lang="en-US" sz="2000" b="1" i="0" dirty="0">
+                <a:solidFill>
+                  <a:schemeClr val="accent2"/>
+                </a:solidFill>
+                <a:latin typeface="Segoe UI Semibold" charset="0"/>
+                <a:ea typeface="Segoe UI Semibold" charset="0"/>
+                <a:cs typeface="Segoe UI Semibold" charset="0"/>
+              </a:defRPr>
+            </a:lvl1pPr>
+          </a:lstStyle>
+          <a:p>
+            <a:pPr lvl="0" algn="ctr" defTabSz="914367">
+              <a:spcAft>
+                <a:spcPts val="588"/>
+              </a:spcAft>
+            </a:pPr>
+            <a:r>
+              <a:rPr lang="en-US" dirty="0"/>
+              <a:t>Column 2</a:t>
+            </a:r>
+          </a:p>
+        </p:txBody>
+      </p:sp>
+      <p:sp>
+        <p:nvSpPr>
+          <p:cNvPr id="9" name="Shape 78">
+            <a:extLst>
+              <a:ext uri="{FF2B5EF4-FFF2-40B4-BE49-F238E27FC236}">
+                <a16:creationId xmlns:a16="http://schemas.microsoft.com/office/drawing/2014/main" id="{596BDBB1-DFCE-5B44-8169-B1A6DE61560F}"/>
+              </a:ext>
+            </a:extLst>
+          </p:cNvPr>
+          <p:cNvSpPr txBox="1">
+            <a:spLocks noGrp="1"/>
+          </p:cNvSpPr>
+          <p:nvPr>
+            <p:ph type="body" idx="30" hasCustomPrompt="1"/>
+          </p:nvPr>
+        </p:nvSpPr>
+        <p:spPr>
+          <a:xfrm>
+            <a:off x="457201" y="1183190"/>
+            <a:ext cx="5638800" cy="682523"/>
+          </a:xfrm>
+          <a:prstGeom prst="rect">
+            <a:avLst/>
+          </a:prstGeom>
+          <a:ln>
+            <a:noFill/>
+          </a:ln>
+        </p:spPr>
+        <p:txBody>
+          <a:bodyPr vert="horz" wrap="square" lIns="0" tIns="0" rIns="182880" bIns="0" rtlCol="0" anchor="b">
+            <a:noAutofit/>
+          </a:bodyPr>
+          <a:lstStyle>
+            <a:lvl1pPr algn="ctr">
+              <a:defRPr lang="en-US" sz="2000" b="1" i="0" dirty="0">
+                <a:solidFill>
+                  <a:schemeClr val="accent2"/>
+                </a:solidFill>
+                <a:latin typeface="Segoe UI Semibold" charset="0"/>
+                <a:ea typeface="Segoe UI Semibold" charset="0"/>
+                <a:cs typeface="Segoe UI Semibold" charset="0"/>
+              </a:defRPr>
+            </a:lvl1pPr>
+          </a:lstStyle>
+          <a:p>
+            <a:pPr lvl="0" algn="ctr" defTabSz="914367">
+              <a:spcAft>
+                <a:spcPts val="588"/>
+              </a:spcAft>
+            </a:pPr>
+            <a:r>
+              <a:rPr lang="en-US" dirty="0"/>
+              <a:t>Column 1</a:t>
+            </a:r>
+          </a:p>
+        </p:txBody>
+      </p:sp>
+    </p:spTree>
+    <p:extLst>
+      <p:ext uri="{BB962C8B-B14F-4D97-AF65-F5344CB8AC3E}">
+        <p14:creationId xmlns:p14="http://schemas.microsoft.com/office/powerpoint/2010/main" val="960372887"/>
+      </p:ext>
+    </p:extLst>
+  </p:cSld>
+  <p:clrMapOvr>
+    <a:masterClrMapping/>
+  </p:clrMapOvr>
+</p:sldLayout>
+</file>
+
+<file path=ppt/slideLayouts/slideLayout33.xml><?xml version="1.0" encoding="utf-8"?>
+<p:sldLayout xmlns:a="http://schemas.openxmlformats.org/drawingml/2006/main" xmlns:r="http://schemas.openxmlformats.org/officeDocument/2006/relationships" xmlns:p="http://schemas.openxmlformats.org/presentationml/2006/main" preserve="1" userDrawn="1">
+  <p:cSld name="Title + Sub ONLY">
+    <p:spTree>
+      <p:nvGrpSpPr>
+        <p:cNvPr id="1" name=""/>
+        <p:cNvGrpSpPr/>
+        <p:nvPr/>
+      </p:nvGrpSpPr>
+      <p:grpSpPr>
+        <a:xfrm>
+          <a:off x="0" y="0"/>
+          <a:ext cx="0" cy="0"/>
+          <a:chOff x="0" y="0"/>
+          <a:chExt cx="0" cy="0"/>
+        </a:xfrm>
+      </p:grpSpPr>
+      <p:sp>
+        <p:nvSpPr>
+          <p:cNvPr id="2" name="Title 1"/>
+          <p:cNvSpPr>
+            <a:spLocks noGrp="1"/>
+          </p:cNvSpPr>
+          <p:nvPr>
+            <p:ph type="title"/>
+          </p:nvPr>
+        </p:nvSpPr>
+        <p:spPr>
+          <a:xfrm>
+            <a:off x="457200" y="457201"/>
+            <a:ext cx="11277599" cy="594360"/>
+          </a:xfrm>
+        </p:spPr>
+        <p:txBody>
+          <a:bodyPr>
             <a:normAutofit/>
           </a:bodyPr>
           <a:lstStyle>
             <a:lvl1pPr>
-              <a:defRPr sz="4400" b="1" i="0">
-                <a:solidFill>
-                  <a:schemeClr val="tx1"/>
-                </a:solidFill>
-                <a:latin typeface="Segoe Pro Semibold" charset="0"/>
-                <a:ea typeface="Segoe Pro Semibold" charset="0"/>
-                <a:cs typeface="Segoe Pro Semibold" charset="0"/>
-              </a:defRPr>
+              <a:defRPr sz="4400"/>
             </a:lvl1pPr>
           </a:lstStyle>
           <a:p>
@@ -10622,10 +11007,10 @@
       </p:sp>
       <p:sp>
         <p:nvSpPr>
-          <p:cNvPr id="6" name="Subtitle 2">
+          <p:cNvPr id="5" name="Subtitle 2">
             <a:extLst>
               <a:ext uri="{FF2B5EF4-FFF2-40B4-BE49-F238E27FC236}">
-                <a16:creationId xmlns:a16="http://schemas.microsoft.com/office/drawing/2014/main" id="{AC21BB0E-11FF-4849-A437-1A08AE905469}"/>
+                <a16:creationId xmlns:a16="http://schemas.microsoft.com/office/drawing/2014/main" id="{7D5C19BA-6DD0-2341-932F-962FA328D5D7}"/>
               </a:ext>
             </a:extLst>
           </p:cNvPr>
@@ -10697,616 +11082,6 @@
       </p:sp>
       <p:sp>
         <p:nvSpPr>
-          <p:cNvPr id="2" name="Slide Number Placeholder 1">
-            <a:extLst>
-              <a:ext uri="{FF2B5EF4-FFF2-40B4-BE49-F238E27FC236}">
-                <a16:creationId xmlns:a16="http://schemas.microsoft.com/office/drawing/2014/main" id="{6E8743FE-41B9-984E-A69D-ECABFEB0E741}"/>
-              </a:ext>
-            </a:extLst>
-          </p:cNvPr>
-          <p:cNvSpPr>
-            <a:spLocks noGrp="1"/>
-          </p:cNvSpPr>
-          <p:nvPr>
-            <p:ph type="sldNum" sz="quarter" idx="32"/>
-          </p:nvPr>
-        </p:nvSpPr>
-        <p:spPr/>
-        <p:txBody>
-          <a:bodyPr/>
-          <a:lstStyle/>
-          <a:p>
-            <a:fld id="{529AFA16-AEC4-7D4A-82F3-BDAE8E49079E}" type="slidenum">
-              <a:rPr lang="en-US" smtClean="0"/>
-              <a:pPr/>
-              <a:t>‹#›</a:t>
-            </a:fld>
-            <a:endParaRPr lang="en-US"/>
-          </a:p>
-        </p:txBody>
-      </p:sp>
-      <p:sp>
-        <p:nvSpPr>
-          <p:cNvPr id="9" name="Text Placeholder 3">
-            <a:extLst>
-              <a:ext uri="{FF2B5EF4-FFF2-40B4-BE49-F238E27FC236}">
-                <a16:creationId xmlns:a16="http://schemas.microsoft.com/office/drawing/2014/main" id="{BE28BD72-8F4D-45F0-895D-618DDEA404CB}"/>
-              </a:ext>
-            </a:extLst>
-          </p:cNvPr>
-          <p:cNvSpPr>
-            <a:spLocks noGrp="1"/>
-          </p:cNvSpPr>
-          <p:nvPr>
-            <p:ph idx="1" hasCustomPrompt="1"/>
-          </p:nvPr>
-        </p:nvSpPr>
-        <p:spPr>
-          <a:xfrm>
-            <a:off x="457200" y="1866900"/>
-            <a:ext cx="5638799" cy="4514047"/>
-          </a:xfrm>
-          <a:prstGeom prst="rect">
-            <a:avLst/>
-          </a:prstGeom>
-        </p:spPr>
-        <p:txBody>
-          <a:bodyPr vert="horz" wrap="square" lIns="0" tIns="0" rIns="182880" bIns="0" rtlCol="0">
-            <a:noAutofit/>
-          </a:bodyPr>
-          <a:lstStyle/>
-          <a:p>
-            <a:pPr lvl="0"/>
-            <a:r>
-              <a:rPr lang="en-US" dirty="0"/>
-              <a:t>Click to edit Master text styles</a:t>
-            </a:r>
-          </a:p>
-          <a:p>
-            <a:pPr lvl="1"/>
-            <a:r>
-              <a:rPr lang="en-US" dirty="0"/>
-              <a:t>Second level</a:t>
-            </a:r>
-          </a:p>
-          <a:p>
-            <a:pPr lvl="2"/>
-            <a:r>
-              <a:rPr lang="en-US" dirty="0"/>
-              <a:t>Third level</a:t>
-            </a:r>
-          </a:p>
-          <a:p>
-            <a:pPr lvl="3"/>
-            <a:r>
-              <a:rPr lang="en-US" dirty="0"/>
-              <a:t>Fourth level</a:t>
-            </a:r>
-          </a:p>
-        </p:txBody>
-      </p:sp>
-      <p:sp>
-        <p:nvSpPr>
-          <p:cNvPr id="12" name="Text Placeholder 3">
-            <a:extLst>
-              <a:ext uri="{FF2B5EF4-FFF2-40B4-BE49-F238E27FC236}">
-                <a16:creationId xmlns:a16="http://schemas.microsoft.com/office/drawing/2014/main" id="{CB848D9E-E208-474E-B8F8-6B6EF468998A}"/>
-              </a:ext>
-            </a:extLst>
-          </p:cNvPr>
-          <p:cNvSpPr>
-            <a:spLocks noGrp="1"/>
-          </p:cNvSpPr>
-          <p:nvPr>
-            <p:ph idx="26" hasCustomPrompt="1"/>
-          </p:nvPr>
-        </p:nvSpPr>
-        <p:spPr>
-          <a:xfrm>
-            <a:off x="6096000" y="1866900"/>
-            <a:ext cx="5638799" cy="4514047"/>
-          </a:xfrm>
-          <a:prstGeom prst="rect">
-            <a:avLst/>
-          </a:prstGeom>
-        </p:spPr>
-        <p:txBody>
-          <a:bodyPr vert="horz" wrap="square" lIns="0" tIns="0" rIns="0" bIns="0" rtlCol="0">
-            <a:noAutofit/>
-          </a:bodyPr>
-          <a:lstStyle/>
-          <a:p>
-            <a:pPr lvl="0"/>
-            <a:r>
-              <a:rPr lang="en-US" dirty="0"/>
-              <a:t>Click to edit Master text styles</a:t>
-            </a:r>
-          </a:p>
-          <a:p>
-            <a:pPr lvl="1"/>
-            <a:r>
-              <a:rPr lang="en-US" dirty="0"/>
-              <a:t>Second level</a:t>
-            </a:r>
-          </a:p>
-          <a:p>
-            <a:pPr lvl="2"/>
-            <a:r>
-              <a:rPr lang="en-US" dirty="0"/>
-              <a:t>Third level</a:t>
-            </a:r>
-          </a:p>
-          <a:p>
-            <a:pPr lvl="3"/>
-            <a:r>
-              <a:rPr lang="en-US" dirty="0"/>
-              <a:t>Fourth level</a:t>
-            </a:r>
-          </a:p>
-        </p:txBody>
-      </p:sp>
-    </p:spTree>
-    <p:extLst>
-      <p:ext uri="{BB962C8B-B14F-4D97-AF65-F5344CB8AC3E}">
-        <p14:creationId xmlns:p14="http://schemas.microsoft.com/office/powerpoint/2010/main" val="2327531358"/>
-      </p:ext>
-    </p:extLst>
-  </p:cSld>
-  <p:clrMapOvr>
-    <a:masterClrMapping/>
-  </p:clrMapOvr>
-</p:sldLayout>
-</file>
-
-<file path=ppt/slideLayouts/slideLayout33.xml><?xml version="1.0" encoding="utf-8"?>
-<p:sldLayout xmlns:a="http://schemas.openxmlformats.org/drawingml/2006/main" xmlns:r="http://schemas.openxmlformats.org/officeDocument/2006/relationships" xmlns:p="http://schemas.openxmlformats.org/presentationml/2006/main" preserve="1" userDrawn="1">
-  <p:cSld name="2-col + Double Subheads">
-    <p:spTree>
-      <p:nvGrpSpPr>
-        <p:cNvPr id="1" name=""/>
-        <p:cNvGrpSpPr/>
-        <p:nvPr/>
-      </p:nvGrpSpPr>
-      <p:grpSpPr>
-        <a:xfrm>
-          <a:off x="0" y="0"/>
-          <a:ext cx="0" cy="0"/>
-          <a:chOff x="0" y="0"/>
-          <a:chExt cx="0" cy="0"/>
-        </a:xfrm>
-      </p:grpSpPr>
-      <p:sp>
-        <p:nvSpPr>
-          <p:cNvPr id="13" name="Text Placeholder 3"/>
-          <p:cNvSpPr>
-            <a:spLocks noGrp="1"/>
-          </p:cNvSpPr>
-          <p:nvPr>
-            <p:ph idx="1" hasCustomPrompt="1"/>
-          </p:nvPr>
-        </p:nvSpPr>
-        <p:spPr>
-          <a:xfrm>
-            <a:off x="457200" y="1866900"/>
-            <a:ext cx="5638799" cy="4514047"/>
-          </a:xfrm>
-          <a:prstGeom prst="rect">
-            <a:avLst/>
-          </a:prstGeom>
-        </p:spPr>
-        <p:txBody>
-          <a:bodyPr vert="horz" wrap="square" lIns="0" tIns="0" rIns="182880" bIns="0" rtlCol="0">
-            <a:noAutofit/>
-          </a:bodyPr>
-          <a:lstStyle/>
-          <a:p>
-            <a:pPr lvl="0"/>
-            <a:r>
-              <a:rPr lang="en-US" dirty="0"/>
-              <a:t>Click to edit Master text styles</a:t>
-            </a:r>
-          </a:p>
-          <a:p>
-            <a:pPr lvl="1"/>
-            <a:r>
-              <a:rPr lang="en-US" dirty="0"/>
-              <a:t>Second level</a:t>
-            </a:r>
-          </a:p>
-          <a:p>
-            <a:pPr lvl="2"/>
-            <a:r>
-              <a:rPr lang="en-US" dirty="0"/>
-              <a:t>Third level</a:t>
-            </a:r>
-          </a:p>
-          <a:p>
-            <a:pPr lvl="3"/>
-            <a:r>
-              <a:rPr lang="en-US" dirty="0"/>
-              <a:t>Fourth level</a:t>
-            </a:r>
-          </a:p>
-        </p:txBody>
-      </p:sp>
-      <p:sp>
-        <p:nvSpPr>
-          <p:cNvPr id="14" name="Text Placeholder 3"/>
-          <p:cNvSpPr>
-            <a:spLocks noGrp="1"/>
-          </p:cNvSpPr>
-          <p:nvPr>
-            <p:ph idx="26" hasCustomPrompt="1"/>
-          </p:nvPr>
-        </p:nvSpPr>
-        <p:spPr>
-          <a:xfrm>
-            <a:off x="6096000" y="1866900"/>
-            <a:ext cx="5638799" cy="4514047"/>
-          </a:xfrm>
-          <a:prstGeom prst="rect">
-            <a:avLst/>
-          </a:prstGeom>
-        </p:spPr>
-        <p:txBody>
-          <a:bodyPr vert="horz" wrap="square" lIns="0" tIns="0" rIns="0" bIns="0" rtlCol="0">
-            <a:noAutofit/>
-          </a:bodyPr>
-          <a:lstStyle/>
-          <a:p>
-            <a:pPr lvl="0"/>
-            <a:r>
-              <a:rPr lang="en-US" dirty="0"/>
-              <a:t>Click to edit Master text styles</a:t>
-            </a:r>
-          </a:p>
-          <a:p>
-            <a:pPr lvl="1"/>
-            <a:r>
-              <a:rPr lang="en-US" dirty="0"/>
-              <a:t>Second level</a:t>
-            </a:r>
-          </a:p>
-          <a:p>
-            <a:pPr lvl="2"/>
-            <a:r>
-              <a:rPr lang="en-US" dirty="0"/>
-              <a:t>Third level</a:t>
-            </a:r>
-          </a:p>
-          <a:p>
-            <a:pPr lvl="3"/>
-            <a:r>
-              <a:rPr lang="en-US" dirty="0"/>
-              <a:t>Fourth level</a:t>
-            </a:r>
-          </a:p>
-        </p:txBody>
-      </p:sp>
-      <p:sp>
-        <p:nvSpPr>
-          <p:cNvPr id="11" name="Title Placeholder 2">
-            <a:extLst>
-              <a:ext uri="{FF2B5EF4-FFF2-40B4-BE49-F238E27FC236}">
-                <a16:creationId xmlns:a16="http://schemas.microsoft.com/office/drawing/2014/main" id="{9AFD44FB-5EE2-4D3E-9C7F-A0CA74B39F11}"/>
-              </a:ext>
-            </a:extLst>
-          </p:cNvPr>
-          <p:cNvSpPr>
-            <a:spLocks noGrp="1"/>
-          </p:cNvSpPr>
-          <p:nvPr>
-            <p:ph type="title"/>
-          </p:nvPr>
-        </p:nvSpPr>
-        <p:spPr>
-          <a:xfrm>
-            <a:off x="457200" y="457200"/>
-            <a:ext cx="11277599" cy="722853"/>
-          </a:xfrm>
-          <a:prstGeom prst="rect">
-            <a:avLst/>
-          </a:prstGeom>
-        </p:spPr>
-        <p:txBody>
-          <a:bodyPr vert="horz" lIns="0" tIns="0" rIns="0" bIns="0" rtlCol="0" anchor="t">
-            <a:normAutofit/>
-          </a:bodyPr>
-          <a:lstStyle/>
-          <a:p>
-            <a:r>
-              <a:rPr lang="en-US"/>
-              <a:t>Click to edit Master title style</a:t>
-            </a:r>
-            <a:endParaRPr lang="en-US" dirty="0"/>
-          </a:p>
-        </p:txBody>
-      </p:sp>
-      <p:sp>
-        <p:nvSpPr>
-          <p:cNvPr id="2" name="Slide Number Placeholder 1">
-            <a:extLst>
-              <a:ext uri="{FF2B5EF4-FFF2-40B4-BE49-F238E27FC236}">
-                <a16:creationId xmlns:a16="http://schemas.microsoft.com/office/drawing/2014/main" id="{C5A5FC2E-6D98-CE43-9551-6AA69FEF734C}"/>
-              </a:ext>
-            </a:extLst>
-          </p:cNvPr>
-          <p:cNvSpPr>
-            <a:spLocks noGrp="1"/>
-          </p:cNvSpPr>
-          <p:nvPr>
-            <p:ph type="sldNum" sz="quarter" idx="27"/>
-          </p:nvPr>
-        </p:nvSpPr>
-        <p:spPr/>
-        <p:txBody>
-          <a:bodyPr/>
-          <a:lstStyle/>
-          <a:p>
-            <a:fld id="{529AFA16-AEC4-7D4A-82F3-BDAE8E49079E}" type="slidenum">
-              <a:rPr lang="en-US" smtClean="0"/>
-              <a:pPr/>
-              <a:t>‹#›</a:t>
-            </a:fld>
-            <a:endParaRPr lang="en-US"/>
-          </a:p>
-        </p:txBody>
-      </p:sp>
-      <p:sp>
-        <p:nvSpPr>
-          <p:cNvPr id="8" name="Shape 78">
-            <a:extLst>
-              <a:ext uri="{FF2B5EF4-FFF2-40B4-BE49-F238E27FC236}">
-                <a16:creationId xmlns:a16="http://schemas.microsoft.com/office/drawing/2014/main" id="{DA021890-D16A-D649-AA1E-9ED7EFA69AF4}"/>
-              </a:ext>
-            </a:extLst>
-          </p:cNvPr>
-          <p:cNvSpPr txBox="1">
-            <a:spLocks noGrp="1"/>
-          </p:cNvSpPr>
-          <p:nvPr>
-            <p:ph type="body" idx="7" hasCustomPrompt="1"/>
-          </p:nvPr>
-        </p:nvSpPr>
-        <p:spPr>
-          <a:xfrm>
-            <a:off x="6095999" y="1180053"/>
-            <a:ext cx="5638798" cy="686847"/>
-          </a:xfrm>
-          <a:prstGeom prst="rect">
-            <a:avLst/>
-          </a:prstGeom>
-          <a:ln>
-            <a:noFill/>
-          </a:ln>
-        </p:spPr>
-        <p:txBody>
-          <a:bodyPr vert="horz" wrap="square" lIns="0" tIns="0" rIns="0" bIns="0" rtlCol="0" anchor="b">
-            <a:noAutofit/>
-          </a:bodyPr>
-          <a:lstStyle>
-            <a:lvl1pPr algn="ctr">
-              <a:defRPr lang="en-US" sz="2000" b="1" i="0" dirty="0">
-                <a:solidFill>
-                  <a:schemeClr val="accent2"/>
-                </a:solidFill>
-                <a:latin typeface="Segoe UI Semibold" charset="0"/>
-                <a:ea typeface="Segoe UI Semibold" charset="0"/>
-                <a:cs typeface="Segoe UI Semibold" charset="0"/>
-              </a:defRPr>
-            </a:lvl1pPr>
-          </a:lstStyle>
-          <a:p>
-            <a:pPr lvl="0" algn="ctr" defTabSz="914367">
-              <a:spcAft>
-                <a:spcPts val="588"/>
-              </a:spcAft>
-            </a:pPr>
-            <a:r>
-              <a:rPr lang="en-US" dirty="0"/>
-              <a:t>Column 2</a:t>
-            </a:r>
-          </a:p>
-        </p:txBody>
-      </p:sp>
-      <p:sp>
-        <p:nvSpPr>
-          <p:cNvPr id="9" name="Shape 78">
-            <a:extLst>
-              <a:ext uri="{FF2B5EF4-FFF2-40B4-BE49-F238E27FC236}">
-                <a16:creationId xmlns:a16="http://schemas.microsoft.com/office/drawing/2014/main" id="{596BDBB1-DFCE-5B44-8169-B1A6DE61560F}"/>
-              </a:ext>
-            </a:extLst>
-          </p:cNvPr>
-          <p:cNvSpPr txBox="1">
-            <a:spLocks noGrp="1"/>
-          </p:cNvSpPr>
-          <p:nvPr>
-            <p:ph type="body" idx="30" hasCustomPrompt="1"/>
-          </p:nvPr>
-        </p:nvSpPr>
-        <p:spPr>
-          <a:xfrm>
-            <a:off x="457201" y="1183190"/>
-            <a:ext cx="5638800" cy="682523"/>
-          </a:xfrm>
-          <a:prstGeom prst="rect">
-            <a:avLst/>
-          </a:prstGeom>
-          <a:ln>
-            <a:noFill/>
-          </a:ln>
-        </p:spPr>
-        <p:txBody>
-          <a:bodyPr vert="horz" wrap="square" lIns="0" tIns="0" rIns="182880" bIns="0" rtlCol="0" anchor="b">
-            <a:noAutofit/>
-          </a:bodyPr>
-          <a:lstStyle>
-            <a:lvl1pPr algn="ctr">
-              <a:defRPr lang="en-US" sz="2000" b="1" i="0" dirty="0">
-                <a:solidFill>
-                  <a:schemeClr val="accent2"/>
-                </a:solidFill>
-                <a:latin typeface="Segoe UI Semibold" charset="0"/>
-                <a:ea typeface="Segoe UI Semibold" charset="0"/>
-                <a:cs typeface="Segoe UI Semibold" charset="0"/>
-              </a:defRPr>
-            </a:lvl1pPr>
-          </a:lstStyle>
-          <a:p>
-            <a:pPr lvl="0" algn="ctr" defTabSz="914367">
-              <a:spcAft>
-                <a:spcPts val="588"/>
-              </a:spcAft>
-            </a:pPr>
-            <a:r>
-              <a:rPr lang="en-US" dirty="0"/>
-              <a:t>Column 1</a:t>
-            </a:r>
-          </a:p>
-        </p:txBody>
-      </p:sp>
-    </p:spTree>
-    <p:extLst>
-      <p:ext uri="{BB962C8B-B14F-4D97-AF65-F5344CB8AC3E}">
-        <p14:creationId xmlns:p14="http://schemas.microsoft.com/office/powerpoint/2010/main" val="960372887"/>
-      </p:ext>
-    </p:extLst>
-  </p:cSld>
-  <p:clrMapOvr>
-    <a:masterClrMapping/>
-  </p:clrMapOvr>
-</p:sldLayout>
-</file>
-
-<file path=ppt/slideLayouts/slideLayout34.xml><?xml version="1.0" encoding="utf-8"?>
-<p:sldLayout xmlns:a="http://schemas.openxmlformats.org/drawingml/2006/main" xmlns:r="http://schemas.openxmlformats.org/officeDocument/2006/relationships" xmlns:p="http://schemas.openxmlformats.org/presentationml/2006/main" preserve="1" userDrawn="1">
-  <p:cSld name="Title + Sub ONLY">
-    <p:spTree>
-      <p:nvGrpSpPr>
-        <p:cNvPr id="1" name=""/>
-        <p:cNvGrpSpPr/>
-        <p:nvPr/>
-      </p:nvGrpSpPr>
-      <p:grpSpPr>
-        <a:xfrm>
-          <a:off x="0" y="0"/>
-          <a:ext cx="0" cy="0"/>
-          <a:chOff x="0" y="0"/>
-          <a:chExt cx="0" cy="0"/>
-        </a:xfrm>
-      </p:grpSpPr>
-      <p:sp>
-        <p:nvSpPr>
-          <p:cNvPr id="2" name="Title 1"/>
-          <p:cNvSpPr>
-            <a:spLocks noGrp="1"/>
-          </p:cNvSpPr>
-          <p:nvPr>
-            <p:ph type="title"/>
-          </p:nvPr>
-        </p:nvSpPr>
-        <p:spPr>
-          <a:xfrm>
-            <a:off x="457200" y="457201"/>
-            <a:ext cx="11277599" cy="594360"/>
-          </a:xfrm>
-        </p:spPr>
-        <p:txBody>
-          <a:bodyPr>
-            <a:normAutofit/>
-          </a:bodyPr>
-          <a:lstStyle>
-            <a:lvl1pPr>
-              <a:defRPr sz="4400"/>
-            </a:lvl1pPr>
-          </a:lstStyle>
-          <a:p>
-            <a:r>
-              <a:rPr lang="en-US"/>
-              <a:t>Click to edit Master title style</a:t>
-            </a:r>
-            <a:endParaRPr lang="en-US" dirty="0"/>
-          </a:p>
-        </p:txBody>
-      </p:sp>
-      <p:sp>
-        <p:nvSpPr>
-          <p:cNvPr id="5" name="Subtitle 2">
-            <a:extLst>
-              <a:ext uri="{FF2B5EF4-FFF2-40B4-BE49-F238E27FC236}">
-                <a16:creationId xmlns:a16="http://schemas.microsoft.com/office/drawing/2014/main" id="{7D5C19BA-6DD0-2341-932F-962FA328D5D7}"/>
-              </a:ext>
-            </a:extLst>
-          </p:cNvPr>
-          <p:cNvSpPr>
-            <a:spLocks noGrp="1"/>
-          </p:cNvSpPr>
-          <p:nvPr>
-            <p:ph type="subTitle" idx="27"/>
-          </p:nvPr>
-        </p:nvSpPr>
-        <p:spPr>
-          <a:xfrm>
-            <a:off x="457200" y="1051560"/>
-            <a:ext cx="11277600" cy="685800"/>
-          </a:xfrm>
-        </p:spPr>
-        <p:txBody>
-          <a:bodyPr/>
-          <a:lstStyle>
-            <a:lvl1pPr marL="0" indent="0" algn="l">
-              <a:buNone/>
-              <a:defRPr sz="2400" b="1" i="0" spc="-60" baseline="0">
-                <a:latin typeface="Segoe UI Semibold" charset="0"/>
-                <a:ea typeface="Segoe UI Semibold" charset="0"/>
-                <a:cs typeface="Segoe UI Semibold" charset="0"/>
-              </a:defRPr>
-            </a:lvl1pPr>
-            <a:lvl2pPr marL="457200" indent="0" algn="ctr">
-              <a:buNone/>
-              <a:defRPr sz="2000"/>
-            </a:lvl2pPr>
-            <a:lvl3pPr marL="914400" indent="0" algn="ctr">
-              <a:buNone/>
-              <a:defRPr sz="1800"/>
-            </a:lvl3pPr>
-            <a:lvl4pPr marL="1371600" indent="0" algn="ctr">
-              <a:buNone/>
-              <a:defRPr sz="1600"/>
-            </a:lvl4pPr>
-            <a:lvl5pPr marL="1828800" indent="0" algn="ctr">
-              <a:buNone/>
-              <a:defRPr sz="1600"/>
-            </a:lvl5pPr>
-            <a:lvl6pPr marL="2286000" indent="0" algn="ctr">
-              <a:buNone/>
-              <a:defRPr sz="1600"/>
-            </a:lvl6pPr>
-            <a:lvl7pPr marL="2743200" indent="0" algn="ctr">
-              <a:buNone/>
-              <a:defRPr sz="1600"/>
-            </a:lvl7pPr>
-            <a:lvl8pPr marL="3200400" indent="0" algn="ctr">
-              <a:buNone/>
-              <a:defRPr sz="1600"/>
-            </a:lvl8pPr>
-            <a:lvl9pPr marL="3657600" indent="0" algn="ctr">
-              <a:buNone/>
-              <a:defRPr sz="1600"/>
-            </a:lvl9pPr>
-          </a:lstStyle>
-          <a:p>
-            <a:r>
-              <a:rPr lang="en-US"/>
-              <a:t>Click to edit Master subtitle style</a:t>
-            </a:r>
-            <a:endParaRPr lang="en-US" dirty="0"/>
-          </a:p>
-        </p:txBody>
-      </p:sp>
-      <p:sp>
-        <p:nvSpPr>
           <p:cNvPr id="6" name="Slide Number Placeholder 5">
             <a:extLst>
               <a:ext uri="{FF2B5EF4-FFF2-40B4-BE49-F238E27FC236}">
@@ -11351,7 +11126,7 @@
 </p:sldLayout>
 </file>
 
-<file path=ppt/slideLayouts/slideLayout35.xml><?xml version="1.0" encoding="utf-8"?>
+<file path=ppt/slideLayouts/slideLayout34.xml><?xml version="1.0" encoding="utf-8"?>
 <p:sldLayout xmlns:a="http://schemas.openxmlformats.org/drawingml/2006/main" xmlns:r="http://schemas.openxmlformats.org/officeDocument/2006/relationships" xmlns:p="http://schemas.openxmlformats.org/presentationml/2006/main" preserve="1" userDrawn="1">
   <p:cSld name="Content Small Title">
     <p:spTree>
@@ -11443,7 +11218,7 @@
 </p:sldLayout>
 </file>
 
-<file path=ppt/slideLayouts/slideLayout36.xml><?xml version="1.0" encoding="utf-8"?>
+<file path=ppt/slideLayouts/slideLayout35.xml><?xml version="1.0" encoding="utf-8"?>
 <p:sldLayout xmlns:a="http://schemas.openxmlformats.org/drawingml/2006/main" xmlns:r="http://schemas.openxmlformats.org/officeDocument/2006/relationships" xmlns:p="http://schemas.openxmlformats.org/presentationml/2006/main" preserve="1" userDrawn="1">
   <p:cSld name="Blank">
     <p:spTree>
@@ -11503,7 +11278,7 @@
 </p:sldLayout>
 </file>
 
-<file path=ppt/slideLayouts/slideLayout37.xml><?xml version="1.0" encoding="utf-8"?>
+<file path=ppt/slideLayouts/slideLayout36.xml><?xml version="1.0" encoding="utf-8"?>
 <p:sldLayout xmlns:a="http://schemas.openxmlformats.org/drawingml/2006/main" xmlns:r="http://schemas.openxmlformats.org/officeDocument/2006/relationships" xmlns:p="http://schemas.openxmlformats.org/presentationml/2006/main" preserve="1" userDrawn="1">
   <p:cSld name="Content + slanted Image Right">
     <p:spTree>
@@ -11889,7 +11664,7 @@
 </p:sldLayout>
 </file>
 
-<file path=ppt/slideLayouts/slideLayout38.xml><?xml version="1.0" encoding="utf-8"?>
+<file path=ppt/slideLayouts/slideLayout37.xml><?xml version="1.0" encoding="utf-8"?>
 <p:sldLayout xmlns:a="http://schemas.openxmlformats.org/drawingml/2006/main" xmlns:r="http://schemas.openxmlformats.org/officeDocument/2006/relationships" xmlns:p="http://schemas.openxmlformats.org/presentationml/2006/main" preserve="1" userDrawn="1">
   <p:cSld name="Content + slanted Image Left">
     <p:spTree>
@@ -12544,7 +12319,7 @@
 </p:sldLayout>
 </file>
 
-<file path=ppt/slideLayouts/slideLayout39.xml><?xml version="1.0" encoding="utf-8"?>
+<file path=ppt/slideLayouts/slideLayout38.xml><?xml version="1.0" encoding="utf-8"?>
 <p:sldLayout xmlns:a="http://schemas.openxmlformats.org/drawingml/2006/main" xmlns:r="http://schemas.openxmlformats.org/officeDocument/2006/relationships" xmlns:p="http://schemas.openxmlformats.org/presentationml/2006/main" showMasterSp="0" preserve="1" userDrawn="1">
   <p:cSld name="Content + slanted Image Left 1">
     <p:spTree>
@@ -13061,6 +12836,293 @@
 </p:sldLayout>
 </file>
 
+<file path=ppt/slideLayouts/slideLayout39.xml><?xml version="1.0" encoding="utf-8"?>
+<p:sldLayout xmlns:a="http://schemas.openxmlformats.org/drawingml/2006/main" xmlns:r="http://schemas.openxmlformats.org/officeDocument/2006/relationships" xmlns:p="http://schemas.openxmlformats.org/presentationml/2006/main" preserve="1" userDrawn="1">
+  <p:cSld name="STATEMENT">
+    <p:spTree>
+      <p:nvGrpSpPr>
+        <p:cNvPr id="1" name=""/>
+        <p:cNvGrpSpPr/>
+        <p:nvPr/>
+      </p:nvGrpSpPr>
+      <p:grpSpPr>
+        <a:xfrm>
+          <a:off x="0" y="0"/>
+          <a:ext cx="0" cy="0"/>
+          <a:chOff x="0" y="0"/>
+          <a:chExt cx="0" cy="0"/>
+        </a:xfrm>
+      </p:grpSpPr>
+      <p:sp>
+        <p:nvSpPr>
+          <p:cNvPr id="5" name="Footer Placeholder 6" hidden="1"/>
+          <p:cNvSpPr txBox="1">
+            <a:spLocks/>
+          </p:cNvSpPr>
+          <p:nvPr userDrawn="1"/>
+        </p:nvSpPr>
+        <p:spPr>
+          <a:xfrm>
+            <a:off x="10529456" y="6553200"/>
+            <a:ext cx="1663691" cy="304800"/>
+          </a:xfrm>
+          <a:prstGeom prst="rect">
+            <a:avLst/>
+          </a:prstGeom>
+        </p:spPr>
+        <p:txBody>
+          <a:bodyPr/>
+          <a:lstStyle>
+            <a:defPPr>
+              <a:defRPr lang="en-US"/>
+            </a:defPPr>
+            <a:lvl1pPr marL="0" algn="l" defTabSz="914400" rtl="0" eaLnBrk="1" latinLnBrk="0" hangingPunct="1">
+              <a:defRPr sz="1800" kern="1200">
+                <a:solidFill>
+                  <a:schemeClr val="tx1"/>
+                </a:solidFill>
+                <a:latin typeface="+mn-lt"/>
+                <a:ea typeface="+mn-ea"/>
+                <a:cs typeface="+mn-cs"/>
+              </a:defRPr>
+            </a:lvl1pPr>
+            <a:lvl2pPr marL="457200" algn="l" defTabSz="914400" rtl="0" eaLnBrk="1" latinLnBrk="0" hangingPunct="1">
+              <a:defRPr sz="1800" kern="1200">
+                <a:solidFill>
+                  <a:schemeClr val="tx1"/>
+                </a:solidFill>
+                <a:latin typeface="+mn-lt"/>
+                <a:ea typeface="+mn-ea"/>
+                <a:cs typeface="+mn-cs"/>
+              </a:defRPr>
+            </a:lvl2pPr>
+            <a:lvl3pPr marL="914400" algn="l" defTabSz="914400" rtl="0" eaLnBrk="1" latinLnBrk="0" hangingPunct="1">
+              <a:defRPr sz="1800" kern="1200">
+                <a:solidFill>
+                  <a:schemeClr val="tx1"/>
+                </a:solidFill>
+                <a:latin typeface="+mn-lt"/>
+                <a:ea typeface="+mn-ea"/>
+                <a:cs typeface="+mn-cs"/>
+              </a:defRPr>
+            </a:lvl3pPr>
+            <a:lvl4pPr marL="1371600" algn="l" defTabSz="914400" rtl="0" eaLnBrk="1" latinLnBrk="0" hangingPunct="1">
+              <a:defRPr sz="1800" kern="1200">
+                <a:solidFill>
+                  <a:schemeClr val="tx1"/>
+                </a:solidFill>
+                <a:latin typeface="+mn-lt"/>
+                <a:ea typeface="+mn-ea"/>
+                <a:cs typeface="+mn-cs"/>
+              </a:defRPr>
+            </a:lvl4pPr>
+            <a:lvl5pPr marL="1828800" algn="l" defTabSz="914400" rtl="0" eaLnBrk="1" latinLnBrk="0" hangingPunct="1">
+              <a:defRPr sz="1800" kern="1200">
+                <a:solidFill>
+                  <a:schemeClr val="tx1"/>
+                </a:solidFill>
+                <a:latin typeface="+mn-lt"/>
+                <a:ea typeface="+mn-ea"/>
+                <a:cs typeface="+mn-cs"/>
+              </a:defRPr>
+            </a:lvl5pPr>
+            <a:lvl6pPr marL="2286000" algn="l" defTabSz="914400" rtl="0" eaLnBrk="1" latinLnBrk="0" hangingPunct="1">
+              <a:defRPr sz="1800" kern="1200">
+                <a:solidFill>
+                  <a:schemeClr val="tx1"/>
+                </a:solidFill>
+                <a:latin typeface="+mn-lt"/>
+                <a:ea typeface="+mn-ea"/>
+                <a:cs typeface="+mn-cs"/>
+              </a:defRPr>
+            </a:lvl6pPr>
+            <a:lvl7pPr marL="2743200" algn="l" defTabSz="914400" rtl="0" eaLnBrk="1" latinLnBrk="0" hangingPunct="1">
+              <a:defRPr sz="1800" kern="1200">
+                <a:solidFill>
+                  <a:schemeClr val="tx1"/>
+                </a:solidFill>
+                <a:latin typeface="+mn-lt"/>
+                <a:ea typeface="+mn-ea"/>
+                <a:cs typeface="+mn-cs"/>
+              </a:defRPr>
+            </a:lvl7pPr>
+            <a:lvl8pPr marL="3200400" algn="l" defTabSz="914400" rtl="0" eaLnBrk="1" latinLnBrk="0" hangingPunct="1">
+              <a:defRPr sz="1800" kern="1200">
+                <a:solidFill>
+                  <a:schemeClr val="tx1"/>
+                </a:solidFill>
+                <a:latin typeface="+mn-lt"/>
+                <a:ea typeface="+mn-ea"/>
+                <a:cs typeface="+mn-cs"/>
+              </a:defRPr>
+            </a:lvl8pPr>
+            <a:lvl9pPr marL="3657600" algn="l" defTabSz="914400" rtl="0" eaLnBrk="1" latinLnBrk="0" hangingPunct="1">
+              <a:defRPr sz="1800" kern="1200">
+                <a:solidFill>
+                  <a:schemeClr val="tx1"/>
+                </a:solidFill>
+                <a:latin typeface="+mn-lt"/>
+                <a:ea typeface="+mn-ea"/>
+                <a:cs typeface="+mn-cs"/>
+              </a:defRPr>
+            </a:lvl9pPr>
+          </a:lstStyle>
+          <a:p>
+            <a:pPr algn="r"/>
+            <a:r>
+              <a:rPr lang="en-US" sz="800">
+                <a:solidFill>
+                  <a:srgbClr val="666666"/>
+                </a:solidFill>
+              </a:rPr>
+              <a:t>MICROSOFT CONFIDENTIAL</a:t>
+            </a:r>
+          </a:p>
+        </p:txBody>
+      </p:sp>
+      <p:sp>
+        <p:nvSpPr>
+          <p:cNvPr id="15" name="Text Placeholder 3"/>
+          <p:cNvSpPr>
+            <a:spLocks noGrp="1"/>
+          </p:cNvSpPr>
+          <p:nvPr>
+            <p:ph idx="1" hasCustomPrompt="1"/>
+          </p:nvPr>
+        </p:nvSpPr>
+        <p:spPr>
+          <a:xfrm>
+            <a:off x="457200" y="457200"/>
+            <a:ext cx="11277599" cy="5638800"/>
+          </a:xfrm>
+          <a:prstGeom prst="rect">
+            <a:avLst/>
+          </a:prstGeom>
+        </p:spPr>
+        <p:txBody>
+          <a:bodyPr vert="horz" lIns="0" tIns="0" rIns="0" bIns="91440" rtlCol="0" anchor="ctr" anchorCtr="0">
+            <a:normAutofit/>
+          </a:bodyPr>
+          <a:lstStyle>
+            <a:lvl1pPr>
+              <a:lnSpc>
+                <a:spcPct val="110000"/>
+              </a:lnSpc>
+              <a:spcAft>
+                <a:spcPts val="1200"/>
+              </a:spcAft>
+              <a:defRPr sz="4400" b="1" i="0">
+                <a:solidFill>
+                  <a:schemeClr val="tx1"/>
+                </a:solidFill>
+                <a:latin typeface="Segoe Pro Semibold" charset="0"/>
+                <a:ea typeface="Segoe Pro Semibold" charset="0"/>
+                <a:cs typeface="Segoe Pro Semibold" charset="0"/>
+              </a:defRPr>
+            </a:lvl1pPr>
+            <a:lvl2pPr>
+              <a:lnSpc>
+                <a:spcPct val="110000"/>
+              </a:lnSpc>
+              <a:defRPr sz="2400" b="0" i="0">
+                <a:solidFill>
+                  <a:schemeClr val="tx1"/>
+                </a:solidFill>
+                <a:latin typeface="Segoe Pro" charset="0"/>
+                <a:ea typeface="Segoe Pro" charset="0"/>
+                <a:cs typeface="Segoe Pro" charset="0"/>
+              </a:defRPr>
+            </a:lvl2pPr>
+            <a:lvl3pPr>
+              <a:lnSpc>
+                <a:spcPct val="110000"/>
+              </a:lnSpc>
+              <a:defRPr sz="2000" b="0" i="0">
+                <a:solidFill>
+                  <a:schemeClr val="tx1"/>
+                </a:solidFill>
+                <a:latin typeface="Segoe Pro" charset="0"/>
+                <a:ea typeface="Segoe Pro" charset="0"/>
+                <a:cs typeface="Segoe Pro" charset="0"/>
+              </a:defRPr>
+            </a:lvl3pPr>
+            <a:lvl4pPr>
+              <a:defRPr>
+                <a:solidFill>
+                  <a:schemeClr val="bg2">
+                    <a:lumMod val="60000"/>
+                    <a:lumOff val="40000"/>
+                  </a:schemeClr>
+                </a:solidFill>
+              </a:defRPr>
+            </a:lvl4pPr>
+          </a:lstStyle>
+          <a:p>
+            <a:pPr lvl="0"/>
+            <a:r>
+              <a:rPr lang="en-US" dirty="0"/>
+              <a:t>Click to edit Subhead Master text styles</a:t>
+            </a:r>
+          </a:p>
+          <a:p>
+            <a:pPr lvl="1"/>
+            <a:r>
+              <a:rPr lang="en-US" dirty="0"/>
+              <a:t>Second level</a:t>
+            </a:r>
+          </a:p>
+          <a:p>
+            <a:pPr lvl="2"/>
+            <a:r>
+              <a:rPr lang="en-US" dirty="0"/>
+              <a:t>Third level</a:t>
+            </a:r>
+          </a:p>
+        </p:txBody>
+      </p:sp>
+      <p:sp>
+        <p:nvSpPr>
+          <p:cNvPr id="2" name="Slide Number Placeholder 1">
+            <a:extLst>
+              <a:ext uri="{FF2B5EF4-FFF2-40B4-BE49-F238E27FC236}">
+                <a16:creationId xmlns:a16="http://schemas.microsoft.com/office/drawing/2014/main" id="{9FF4F531-1753-1544-8A42-F788362A04E3}"/>
+              </a:ext>
+            </a:extLst>
+          </p:cNvPr>
+          <p:cNvSpPr>
+            <a:spLocks noGrp="1"/>
+          </p:cNvSpPr>
+          <p:nvPr>
+            <p:ph type="sldNum" sz="quarter" idx="28"/>
+          </p:nvPr>
+        </p:nvSpPr>
+        <p:spPr/>
+        <p:txBody>
+          <a:bodyPr/>
+          <a:lstStyle/>
+          <a:p>
+            <a:fld id="{529AFA16-AEC4-7D4A-82F3-BDAE8E49079E}" type="slidenum">
+              <a:rPr lang="en-US" smtClean="0"/>
+              <a:pPr/>
+              <a:t>‹#›</a:t>
+            </a:fld>
+            <a:endParaRPr lang="en-US"/>
+          </a:p>
+        </p:txBody>
+      </p:sp>
+    </p:spTree>
+    <p:extLst>
+      <p:ext uri="{BB962C8B-B14F-4D97-AF65-F5344CB8AC3E}">
+        <p14:creationId xmlns:p14="http://schemas.microsoft.com/office/powerpoint/2010/main" val="1490406675"/>
+      </p:ext>
+    </p:extLst>
+  </p:cSld>
+  <p:clrMapOvr>
+    <a:masterClrMapping/>
+  </p:clrMapOvr>
+</p:sldLayout>
+</file>
+
 <file path=ppt/slideLayouts/slideLayout4.xml><?xml version="1.0" encoding="utf-8"?>
 <p:sldLayout xmlns:a="http://schemas.openxmlformats.org/drawingml/2006/main" xmlns:r="http://schemas.openxmlformats.org/officeDocument/2006/relationships" xmlns:p="http://schemas.openxmlformats.org/presentationml/2006/main" preserve="1">
   <p:cSld name="Title + Sub ONLY">
@@ -13234,293 +13296,6 @@
 
 <file path=ppt/slideLayouts/slideLayout40.xml><?xml version="1.0" encoding="utf-8"?>
 <p:sldLayout xmlns:a="http://schemas.openxmlformats.org/drawingml/2006/main" xmlns:r="http://schemas.openxmlformats.org/officeDocument/2006/relationships" xmlns:p="http://schemas.openxmlformats.org/presentationml/2006/main" preserve="1" userDrawn="1">
-  <p:cSld name="STATEMENT">
-    <p:spTree>
-      <p:nvGrpSpPr>
-        <p:cNvPr id="1" name=""/>
-        <p:cNvGrpSpPr/>
-        <p:nvPr/>
-      </p:nvGrpSpPr>
-      <p:grpSpPr>
-        <a:xfrm>
-          <a:off x="0" y="0"/>
-          <a:ext cx="0" cy="0"/>
-          <a:chOff x="0" y="0"/>
-          <a:chExt cx="0" cy="0"/>
-        </a:xfrm>
-      </p:grpSpPr>
-      <p:sp>
-        <p:nvSpPr>
-          <p:cNvPr id="5" name="Footer Placeholder 6" hidden="1"/>
-          <p:cNvSpPr txBox="1">
-            <a:spLocks/>
-          </p:cNvSpPr>
-          <p:nvPr userDrawn="1"/>
-        </p:nvSpPr>
-        <p:spPr>
-          <a:xfrm>
-            <a:off x="10529456" y="6553200"/>
-            <a:ext cx="1663691" cy="304800"/>
-          </a:xfrm>
-          <a:prstGeom prst="rect">
-            <a:avLst/>
-          </a:prstGeom>
-        </p:spPr>
-        <p:txBody>
-          <a:bodyPr/>
-          <a:lstStyle>
-            <a:defPPr>
-              <a:defRPr lang="en-US"/>
-            </a:defPPr>
-            <a:lvl1pPr marL="0" algn="l" defTabSz="914400" rtl="0" eaLnBrk="1" latinLnBrk="0" hangingPunct="1">
-              <a:defRPr sz="1800" kern="1200">
-                <a:solidFill>
-                  <a:schemeClr val="tx1"/>
-                </a:solidFill>
-                <a:latin typeface="+mn-lt"/>
-                <a:ea typeface="+mn-ea"/>
-                <a:cs typeface="+mn-cs"/>
-              </a:defRPr>
-            </a:lvl1pPr>
-            <a:lvl2pPr marL="457200" algn="l" defTabSz="914400" rtl="0" eaLnBrk="1" latinLnBrk="0" hangingPunct="1">
-              <a:defRPr sz="1800" kern="1200">
-                <a:solidFill>
-                  <a:schemeClr val="tx1"/>
-                </a:solidFill>
-                <a:latin typeface="+mn-lt"/>
-                <a:ea typeface="+mn-ea"/>
-                <a:cs typeface="+mn-cs"/>
-              </a:defRPr>
-            </a:lvl2pPr>
-            <a:lvl3pPr marL="914400" algn="l" defTabSz="914400" rtl="0" eaLnBrk="1" latinLnBrk="0" hangingPunct="1">
-              <a:defRPr sz="1800" kern="1200">
-                <a:solidFill>
-                  <a:schemeClr val="tx1"/>
-                </a:solidFill>
-                <a:latin typeface="+mn-lt"/>
-                <a:ea typeface="+mn-ea"/>
-                <a:cs typeface="+mn-cs"/>
-              </a:defRPr>
-            </a:lvl3pPr>
-            <a:lvl4pPr marL="1371600" algn="l" defTabSz="914400" rtl="0" eaLnBrk="1" latinLnBrk="0" hangingPunct="1">
-              <a:defRPr sz="1800" kern="1200">
-                <a:solidFill>
-                  <a:schemeClr val="tx1"/>
-                </a:solidFill>
-                <a:latin typeface="+mn-lt"/>
-                <a:ea typeface="+mn-ea"/>
-                <a:cs typeface="+mn-cs"/>
-              </a:defRPr>
-            </a:lvl4pPr>
-            <a:lvl5pPr marL="1828800" algn="l" defTabSz="914400" rtl="0" eaLnBrk="1" latinLnBrk="0" hangingPunct="1">
-              <a:defRPr sz="1800" kern="1200">
-                <a:solidFill>
-                  <a:schemeClr val="tx1"/>
-                </a:solidFill>
-                <a:latin typeface="+mn-lt"/>
-                <a:ea typeface="+mn-ea"/>
-                <a:cs typeface="+mn-cs"/>
-              </a:defRPr>
-            </a:lvl5pPr>
-            <a:lvl6pPr marL="2286000" algn="l" defTabSz="914400" rtl="0" eaLnBrk="1" latinLnBrk="0" hangingPunct="1">
-              <a:defRPr sz="1800" kern="1200">
-                <a:solidFill>
-                  <a:schemeClr val="tx1"/>
-                </a:solidFill>
-                <a:latin typeface="+mn-lt"/>
-                <a:ea typeface="+mn-ea"/>
-                <a:cs typeface="+mn-cs"/>
-              </a:defRPr>
-            </a:lvl6pPr>
-            <a:lvl7pPr marL="2743200" algn="l" defTabSz="914400" rtl="0" eaLnBrk="1" latinLnBrk="0" hangingPunct="1">
-              <a:defRPr sz="1800" kern="1200">
-                <a:solidFill>
-                  <a:schemeClr val="tx1"/>
-                </a:solidFill>
-                <a:latin typeface="+mn-lt"/>
-                <a:ea typeface="+mn-ea"/>
-                <a:cs typeface="+mn-cs"/>
-              </a:defRPr>
-            </a:lvl7pPr>
-            <a:lvl8pPr marL="3200400" algn="l" defTabSz="914400" rtl="0" eaLnBrk="1" latinLnBrk="0" hangingPunct="1">
-              <a:defRPr sz="1800" kern="1200">
-                <a:solidFill>
-                  <a:schemeClr val="tx1"/>
-                </a:solidFill>
-                <a:latin typeface="+mn-lt"/>
-                <a:ea typeface="+mn-ea"/>
-                <a:cs typeface="+mn-cs"/>
-              </a:defRPr>
-            </a:lvl8pPr>
-            <a:lvl9pPr marL="3657600" algn="l" defTabSz="914400" rtl="0" eaLnBrk="1" latinLnBrk="0" hangingPunct="1">
-              <a:defRPr sz="1800" kern="1200">
-                <a:solidFill>
-                  <a:schemeClr val="tx1"/>
-                </a:solidFill>
-                <a:latin typeface="+mn-lt"/>
-                <a:ea typeface="+mn-ea"/>
-                <a:cs typeface="+mn-cs"/>
-              </a:defRPr>
-            </a:lvl9pPr>
-          </a:lstStyle>
-          <a:p>
-            <a:pPr algn="r"/>
-            <a:r>
-              <a:rPr lang="en-US" sz="800">
-                <a:solidFill>
-                  <a:srgbClr val="666666"/>
-                </a:solidFill>
-              </a:rPr>
-              <a:t>MICROSOFT CONFIDENTIAL</a:t>
-            </a:r>
-          </a:p>
-        </p:txBody>
-      </p:sp>
-      <p:sp>
-        <p:nvSpPr>
-          <p:cNvPr id="15" name="Text Placeholder 3"/>
-          <p:cNvSpPr>
-            <a:spLocks noGrp="1"/>
-          </p:cNvSpPr>
-          <p:nvPr>
-            <p:ph idx="1" hasCustomPrompt="1"/>
-          </p:nvPr>
-        </p:nvSpPr>
-        <p:spPr>
-          <a:xfrm>
-            <a:off x="457200" y="457200"/>
-            <a:ext cx="11277599" cy="5638800"/>
-          </a:xfrm>
-          <a:prstGeom prst="rect">
-            <a:avLst/>
-          </a:prstGeom>
-        </p:spPr>
-        <p:txBody>
-          <a:bodyPr vert="horz" lIns="0" tIns="0" rIns="0" bIns="91440" rtlCol="0" anchor="ctr" anchorCtr="0">
-            <a:normAutofit/>
-          </a:bodyPr>
-          <a:lstStyle>
-            <a:lvl1pPr>
-              <a:lnSpc>
-                <a:spcPct val="110000"/>
-              </a:lnSpc>
-              <a:spcAft>
-                <a:spcPts val="1200"/>
-              </a:spcAft>
-              <a:defRPr sz="4400" b="1" i="0">
-                <a:solidFill>
-                  <a:schemeClr val="tx1"/>
-                </a:solidFill>
-                <a:latin typeface="Segoe Pro Semibold" charset="0"/>
-                <a:ea typeface="Segoe Pro Semibold" charset="0"/>
-                <a:cs typeface="Segoe Pro Semibold" charset="0"/>
-              </a:defRPr>
-            </a:lvl1pPr>
-            <a:lvl2pPr>
-              <a:lnSpc>
-                <a:spcPct val="110000"/>
-              </a:lnSpc>
-              <a:defRPr sz="2400" b="0" i="0">
-                <a:solidFill>
-                  <a:schemeClr val="tx1"/>
-                </a:solidFill>
-                <a:latin typeface="Segoe Pro" charset="0"/>
-                <a:ea typeface="Segoe Pro" charset="0"/>
-                <a:cs typeface="Segoe Pro" charset="0"/>
-              </a:defRPr>
-            </a:lvl2pPr>
-            <a:lvl3pPr>
-              <a:lnSpc>
-                <a:spcPct val="110000"/>
-              </a:lnSpc>
-              <a:defRPr sz="2000" b="0" i="0">
-                <a:solidFill>
-                  <a:schemeClr val="tx1"/>
-                </a:solidFill>
-                <a:latin typeface="Segoe Pro" charset="0"/>
-                <a:ea typeface="Segoe Pro" charset="0"/>
-                <a:cs typeface="Segoe Pro" charset="0"/>
-              </a:defRPr>
-            </a:lvl3pPr>
-            <a:lvl4pPr>
-              <a:defRPr>
-                <a:solidFill>
-                  <a:schemeClr val="bg2">
-                    <a:lumMod val="60000"/>
-                    <a:lumOff val="40000"/>
-                  </a:schemeClr>
-                </a:solidFill>
-              </a:defRPr>
-            </a:lvl4pPr>
-          </a:lstStyle>
-          <a:p>
-            <a:pPr lvl="0"/>
-            <a:r>
-              <a:rPr lang="en-US" dirty="0"/>
-              <a:t>Click to edit Subhead Master text styles</a:t>
-            </a:r>
-          </a:p>
-          <a:p>
-            <a:pPr lvl="1"/>
-            <a:r>
-              <a:rPr lang="en-US" dirty="0"/>
-              <a:t>Second level</a:t>
-            </a:r>
-          </a:p>
-          <a:p>
-            <a:pPr lvl="2"/>
-            <a:r>
-              <a:rPr lang="en-US" dirty="0"/>
-              <a:t>Third level</a:t>
-            </a:r>
-          </a:p>
-        </p:txBody>
-      </p:sp>
-      <p:sp>
-        <p:nvSpPr>
-          <p:cNvPr id="2" name="Slide Number Placeholder 1">
-            <a:extLst>
-              <a:ext uri="{FF2B5EF4-FFF2-40B4-BE49-F238E27FC236}">
-                <a16:creationId xmlns:a16="http://schemas.microsoft.com/office/drawing/2014/main" id="{9FF4F531-1753-1544-8A42-F788362A04E3}"/>
-              </a:ext>
-            </a:extLst>
-          </p:cNvPr>
-          <p:cNvSpPr>
-            <a:spLocks noGrp="1"/>
-          </p:cNvSpPr>
-          <p:nvPr>
-            <p:ph type="sldNum" sz="quarter" idx="28"/>
-          </p:nvPr>
-        </p:nvSpPr>
-        <p:spPr/>
-        <p:txBody>
-          <a:bodyPr/>
-          <a:lstStyle/>
-          <a:p>
-            <a:fld id="{529AFA16-AEC4-7D4A-82F3-BDAE8E49079E}" type="slidenum">
-              <a:rPr lang="en-US" smtClean="0"/>
-              <a:pPr/>
-              <a:t>‹#›</a:t>
-            </a:fld>
-            <a:endParaRPr lang="en-US"/>
-          </a:p>
-        </p:txBody>
-      </p:sp>
-    </p:spTree>
-    <p:extLst>
-      <p:ext uri="{BB962C8B-B14F-4D97-AF65-F5344CB8AC3E}">
-        <p14:creationId xmlns:p14="http://schemas.microsoft.com/office/powerpoint/2010/main" val="1490406675"/>
-      </p:ext>
-    </p:extLst>
-  </p:cSld>
-  <p:clrMapOvr>
-    <a:masterClrMapping/>
-  </p:clrMapOvr>
-</p:sldLayout>
-</file>
-
-<file path=ppt/slideLayouts/slideLayout41.xml><?xml version="1.0" encoding="utf-8"?>
-<p:sldLayout xmlns:a="http://schemas.openxmlformats.org/drawingml/2006/main" xmlns:r="http://schemas.openxmlformats.org/officeDocument/2006/relationships" xmlns:p="http://schemas.openxmlformats.org/presentationml/2006/main" preserve="1" userDrawn="1">
   <p:cSld name="About Me">
     <p:spTree>
       <p:nvGrpSpPr>
@@ -13998,7 +13773,7 @@
 </p:sldLayout>
 </file>
 
-<file path=ppt/slideLayouts/slideLayout42.xml><?xml version="1.0" encoding="utf-8"?>
+<file path=ppt/slideLayouts/slideLayout41.xml><?xml version="1.0" encoding="utf-8"?>
 <p:sldLayout xmlns:a="http://schemas.openxmlformats.org/drawingml/2006/main" xmlns:r="http://schemas.openxmlformats.org/officeDocument/2006/relationships" xmlns:p="http://schemas.openxmlformats.org/presentationml/2006/main" preserve="1" userDrawn="1">
   <p:cSld name="Concept 3-col">
     <p:spTree>
@@ -14740,7 +14515,7 @@
 </p:sldLayout>
 </file>
 
-<file path=ppt/slideLayouts/slideLayout43.xml><?xml version="1.0" encoding="utf-8"?>
+<file path=ppt/slideLayouts/slideLayout42.xml><?xml version="1.0" encoding="utf-8"?>
 <p:sldLayout xmlns:a="http://schemas.openxmlformats.org/drawingml/2006/main" xmlns:r="http://schemas.openxmlformats.org/officeDocument/2006/relationships" xmlns:p="http://schemas.openxmlformats.org/presentationml/2006/main" preserve="1" userDrawn="1">
   <p:cSld name="Concept 2-col">
     <p:spTree>
@@ -15273,7 +15048,7 @@
 </p:sldLayout>
 </file>
 
-<file path=ppt/slideLayouts/slideLayout44.xml><?xml version="1.0" encoding="utf-8"?>
+<file path=ppt/slideLayouts/slideLayout43.xml><?xml version="1.0" encoding="utf-8"?>
 <p:sldLayout xmlns:a="http://schemas.openxmlformats.org/drawingml/2006/main" xmlns:r="http://schemas.openxmlformats.org/officeDocument/2006/relationships" xmlns:p="http://schemas.openxmlformats.org/presentationml/2006/main" preserve="1" userDrawn="1">
   <p:cSld name="Evidence Slide">
     <p:spTree>
@@ -15761,7 +15536,7 @@
 </p:sldLayout>
 </file>
 
-<file path=ppt/slideLayouts/slideLayout45.xml><?xml version="1.0" encoding="utf-8"?>
+<file path=ppt/slideLayouts/slideLayout44.xml><?xml version="1.0" encoding="utf-8"?>
 <p:sldLayout xmlns:a="http://schemas.openxmlformats.org/drawingml/2006/main" xmlns:r="http://schemas.openxmlformats.org/officeDocument/2006/relationships" xmlns:p="http://schemas.openxmlformats.org/presentationml/2006/main" preserve="1" userDrawn="1">
   <p:cSld name="Benefit Simple">
     <p:spTree>
@@ -16179,7 +15954,7 @@
 </p:sldLayout>
 </file>
 
-<file path=ppt/slideLayouts/slideLayout46.xml><?xml version="1.0" encoding="utf-8"?>
+<file path=ppt/slideLayouts/slideLayout45.xml><?xml version="1.0" encoding="utf-8"?>
 <p:sldLayout xmlns:a="http://schemas.openxmlformats.org/drawingml/2006/main" xmlns:r="http://schemas.openxmlformats.org/officeDocument/2006/relationships" xmlns:p="http://schemas.openxmlformats.org/presentationml/2006/main" preserve="1" userDrawn="1">
   <p:cSld name="Benefit Complex">
     <p:spTree>
@@ -17681,7 +17456,7 @@
 </p:sldLayout>
 </file>
 
-<file path=ppt/slideLayouts/slideLayout47.xml><?xml version="1.0" encoding="utf-8"?>
+<file path=ppt/slideLayouts/slideLayout46.xml><?xml version="1.0" encoding="utf-8"?>
 <p:sldLayout xmlns:a="http://schemas.openxmlformats.org/drawingml/2006/main" xmlns:r="http://schemas.openxmlformats.org/officeDocument/2006/relationships" xmlns:p="http://schemas.openxmlformats.org/presentationml/2006/main" preserve="1" userDrawn="1">
   <p:cSld name="Code - Wide">
     <p:spTree>
@@ -17834,7 +17609,7 @@
 </p:sldLayout>
 </file>
 
-<file path=ppt/slideLayouts/slideLayout48.xml><?xml version="1.0" encoding="utf-8"?>
+<file path=ppt/slideLayouts/slideLayout47.xml><?xml version="1.0" encoding="utf-8"?>
 <p:sldLayout xmlns:a="http://schemas.openxmlformats.org/drawingml/2006/main" xmlns:r="http://schemas.openxmlformats.org/officeDocument/2006/relationships" xmlns:p="http://schemas.openxmlformats.org/presentationml/2006/main" preserve="1" userDrawn="1">
   <p:cSld name="Code - Wide with black background">
     <p:spTree>
@@ -17987,7 +17762,7 @@
 </p:sldLayout>
 </file>
 
-<file path=ppt/slideLayouts/slideLayout49.xml><?xml version="1.0" encoding="utf-8"?>
+<file path=ppt/slideLayouts/slideLayout48.xml><?xml version="1.0" encoding="utf-8"?>
 <p:sldLayout xmlns:a="http://schemas.openxmlformats.org/drawingml/2006/main" xmlns:r="http://schemas.openxmlformats.org/officeDocument/2006/relationships" xmlns:p="http://schemas.openxmlformats.org/presentationml/2006/main" preserve="1" userDrawn="1">
   <p:cSld name="Code 2 column - Wider">
     <p:spTree>
@@ -18195,6 +17970,223 @@
     <p:extLst>
       <p:ext uri="{BB962C8B-B14F-4D97-AF65-F5344CB8AC3E}">
         <p14:creationId xmlns:p14="http://schemas.microsoft.com/office/powerpoint/2010/main" val="1976615045"/>
+      </p:ext>
+    </p:extLst>
+  </p:cSld>
+  <p:clrMapOvr>
+    <a:masterClrMapping/>
+  </p:clrMapOvr>
+</p:sldLayout>
+</file>
+
+<file path=ppt/slideLayouts/slideLayout49.xml><?xml version="1.0" encoding="utf-8"?>
+<p:sldLayout xmlns:a="http://schemas.openxmlformats.org/drawingml/2006/main" xmlns:r="http://schemas.openxmlformats.org/officeDocument/2006/relationships" xmlns:p="http://schemas.openxmlformats.org/presentationml/2006/main" preserve="1" userDrawn="1">
+  <p:cSld name="Code 2 column - Wider with black BG">
+    <p:spTree>
+      <p:nvGrpSpPr>
+        <p:cNvPr id="1" name=""/>
+        <p:cNvGrpSpPr/>
+        <p:nvPr/>
+      </p:nvGrpSpPr>
+      <p:grpSpPr>
+        <a:xfrm>
+          <a:off x="0" y="0"/>
+          <a:ext cx="0" cy="0"/>
+          <a:chOff x="0" y="0"/>
+          <a:chExt cx="0" cy="0"/>
+        </a:xfrm>
+      </p:grpSpPr>
+      <p:sp>
+        <p:nvSpPr>
+          <p:cNvPr id="6" name="Text Placeholder 3"/>
+          <p:cNvSpPr>
+            <a:spLocks noGrp="1"/>
+          </p:cNvSpPr>
+          <p:nvPr>
+            <p:ph type="body" sz="quarter" idx="29" hasCustomPrompt="1"/>
+          </p:nvPr>
+        </p:nvSpPr>
+        <p:spPr>
+          <a:xfrm>
+            <a:off x="4686301" y="1181100"/>
+            <a:ext cx="7048500" cy="5219700"/>
+          </a:xfrm>
+          <a:solidFill>
+            <a:schemeClr val="tx2"/>
+          </a:solidFill>
+        </p:spPr>
+        <p:txBody>
+          <a:bodyPr lIns="274320" tIns="182880" rIns="182880" bIns="182880"/>
+          <a:lstStyle>
+            <a:lvl1pPr>
+              <a:lnSpc>
+                <a:spcPct val="150000"/>
+              </a:lnSpc>
+              <a:spcBef>
+                <a:spcPts val="0"/>
+              </a:spcBef>
+              <a:defRPr sz="1400" b="0">
+                <a:solidFill>
+                  <a:schemeClr val="bg2"/>
+                </a:solidFill>
+                <a:latin typeface="Consolas" panose="020B0609020204030204" pitchFamily="49" charset="0"/>
+              </a:defRPr>
+            </a:lvl1pPr>
+          </a:lstStyle>
+          <a:p>
+            <a:pPr lvl="0"/>
+            <a:r>
+              <a:rPr lang="en-US" dirty="0"/>
+              <a:t>Insert code here</a:t>
+            </a:r>
+          </a:p>
+        </p:txBody>
+      </p:sp>
+      <p:sp>
+        <p:nvSpPr>
+          <p:cNvPr id="11" name="Title Placeholder 2">
+            <a:extLst>
+              <a:ext uri="{FF2B5EF4-FFF2-40B4-BE49-F238E27FC236}">
+                <a16:creationId xmlns:a16="http://schemas.microsoft.com/office/drawing/2014/main" id="{39A2F253-0BFB-4DB7-AF71-1FBA26C37254}"/>
+              </a:ext>
+            </a:extLst>
+          </p:cNvPr>
+          <p:cNvSpPr>
+            <a:spLocks noGrp="1"/>
+          </p:cNvSpPr>
+          <p:nvPr>
+            <p:ph type="title"/>
+          </p:nvPr>
+        </p:nvSpPr>
+        <p:spPr>
+          <a:xfrm>
+            <a:off x="457200" y="457200"/>
+            <a:ext cx="11277599" cy="723900"/>
+          </a:xfrm>
+          <a:prstGeom prst="rect">
+            <a:avLst/>
+          </a:prstGeom>
+        </p:spPr>
+        <p:txBody>
+          <a:bodyPr vert="horz" lIns="0" tIns="0" rIns="0" bIns="0" rtlCol="0" anchor="t">
+            <a:normAutofit/>
+          </a:bodyPr>
+          <a:lstStyle>
+            <a:lvl1pPr>
+              <a:defRPr>
+                <a:solidFill>
+                  <a:schemeClr val="tx1"/>
+                </a:solidFill>
+              </a:defRPr>
+            </a:lvl1pPr>
+          </a:lstStyle>
+          <a:p>
+            <a:r>
+              <a:rPr lang="en-US"/>
+              <a:t>Click to edit Master title style</a:t>
+            </a:r>
+            <a:endParaRPr lang="en-US" dirty="0"/>
+          </a:p>
+        </p:txBody>
+      </p:sp>
+      <p:sp>
+        <p:nvSpPr>
+          <p:cNvPr id="2" name="Slide Number Placeholder 1">
+            <a:extLst>
+              <a:ext uri="{FF2B5EF4-FFF2-40B4-BE49-F238E27FC236}">
+                <a16:creationId xmlns:a16="http://schemas.microsoft.com/office/drawing/2014/main" id="{FE20AD17-4CB5-AC4A-AAD4-A8939A1B59AA}"/>
+              </a:ext>
+            </a:extLst>
+          </p:cNvPr>
+          <p:cNvSpPr>
+            <a:spLocks noGrp="1"/>
+          </p:cNvSpPr>
+          <p:nvPr>
+            <p:ph type="sldNum" sz="quarter" idx="30"/>
+          </p:nvPr>
+        </p:nvSpPr>
+        <p:spPr/>
+        <p:txBody>
+          <a:bodyPr/>
+          <a:lstStyle/>
+          <a:p>
+            <a:fld id="{529AFA16-AEC4-7D4A-82F3-BDAE8E49079E}" type="slidenum">
+              <a:rPr lang="en-US" smtClean="0"/>
+              <a:pPr/>
+              <a:t>‹#›</a:t>
+            </a:fld>
+            <a:endParaRPr lang="en-US"/>
+          </a:p>
+        </p:txBody>
+      </p:sp>
+      <p:sp>
+        <p:nvSpPr>
+          <p:cNvPr id="9" name="Text Placeholder 3">
+            <a:extLst>
+              <a:ext uri="{FF2B5EF4-FFF2-40B4-BE49-F238E27FC236}">
+                <a16:creationId xmlns:a16="http://schemas.microsoft.com/office/drawing/2014/main" id="{A7F6AB04-05A4-467A-B0AB-61D33FCA96FA}"/>
+              </a:ext>
+            </a:extLst>
+          </p:cNvPr>
+          <p:cNvSpPr>
+            <a:spLocks noGrp="1"/>
+          </p:cNvSpPr>
+          <p:nvPr>
+            <p:ph idx="1" hasCustomPrompt="1"/>
+          </p:nvPr>
+        </p:nvSpPr>
+        <p:spPr>
+          <a:xfrm>
+            <a:off x="457200" y="1181100"/>
+            <a:ext cx="4229101" cy="5199847"/>
+          </a:xfrm>
+          <a:prstGeom prst="rect">
+            <a:avLst/>
+          </a:prstGeom>
+        </p:spPr>
+        <p:txBody>
+          <a:bodyPr vert="horz" wrap="square" lIns="0" tIns="0" rIns="182880" bIns="0" rtlCol="0">
+            <a:noAutofit/>
+          </a:bodyPr>
+          <a:lstStyle>
+            <a:lvl1pPr>
+              <a:defRPr sz="2000"/>
+            </a:lvl1pPr>
+          </a:lstStyle>
+          <a:p>
+            <a:pPr lvl="0"/>
+            <a:r>
+              <a:rPr lang="en-US" dirty="0"/>
+              <a:t>Click to edit Master text styles</a:t>
+            </a:r>
+          </a:p>
+          <a:p>
+            <a:pPr lvl="1"/>
+            <a:r>
+              <a:rPr lang="en-US" dirty="0"/>
+              <a:t>Second level</a:t>
+            </a:r>
+          </a:p>
+          <a:p>
+            <a:pPr lvl="2"/>
+            <a:r>
+              <a:rPr lang="en-US" dirty="0"/>
+              <a:t>Third level</a:t>
+            </a:r>
+          </a:p>
+          <a:p>
+            <a:pPr lvl="3"/>
+            <a:r>
+              <a:rPr lang="en-US" dirty="0"/>
+              <a:t>Fourth level</a:t>
+            </a:r>
+          </a:p>
+        </p:txBody>
+      </p:sp>
+    </p:spTree>
+    <p:extLst>
+      <p:ext uri="{BB962C8B-B14F-4D97-AF65-F5344CB8AC3E}">
+        <p14:creationId xmlns:p14="http://schemas.microsoft.com/office/powerpoint/2010/main" val="3076578101"/>
       </p:ext>
     </p:extLst>
   </p:cSld>
@@ -18297,223 +18289,6 @@
 
 <file path=ppt/slideLayouts/slideLayout50.xml><?xml version="1.0" encoding="utf-8"?>
 <p:sldLayout xmlns:a="http://schemas.openxmlformats.org/drawingml/2006/main" xmlns:r="http://schemas.openxmlformats.org/officeDocument/2006/relationships" xmlns:p="http://schemas.openxmlformats.org/presentationml/2006/main" preserve="1" userDrawn="1">
-  <p:cSld name="Code 2 column - Wider with black BG">
-    <p:spTree>
-      <p:nvGrpSpPr>
-        <p:cNvPr id="1" name=""/>
-        <p:cNvGrpSpPr/>
-        <p:nvPr/>
-      </p:nvGrpSpPr>
-      <p:grpSpPr>
-        <a:xfrm>
-          <a:off x="0" y="0"/>
-          <a:ext cx="0" cy="0"/>
-          <a:chOff x="0" y="0"/>
-          <a:chExt cx="0" cy="0"/>
-        </a:xfrm>
-      </p:grpSpPr>
-      <p:sp>
-        <p:nvSpPr>
-          <p:cNvPr id="6" name="Text Placeholder 3"/>
-          <p:cNvSpPr>
-            <a:spLocks noGrp="1"/>
-          </p:cNvSpPr>
-          <p:nvPr>
-            <p:ph type="body" sz="quarter" idx="29" hasCustomPrompt="1"/>
-          </p:nvPr>
-        </p:nvSpPr>
-        <p:spPr>
-          <a:xfrm>
-            <a:off x="4686301" y="1181100"/>
-            <a:ext cx="7048500" cy="5219700"/>
-          </a:xfrm>
-          <a:solidFill>
-            <a:schemeClr val="tx2"/>
-          </a:solidFill>
-        </p:spPr>
-        <p:txBody>
-          <a:bodyPr lIns="274320" tIns="182880" rIns="182880" bIns="182880"/>
-          <a:lstStyle>
-            <a:lvl1pPr>
-              <a:lnSpc>
-                <a:spcPct val="150000"/>
-              </a:lnSpc>
-              <a:spcBef>
-                <a:spcPts val="0"/>
-              </a:spcBef>
-              <a:defRPr sz="1400" b="0">
-                <a:solidFill>
-                  <a:schemeClr val="bg2"/>
-                </a:solidFill>
-                <a:latin typeface="Consolas" panose="020B0609020204030204" pitchFamily="49" charset="0"/>
-              </a:defRPr>
-            </a:lvl1pPr>
-          </a:lstStyle>
-          <a:p>
-            <a:pPr lvl="0"/>
-            <a:r>
-              <a:rPr lang="en-US" dirty="0"/>
-              <a:t>Insert code here</a:t>
-            </a:r>
-          </a:p>
-        </p:txBody>
-      </p:sp>
-      <p:sp>
-        <p:nvSpPr>
-          <p:cNvPr id="11" name="Title Placeholder 2">
-            <a:extLst>
-              <a:ext uri="{FF2B5EF4-FFF2-40B4-BE49-F238E27FC236}">
-                <a16:creationId xmlns:a16="http://schemas.microsoft.com/office/drawing/2014/main" id="{39A2F253-0BFB-4DB7-AF71-1FBA26C37254}"/>
-              </a:ext>
-            </a:extLst>
-          </p:cNvPr>
-          <p:cNvSpPr>
-            <a:spLocks noGrp="1"/>
-          </p:cNvSpPr>
-          <p:nvPr>
-            <p:ph type="title"/>
-          </p:nvPr>
-        </p:nvSpPr>
-        <p:spPr>
-          <a:xfrm>
-            <a:off x="457200" y="457200"/>
-            <a:ext cx="11277599" cy="723900"/>
-          </a:xfrm>
-          <a:prstGeom prst="rect">
-            <a:avLst/>
-          </a:prstGeom>
-        </p:spPr>
-        <p:txBody>
-          <a:bodyPr vert="horz" lIns="0" tIns="0" rIns="0" bIns="0" rtlCol="0" anchor="t">
-            <a:normAutofit/>
-          </a:bodyPr>
-          <a:lstStyle>
-            <a:lvl1pPr>
-              <a:defRPr>
-                <a:solidFill>
-                  <a:schemeClr val="tx1"/>
-                </a:solidFill>
-              </a:defRPr>
-            </a:lvl1pPr>
-          </a:lstStyle>
-          <a:p>
-            <a:r>
-              <a:rPr lang="en-US"/>
-              <a:t>Click to edit Master title style</a:t>
-            </a:r>
-            <a:endParaRPr lang="en-US" dirty="0"/>
-          </a:p>
-        </p:txBody>
-      </p:sp>
-      <p:sp>
-        <p:nvSpPr>
-          <p:cNvPr id="2" name="Slide Number Placeholder 1">
-            <a:extLst>
-              <a:ext uri="{FF2B5EF4-FFF2-40B4-BE49-F238E27FC236}">
-                <a16:creationId xmlns:a16="http://schemas.microsoft.com/office/drawing/2014/main" id="{FE20AD17-4CB5-AC4A-AAD4-A8939A1B59AA}"/>
-              </a:ext>
-            </a:extLst>
-          </p:cNvPr>
-          <p:cNvSpPr>
-            <a:spLocks noGrp="1"/>
-          </p:cNvSpPr>
-          <p:nvPr>
-            <p:ph type="sldNum" sz="quarter" idx="30"/>
-          </p:nvPr>
-        </p:nvSpPr>
-        <p:spPr/>
-        <p:txBody>
-          <a:bodyPr/>
-          <a:lstStyle/>
-          <a:p>
-            <a:fld id="{529AFA16-AEC4-7D4A-82F3-BDAE8E49079E}" type="slidenum">
-              <a:rPr lang="en-US" smtClean="0"/>
-              <a:pPr/>
-              <a:t>‹#›</a:t>
-            </a:fld>
-            <a:endParaRPr lang="en-US"/>
-          </a:p>
-        </p:txBody>
-      </p:sp>
-      <p:sp>
-        <p:nvSpPr>
-          <p:cNvPr id="9" name="Text Placeholder 3">
-            <a:extLst>
-              <a:ext uri="{FF2B5EF4-FFF2-40B4-BE49-F238E27FC236}">
-                <a16:creationId xmlns:a16="http://schemas.microsoft.com/office/drawing/2014/main" id="{A7F6AB04-05A4-467A-B0AB-61D33FCA96FA}"/>
-              </a:ext>
-            </a:extLst>
-          </p:cNvPr>
-          <p:cNvSpPr>
-            <a:spLocks noGrp="1"/>
-          </p:cNvSpPr>
-          <p:nvPr>
-            <p:ph idx="1" hasCustomPrompt="1"/>
-          </p:nvPr>
-        </p:nvSpPr>
-        <p:spPr>
-          <a:xfrm>
-            <a:off x="457200" y="1181100"/>
-            <a:ext cx="4229101" cy="5199847"/>
-          </a:xfrm>
-          <a:prstGeom prst="rect">
-            <a:avLst/>
-          </a:prstGeom>
-        </p:spPr>
-        <p:txBody>
-          <a:bodyPr vert="horz" wrap="square" lIns="0" tIns="0" rIns="182880" bIns="0" rtlCol="0">
-            <a:noAutofit/>
-          </a:bodyPr>
-          <a:lstStyle>
-            <a:lvl1pPr>
-              <a:defRPr sz="2000"/>
-            </a:lvl1pPr>
-          </a:lstStyle>
-          <a:p>
-            <a:pPr lvl="0"/>
-            <a:r>
-              <a:rPr lang="en-US" dirty="0"/>
-              <a:t>Click to edit Master text styles</a:t>
-            </a:r>
-          </a:p>
-          <a:p>
-            <a:pPr lvl="1"/>
-            <a:r>
-              <a:rPr lang="en-US" dirty="0"/>
-              <a:t>Second level</a:t>
-            </a:r>
-          </a:p>
-          <a:p>
-            <a:pPr lvl="2"/>
-            <a:r>
-              <a:rPr lang="en-US" dirty="0"/>
-              <a:t>Third level</a:t>
-            </a:r>
-          </a:p>
-          <a:p>
-            <a:pPr lvl="3"/>
-            <a:r>
-              <a:rPr lang="en-US" dirty="0"/>
-              <a:t>Fourth level</a:t>
-            </a:r>
-          </a:p>
-        </p:txBody>
-      </p:sp>
-    </p:spTree>
-    <p:extLst>
-      <p:ext uri="{BB962C8B-B14F-4D97-AF65-F5344CB8AC3E}">
-        <p14:creationId xmlns:p14="http://schemas.microsoft.com/office/powerpoint/2010/main" val="3076578101"/>
-      </p:ext>
-    </p:extLst>
-  </p:cSld>
-  <p:clrMapOvr>
-    <a:masterClrMapping/>
-  </p:clrMapOvr>
-</p:sldLayout>
-</file>
-
-<file path=ppt/slideLayouts/slideLayout51.xml><?xml version="1.0" encoding="utf-8"?>
-<p:sldLayout xmlns:a="http://schemas.openxmlformats.org/drawingml/2006/main" xmlns:r="http://schemas.openxmlformats.org/officeDocument/2006/relationships" xmlns:p="http://schemas.openxmlformats.org/presentationml/2006/main" preserve="1" userDrawn="1">
   <p:cSld name="2 column - Tall">
     <p:spTree>
       <p:nvGrpSpPr>
@@ -18728,7 +18503,7 @@
 </p:sldLayout>
 </file>
 
-<file path=ppt/slideLayouts/slideLayout52.xml><?xml version="1.0" encoding="utf-8"?>
+<file path=ppt/slideLayouts/slideLayout51.xml><?xml version="1.0" encoding="utf-8"?>
 <p:sldLayout xmlns:a="http://schemas.openxmlformats.org/drawingml/2006/main" xmlns:r="http://schemas.openxmlformats.org/officeDocument/2006/relationships" xmlns:p="http://schemas.openxmlformats.org/presentationml/2006/main" preserve="1" userDrawn="1">
   <p:cSld name="Code 1-line + Content">
     <p:spTree>
@@ -18966,7 +18741,7 @@
 </p:sldLayout>
 </file>
 
-<file path=ppt/slideLayouts/slideLayout53.xml><?xml version="1.0" encoding="utf-8"?>
+<file path=ppt/slideLayouts/slideLayout52.xml><?xml version="1.0" encoding="utf-8"?>
 <p:sldLayout xmlns:a="http://schemas.openxmlformats.org/drawingml/2006/main" xmlns:r="http://schemas.openxmlformats.org/officeDocument/2006/relationships" xmlns:p="http://schemas.openxmlformats.org/presentationml/2006/main" preserve="1" userDrawn="1">
   <p:cSld name="Code 1-line + 2-col">
     <p:spTree>
@@ -19264,7 +19039,7 @@
 </p:sldLayout>
 </file>
 
-<file path=ppt/slideLayouts/slideLayout54.xml><?xml version="1.0" encoding="utf-8"?>
+<file path=ppt/slideLayouts/slideLayout53.xml><?xml version="1.0" encoding="utf-8"?>
 <p:sldLayout xmlns:a="http://schemas.openxmlformats.org/drawingml/2006/main" xmlns:r="http://schemas.openxmlformats.org/officeDocument/2006/relationships" xmlns:p="http://schemas.openxmlformats.org/presentationml/2006/main" preserve="1" userDrawn="1">
   <p:cSld name="Code 2-line + 2-col">
     <p:spTree>
@@ -19657,7 +19432,7 @@
 </p:sldLayout>
 </file>
 
-<file path=ppt/slideLayouts/slideLayout55.xml><?xml version="1.0" encoding="utf-8"?>
+<file path=ppt/slideLayouts/slideLayout54.xml><?xml version="1.0" encoding="utf-8"?>
 <p:sldLayout xmlns:a="http://schemas.openxmlformats.org/drawingml/2006/main" xmlns:r="http://schemas.openxmlformats.org/officeDocument/2006/relationships" xmlns:p="http://schemas.openxmlformats.org/presentationml/2006/main" preserve="1" userDrawn="1">
   <p:cSld name="Code 3-line + 2-col">
     <p:spTree>
@@ -20056,7 +19831,7 @@
 </p:sldLayout>
 </file>
 
-<file path=ppt/slideLayouts/slideLayout56.xml><?xml version="1.0" encoding="utf-8"?>
+<file path=ppt/slideLayouts/slideLayout55.xml><?xml version="1.0" encoding="utf-8"?>
 <p:sldLayout xmlns:a="http://schemas.openxmlformats.org/drawingml/2006/main" xmlns:r="http://schemas.openxmlformats.org/officeDocument/2006/relationships" xmlns:p="http://schemas.openxmlformats.org/presentationml/2006/main" preserve="1" userDrawn="1">
   <p:cSld name="Code 1-line + Benefits">
     <p:spTree>
@@ -20735,7 +20510,7 @@
 </p:sldLayout>
 </file>
 
-<file path=ppt/slideLayouts/slideLayout57.xml><?xml version="1.0" encoding="utf-8"?>
+<file path=ppt/slideLayouts/slideLayout56.xml><?xml version="1.0" encoding="utf-8"?>
 <p:sldLayout xmlns:a="http://schemas.openxmlformats.org/drawingml/2006/main" xmlns:r="http://schemas.openxmlformats.org/officeDocument/2006/relationships" xmlns:p="http://schemas.openxmlformats.org/presentationml/2006/main" preserve="1" userDrawn="1">
   <p:cSld name="PC Screen + Content Left">
     <p:spTree>
@@ -20986,7 +20761,7 @@
 </p:sldLayout>
 </file>
 
-<file path=ppt/slideLayouts/slideLayout58.xml><?xml version="1.0" encoding="utf-8"?>
+<file path=ppt/slideLayouts/slideLayout57.xml><?xml version="1.0" encoding="utf-8"?>
 <p:sldLayout xmlns:a="http://schemas.openxmlformats.org/drawingml/2006/main" xmlns:r="http://schemas.openxmlformats.org/officeDocument/2006/relationships" xmlns:p="http://schemas.openxmlformats.org/presentationml/2006/main" preserve="1" userDrawn="1">
   <p:cSld name="PC Screen + Content Right">
     <p:spTree>
@@ -21221,7 +20996,7 @@
 </p:sldLayout>
 </file>
 
-<file path=ppt/slideLayouts/slideLayout59.xml><?xml version="1.0" encoding="utf-8"?>
+<file path=ppt/slideLayouts/slideLayout58.xml><?xml version="1.0" encoding="utf-8"?>
 <p:sldLayout xmlns:a="http://schemas.openxmlformats.org/drawingml/2006/main" xmlns:r="http://schemas.openxmlformats.org/officeDocument/2006/relationships" xmlns:p="http://schemas.openxmlformats.org/presentationml/2006/main" preserve="1" userDrawn="1">
   <p:cSld name="PC Screen + Concept">
     <p:spTree>
@@ -21619,6 +21394,333 @@
     <p:extLst>
       <p:ext uri="{BB962C8B-B14F-4D97-AF65-F5344CB8AC3E}">
         <p14:creationId xmlns:p14="http://schemas.microsoft.com/office/powerpoint/2010/main" val="1094427728"/>
+      </p:ext>
+    </p:extLst>
+  </p:cSld>
+  <p:clrMapOvr>
+    <a:masterClrMapping/>
+  </p:clrMapOvr>
+</p:sldLayout>
+</file>
+
+<file path=ppt/slideLayouts/slideLayout59.xml><?xml version="1.0" encoding="utf-8"?>
+<p:sldLayout xmlns:a="http://schemas.openxmlformats.org/drawingml/2006/main" xmlns:r="http://schemas.openxmlformats.org/officeDocument/2006/relationships" xmlns:p="http://schemas.openxmlformats.org/presentationml/2006/main" preserve="1" userDrawn="1">
+  <p:cSld name="Hidden slide">
+    <p:bg>
+      <p:bgPr>
+        <a:solidFill>
+          <a:schemeClr val="bg1">
+            <a:lumMod val="50000"/>
+          </a:schemeClr>
+        </a:solidFill>
+        <a:effectLst/>
+      </p:bgPr>
+    </p:bg>
+    <p:spTree>
+      <p:nvGrpSpPr>
+        <p:cNvPr id="1" name=""/>
+        <p:cNvGrpSpPr/>
+        <p:nvPr/>
+      </p:nvGrpSpPr>
+      <p:grpSpPr>
+        <a:xfrm>
+          <a:off x="0" y="0"/>
+          <a:ext cx="0" cy="0"/>
+          <a:chOff x="0" y="0"/>
+          <a:chExt cx="0" cy="0"/>
+        </a:xfrm>
+      </p:grpSpPr>
+      <p:sp>
+        <p:nvSpPr>
+          <p:cNvPr id="5" name="Rectangle 4">
+            <a:extLst>
+              <a:ext uri="{FF2B5EF4-FFF2-40B4-BE49-F238E27FC236}">
+                <a16:creationId xmlns:a16="http://schemas.microsoft.com/office/drawing/2014/main" id="{DC7B6D2C-4312-4967-BAAC-9D48AEB848A3}"/>
+              </a:ext>
+            </a:extLst>
+          </p:cNvPr>
+          <p:cNvSpPr/>
+          <p:nvPr userDrawn="1"/>
+        </p:nvSpPr>
+        <p:spPr>
+          <a:xfrm>
+            <a:off x="0" y="6246796"/>
+            <a:ext cx="12192000" cy="611204"/>
+          </a:xfrm>
+          <a:prstGeom prst="rect">
+            <a:avLst/>
+          </a:prstGeom>
+          <a:solidFill>
+            <a:srgbClr val="92D050">
+              <a:alpha val="70000"/>
+            </a:srgbClr>
+          </a:solidFill>
+          <a:ln>
+            <a:noFill/>
+          </a:ln>
+        </p:spPr>
+        <p:style>
+          <a:lnRef idx="1">
+            <a:schemeClr val="accent1"/>
+          </a:lnRef>
+          <a:fillRef idx="3">
+            <a:schemeClr val="accent1"/>
+          </a:fillRef>
+          <a:effectRef idx="2">
+            <a:schemeClr val="accent1"/>
+          </a:effectRef>
+          <a:fontRef idx="minor">
+            <a:schemeClr val="lt1"/>
+          </a:fontRef>
+        </p:style>
+        <p:txBody>
+          <a:bodyPr rtlCol="0" anchor="ctr"/>
+          <a:lstStyle/>
+          <a:p>
+            <a:pPr algn="ctr"/>
+            <a:endParaRPr lang="en-US"/>
+          </a:p>
+        </p:txBody>
+      </p:sp>
+      <p:sp>
+        <p:nvSpPr>
+          <p:cNvPr id="2" name="Title 1">
+            <a:extLst>
+              <a:ext uri="{FF2B5EF4-FFF2-40B4-BE49-F238E27FC236}">
+                <a16:creationId xmlns:a16="http://schemas.microsoft.com/office/drawing/2014/main" id="{51969540-D041-46CC-B2E2-E9066012215A}"/>
+              </a:ext>
+            </a:extLst>
+          </p:cNvPr>
+          <p:cNvSpPr>
+            <a:spLocks noGrp="1"/>
+          </p:cNvSpPr>
+          <p:nvPr>
+            <p:ph type="title"/>
+          </p:nvPr>
+        </p:nvSpPr>
+        <p:spPr/>
+        <p:txBody>
+          <a:bodyPr/>
+          <a:lstStyle>
+            <a:lvl1pPr>
+              <a:defRPr>
+                <a:solidFill>
+                  <a:schemeClr val="tx1"/>
+                </a:solidFill>
+              </a:defRPr>
+            </a:lvl1pPr>
+          </a:lstStyle>
+          <a:p>
+            <a:r>
+              <a:rPr lang="en-US"/>
+              <a:t>Click to edit Master title style</a:t>
+            </a:r>
+            <a:endParaRPr lang="en-US" dirty="0"/>
+          </a:p>
+        </p:txBody>
+      </p:sp>
+      <p:sp>
+        <p:nvSpPr>
+          <p:cNvPr id="6" name="TextBox 5">
+            <a:extLst>
+              <a:ext uri="{FF2B5EF4-FFF2-40B4-BE49-F238E27FC236}">
+                <a16:creationId xmlns:a16="http://schemas.microsoft.com/office/drawing/2014/main" id="{F9534536-D30D-44F8-BCC3-003C1D55AB01}"/>
+              </a:ext>
+            </a:extLst>
+          </p:cNvPr>
+          <p:cNvSpPr txBox="1"/>
+          <p:nvPr userDrawn="1"/>
+        </p:nvSpPr>
+        <p:spPr>
+          <a:xfrm>
+            <a:off x="105878" y="6306176"/>
+            <a:ext cx="4032985" cy="492443"/>
+          </a:xfrm>
+          <a:prstGeom prst="rect">
+            <a:avLst/>
+          </a:prstGeom>
+        </p:spPr>
+        <p:txBody>
+          <a:bodyPr wrap="square" lIns="0" tIns="0" rIns="0" bIns="0" rtlCol="0" anchor="t" anchorCtr="0">
+            <a:spAutoFit/>
+          </a:bodyPr>
+          <a:lstStyle/>
+          <a:p>
+            <a:r>
+              <a:rPr lang="en-US" sz="3200">
+                <a:solidFill>
+                  <a:srgbClr val="000000"/>
+                </a:solidFill>
+              </a:rPr>
+              <a:t>Hidden Slide</a:t>
+            </a:r>
+          </a:p>
+        </p:txBody>
+      </p:sp>
+      <p:sp>
+        <p:nvSpPr>
+          <p:cNvPr id="10" name="Content Placeholder 9">
+            <a:extLst>
+              <a:ext uri="{FF2B5EF4-FFF2-40B4-BE49-F238E27FC236}">
+                <a16:creationId xmlns:a16="http://schemas.microsoft.com/office/drawing/2014/main" id="{71AD671C-BBA0-4AB5-91D7-E4F245ACA47B}"/>
+              </a:ext>
+            </a:extLst>
+          </p:cNvPr>
+          <p:cNvSpPr>
+            <a:spLocks noGrp="1"/>
+          </p:cNvSpPr>
+          <p:nvPr>
+            <p:ph sz="quarter" idx="12"/>
+          </p:nvPr>
+        </p:nvSpPr>
+        <p:spPr>
+          <a:xfrm>
+            <a:off x="473102" y="1257300"/>
+            <a:ext cx="11261697" cy="4980888"/>
+          </a:xfrm>
+        </p:spPr>
+        <p:txBody>
+          <a:bodyPr/>
+          <a:lstStyle>
+            <a:lvl1pPr>
+              <a:defRPr b="1" i="0">
+                <a:solidFill>
+                  <a:schemeClr val="tx1"/>
+                </a:solidFill>
+                <a:latin typeface="Segoe Semibold" charset="0"/>
+                <a:ea typeface="Segoe Semibold" charset="0"/>
+                <a:cs typeface="Segoe Semibold" charset="0"/>
+              </a:defRPr>
+            </a:lvl1pPr>
+            <a:lvl2pPr>
+              <a:defRPr sz="2000" b="0" i="0">
+                <a:solidFill>
+                  <a:schemeClr val="tx1"/>
+                </a:solidFill>
+                <a:latin typeface="Segoe UI" charset="0"/>
+                <a:ea typeface="Segoe UI" charset="0"/>
+                <a:cs typeface="Segoe UI" charset="0"/>
+              </a:defRPr>
+            </a:lvl2pPr>
+            <a:lvl3pPr>
+              <a:defRPr sz="1800" b="0" i="0">
+                <a:solidFill>
+                  <a:schemeClr val="tx1"/>
+                </a:solidFill>
+                <a:latin typeface="Segoe UI" charset="0"/>
+                <a:ea typeface="Segoe UI" charset="0"/>
+                <a:cs typeface="Segoe UI" charset="0"/>
+              </a:defRPr>
+            </a:lvl3pPr>
+            <a:lvl4pPr>
+              <a:defRPr sz="1600" b="0" i="0">
+                <a:solidFill>
+                  <a:schemeClr val="tx1"/>
+                </a:solidFill>
+                <a:latin typeface="Segoe UI" charset="0"/>
+                <a:ea typeface="Segoe UI" charset="0"/>
+                <a:cs typeface="Segoe UI" charset="0"/>
+              </a:defRPr>
+            </a:lvl4pPr>
+            <a:lvl5pPr>
+              <a:defRPr sz="1400" b="0" i="0">
+                <a:solidFill>
+                  <a:schemeClr val="tx1"/>
+                </a:solidFill>
+                <a:latin typeface="Segoe UI" charset="0"/>
+                <a:ea typeface="Segoe UI" charset="0"/>
+                <a:cs typeface="Segoe UI" charset="0"/>
+              </a:defRPr>
+            </a:lvl5pPr>
+          </a:lstStyle>
+          <a:p>
+            <a:pPr lvl="0"/>
+            <a:r>
+              <a:rPr lang="en-US"/>
+              <a:t>Click to edit Master text styles</a:t>
+            </a:r>
+          </a:p>
+          <a:p>
+            <a:pPr lvl="1"/>
+            <a:r>
+              <a:rPr lang="en-US"/>
+              <a:t>Second level</a:t>
+            </a:r>
+          </a:p>
+          <a:p>
+            <a:pPr lvl="2"/>
+            <a:r>
+              <a:rPr lang="en-US"/>
+              <a:t>Third level</a:t>
+            </a:r>
+          </a:p>
+          <a:p>
+            <a:pPr lvl="3"/>
+            <a:r>
+              <a:rPr lang="en-US"/>
+              <a:t>Fourth level</a:t>
+            </a:r>
+          </a:p>
+          <a:p>
+            <a:pPr lvl="4"/>
+            <a:r>
+              <a:rPr lang="en-US"/>
+              <a:t>Fifth level</a:t>
+            </a:r>
+            <a:endParaRPr lang="en-US" dirty="0"/>
+          </a:p>
+        </p:txBody>
+      </p:sp>
+      <p:sp>
+        <p:nvSpPr>
+          <p:cNvPr id="3" name="Slide Number Placeholder 2">
+            <a:extLst>
+              <a:ext uri="{FF2B5EF4-FFF2-40B4-BE49-F238E27FC236}">
+                <a16:creationId xmlns:a16="http://schemas.microsoft.com/office/drawing/2014/main" id="{FE4AE94F-5DCA-ED49-8E82-3CDE4E86917D}"/>
+              </a:ext>
+            </a:extLst>
+          </p:cNvPr>
+          <p:cNvSpPr>
+            <a:spLocks noGrp="1"/>
+          </p:cNvSpPr>
+          <p:nvPr>
+            <p:ph type="sldNum" sz="quarter" idx="13"/>
+          </p:nvPr>
+        </p:nvSpPr>
+        <p:spPr>
+          <a:xfrm>
+            <a:off x="11010899" y="6442502"/>
+            <a:ext cx="1180135" cy="415498"/>
+          </a:xfrm>
+          <a:prstGeom prst="rect">
+            <a:avLst/>
+          </a:prstGeom>
+        </p:spPr>
+        <p:txBody>
+          <a:bodyPr/>
+          <a:lstStyle>
+            <a:lvl1pPr>
+              <a:defRPr>
+                <a:solidFill>
+                  <a:schemeClr val="tx2"/>
+                </a:solidFill>
+              </a:defRPr>
+            </a:lvl1pPr>
+          </a:lstStyle>
+          <a:p>
+            <a:fld id="{529AFA16-AEC4-7D4A-82F3-BDAE8E49079E}" type="slidenum">
+              <a:rPr lang="en-US" smtClean="0"/>
+              <a:pPr/>
+              <a:t>‹#›</a:t>
+            </a:fld>
+            <a:endParaRPr lang="en-US" dirty="0"/>
+          </a:p>
+        </p:txBody>
+      </p:sp>
+    </p:spTree>
+    <p:extLst>
+      <p:ext uri="{BB962C8B-B14F-4D97-AF65-F5344CB8AC3E}">
+        <p14:creationId xmlns:p14="http://schemas.microsoft.com/office/powerpoint/2010/main" val="2812930516"/>
       </p:ext>
     </p:extLst>
   </p:cSld>
@@ -21887,7 +21989,7 @@
               </a:defRPr>
             </a:lvl2pPr>
             <a:lvl3pPr>
-              <a:defRPr sz="1800" b="0" i="0">
+              <a:defRPr sz="2000" b="0" i="0">
                 <a:solidFill>
                   <a:schemeClr val="tx1"/>
                 </a:solidFill>
@@ -21897,7 +21999,7 @@
               </a:defRPr>
             </a:lvl3pPr>
             <a:lvl4pPr>
-              <a:defRPr sz="1600" b="0" i="0">
+              <a:defRPr sz="2000" b="0" i="0">
                 <a:solidFill>
                   <a:schemeClr val="tx1"/>
                 </a:solidFill>
@@ -21907,7 +22009,7 @@
               </a:defRPr>
             </a:lvl4pPr>
             <a:lvl5pPr>
-              <a:defRPr sz="1400" b="0" i="0">
+              <a:defRPr sz="2000" b="0" i="0">
                 <a:solidFill>
                   <a:schemeClr val="tx1"/>
                 </a:solidFill>
@@ -22004,7 +22106,7 @@
     </p:spTree>
     <p:extLst>
       <p:ext uri="{BB962C8B-B14F-4D97-AF65-F5344CB8AC3E}">
-        <p14:creationId xmlns:p14="http://schemas.microsoft.com/office/powerpoint/2010/main" val="2812930516"/>
+        <p14:creationId xmlns:p14="http://schemas.microsoft.com/office/powerpoint/2010/main" val="4250168137"/>
       </p:ext>
     </p:extLst>
   </p:cSld>
@@ -22015,333 +22117,6 @@
 </file>
 
 <file path=ppt/slideLayouts/slideLayout61.xml><?xml version="1.0" encoding="utf-8"?>
-<p:sldLayout xmlns:a="http://schemas.openxmlformats.org/drawingml/2006/main" xmlns:r="http://schemas.openxmlformats.org/officeDocument/2006/relationships" xmlns:p="http://schemas.openxmlformats.org/presentationml/2006/main" preserve="1" userDrawn="1">
-  <p:cSld name="Hidden slide">
-    <p:bg>
-      <p:bgPr>
-        <a:solidFill>
-          <a:schemeClr val="bg1">
-            <a:lumMod val="50000"/>
-          </a:schemeClr>
-        </a:solidFill>
-        <a:effectLst/>
-      </p:bgPr>
-    </p:bg>
-    <p:spTree>
-      <p:nvGrpSpPr>
-        <p:cNvPr id="1" name=""/>
-        <p:cNvGrpSpPr/>
-        <p:nvPr/>
-      </p:nvGrpSpPr>
-      <p:grpSpPr>
-        <a:xfrm>
-          <a:off x="0" y="0"/>
-          <a:ext cx="0" cy="0"/>
-          <a:chOff x="0" y="0"/>
-          <a:chExt cx="0" cy="0"/>
-        </a:xfrm>
-      </p:grpSpPr>
-      <p:sp>
-        <p:nvSpPr>
-          <p:cNvPr id="5" name="Rectangle 4">
-            <a:extLst>
-              <a:ext uri="{FF2B5EF4-FFF2-40B4-BE49-F238E27FC236}">
-                <a16:creationId xmlns:a16="http://schemas.microsoft.com/office/drawing/2014/main" id="{DC7B6D2C-4312-4967-BAAC-9D48AEB848A3}"/>
-              </a:ext>
-            </a:extLst>
-          </p:cNvPr>
-          <p:cNvSpPr/>
-          <p:nvPr userDrawn="1"/>
-        </p:nvSpPr>
-        <p:spPr>
-          <a:xfrm>
-            <a:off x="0" y="6246796"/>
-            <a:ext cx="12192000" cy="611204"/>
-          </a:xfrm>
-          <a:prstGeom prst="rect">
-            <a:avLst/>
-          </a:prstGeom>
-          <a:solidFill>
-            <a:srgbClr val="92D050">
-              <a:alpha val="70000"/>
-            </a:srgbClr>
-          </a:solidFill>
-          <a:ln>
-            <a:noFill/>
-          </a:ln>
-        </p:spPr>
-        <p:style>
-          <a:lnRef idx="1">
-            <a:schemeClr val="accent1"/>
-          </a:lnRef>
-          <a:fillRef idx="3">
-            <a:schemeClr val="accent1"/>
-          </a:fillRef>
-          <a:effectRef idx="2">
-            <a:schemeClr val="accent1"/>
-          </a:effectRef>
-          <a:fontRef idx="minor">
-            <a:schemeClr val="lt1"/>
-          </a:fontRef>
-        </p:style>
-        <p:txBody>
-          <a:bodyPr rtlCol="0" anchor="ctr"/>
-          <a:lstStyle/>
-          <a:p>
-            <a:pPr algn="ctr"/>
-            <a:endParaRPr lang="en-US"/>
-          </a:p>
-        </p:txBody>
-      </p:sp>
-      <p:sp>
-        <p:nvSpPr>
-          <p:cNvPr id="2" name="Title 1">
-            <a:extLst>
-              <a:ext uri="{FF2B5EF4-FFF2-40B4-BE49-F238E27FC236}">
-                <a16:creationId xmlns:a16="http://schemas.microsoft.com/office/drawing/2014/main" id="{51969540-D041-46CC-B2E2-E9066012215A}"/>
-              </a:ext>
-            </a:extLst>
-          </p:cNvPr>
-          <p:cNvSpPr>
-            <a:spLocks noGrp="1"/>
-          </p:cNvSpPr>
-          <p:nvPr>
-            <p:ph type="title"/>
-          </p:nvPr>
-        </p:nvSpPr>
-        <p:spPr/>
-        <p:txBody>
-          <a:bodyPr/>
-          <a:lstStyle>
-            <a:lvl1pPr>
-              <a:defRPr>
-                <a:solidFill>
-                  <a:schemeClr val="tx1"/>
-                </a:solidFill>
-              </a:defRPr>
-            </a:lvl1pPr>
-          </a:lstStyle>
-          <a:p>
-            <a:r>
-              <a:rPr lang="en-US"/>
-              <a:t>Click to edit Master title style</a:t>
-            </a:r>
-            <a:endParaRPr lang="en-US" dirty="0"/>
-          </a:p>
-        </p:txBody>
-      </p:sp>
-      <p:sp>
-        <p:nvSpPr>
-          <p:cNvPr id="6" name="TextBox 5">
-            <a:extLst>
-              <a:ext uri="{FF2B5EF4-FFF2-40B4-BE49-F238E27FC236}">
-                <a16:creationId xmlns:a16="http://schemas.microsoft.com/office/drawing/2014/main" id="{F9534536-D30D-44F8-BCC3-003C1D55AB01}"/>
-              </a:ext>
-            </a:extLst>
-          </p:cNvPr>
-          <p:cNvSpPr txBox="1"/>
-          <p:nvPr userDrawn="1"/>
-        </p:nvSpPr>
-        <p:spPr>
-          <a:xfrm>
-            <a:off x="105878" y="6306176"/>
-            <a:ext cx="4032985" cy="492443"/>
-          </a:xfrm>
-          <a:prstGeom prst="rect">
-            <a:avLst/>
-          </a:prstGeom>
-        </p:spPr>
-        <p:txBody>
-          <a:bodyPr wrap="square" lIns="0" tIns="0" rIns="0" bIns="0" rtlCol="0" anchor="t" anchorCtr="0">
-            <a:spAutoFit/>
-          </a:bodyPr>
-          <a:lstStyle/>
-          <a:p>
-            <a:r>
-              <a:rPr lang="en-US" sz="3200">
-                <a:solidFill>
-                  <a:srgbClr val="000000"/>
-                </a:solidFill>
-              </a:rPr>
-              <a:t>Hidden Slide</a:t>
-            </a:r>
-          </a:p>
-        </p:txBody>
-      </p:sp>
-      <p:sp>
-        <p:nvSpPr>
-          <p:cNvPr id="10" name="Content Placeholder 9">
-            <a:extLst>
-              <a:ext uri="{FF2B5EF4-FFF2-40B4-BE49-F238E27FC236}">
-                <a16:creationId xmlns:a16="http://schemas.microsoft.com/office/drawing/2014/main" id="{71AD671C-BBA0-4AB5-91D7-E4F245ACA47B}"/>
-              </a:ext>
-            </a:extLst>
-          </p:cNvPr>
-          <p:cNvSpPr>
-            <a:spLocks noGrp="1"/>
-          </p:cNvSpPr>
-          <p:nvPr>
-            <p:ph sz="quarter" idx="12"/>
-          </p:nvPr>
-        </p:nvSpPr>
-        <p:spPr>
-          <a:xfrm>
-            <a:off x="473102" y="1257300"/>
-            <a:ext cx="11261697" cy="4980888"/>
-          </a:xfrm>
-        </p:spPr>
-        <p:txBody>
-          <a:bodyPr/>
-          <a:lstStyle>
-            <a:lvl1pPr>
-              <a:defRPr b="1" i="0">
-                <a:solidFill>
-                  <a:schemeClr val="tx1"/>
-                </a:solidFill>
-                <a:latin typeface="Segoe Semibold" charset="0"/>
-                <a:ea typeface="Segoe Semibold" charset="0"/>
-                <a:cs typeface="Segoe Semibold" charset="0"/>
-              </a:defRPr>
-            </a:lvl1pPr>
-            <a:lvl2pPr>
-              <a:defRPr sz="2000" b="0" i="0">
-                <a:solidFill>
-                  <a:schemeClr val="tx1"/>
-                </a:solidFill>
-                <a:latin typeface="Segoe UI" charset="0"/>
-                <a:ea typeface="Segoe UI" charset="0"/>
-                <a:cs typeface="Segoe UI" charset="0"/>
-              </a:defRPr>
-            </a:lvl2pPr>
-            <a:lvl3pPr>
-              <a:defRPr sz="2000" b="0" i="0">
-                <a:solidFill>
-                  <a:schemeClr val="tx1"/>
-                </a:solidFill>
-                <a:latin typeface="Segoe UI" charset="0"/>
-                <a:ea typeface="Segoe UI" charset="0"/>
-                <a:cs typeface="Segoe UI" charset="0"/>
-              </a:defRPr>
-            </a:lvl3pPr>
-            <a:lvl4pPr>
-              <a:defRPr sz="2000" b="0" i="0">
-                <a:solidFill>
-                  <a:schemeClr val="tx1"/>
-                </a:solidFill>
-                <a:latin typeface="Segoe UI" charset="0"/>
-                <a:ea typeface="Segoe UI" charset="0"/>
-                <a:cs typeface="Segoe UI" charset="0"/>
-              </a:defRPr>
-            </a:lvl4pPr>
-            <a:lvl5pPr>
-              <a:defRPr sz="2000" b="0" i="0">
-                <a:solidFill>
-                  <a:schemeClr val="tx1"/>
-                </a:solidFill>
-                <a:latin typeface="Segoe UI" charset="0"/>
-                <a:ea typeface="Segoe UI" charset="0"/>
-                <a:cs typeface="Segoe UI" charset="0"/>
-              </a:defRPr>
-            </a:lvl5pPr>
-          </a:lstStyle>
-          <a:p>
-            <a:pPr lvl="0"/>
-            <a:r>
-              <a:rPr lang="en-US"/>
-              <a:t>Click to edit Master text styles</a:t>
-            </a:r>
-          </a:p>
-          <a:p>
-            <a:pPr lvl="1"/>
-            <a:r>
-              <a:rPr lang="en-US"/>
-              <a:t>Second level</a:t>
-            </a:r>
-          </a:p>
-          <a:p>
-            <a:pPr lvl="2"/>
-            <a:r>
-              <a:rPr lang="en-US"/>
-              <a:t>Third level</a:t>
-            </a:r>
-          </a:p>
-          <a:p>
-            <a:pPr lvl="3"/>
-            <a:r>
-              <a:rPr lang="en-US"/>
-              <a:t>Fourth level</a:t>
-            </a:r>
-          </a:p>
-          <a:p>
-            <a:pPr lvl="4"/>
-            <a:r>
-              <a:rPr lang="en-US"/>
-              <a:t>Fifth level</a:t>
-            </a:r>
-            <a:endParaRPr lang="en-US" dirty="0"/>
-          </a:p>
-        </p:txBody>
-      </p:sp>
-      <p:sp>
-        <p:nvSpPr>
-          <p:cNvPr id="3" name="Slide Number Placeholder 2">
-            <a:extLst>
-              <a:ext uri="{FF2B5EF4-FFF2-40B4-BE49-F238E27FC236}">
-                <a16:creationId xmlns:a16="http://schemas.microsoft.com/office/drawing/2014/main" id="{FE4AE94F-5DCA-ED49-8E82-3CDE4E86917D}"/>
-              </a:ext>
-            </a:extLst>
-          </p:cNvPr>
-          <p:cNvSpPr>
-            <a:spLocks noGrp="1"/>
-          </p:cNvSpPr>
-          <p:nvPr>
-            <p:ph type="sldNum" sz="quarter" idx="13"/>
-          </p:nvPr>
-        </p:nvSpPr>
-        <p:spPr>
-          <a:xfrm>
-            <a:off x="11010899" y="6442502"/>
-            <a:ext cx="1180135" cy="415498"/>
-          </a:xfrm>
-          <a:prstGeom prst="rect">
-            <a:avLst/>
-          </a:prstGeom>
-        </p:spPr>
-        <p:txBody>
-          <a:bodyPr/>
-          <a:lstStyle>
-            <a:lvl1pPr>
-              <a:defRPr>
-                <a:solidFill>
-                  <a:schemeClr val="tx2"/>
-                </a:solidFill>
-              </a:defRPr>
-            </a:lvl1pPr>
-          </a:lstStyle>
-          <a:p>
-            <a:fld id="{529AFA16-AEC4-7D4A-82F3-BDAE8E49079E}" type="slidenum">
-              <a:rPr lang="en-US" smtClean="0"/>
-              <a:pPr/>
-              <a:t>‹#›</a:t>
-            </a:fld>
-            <a:endParaRPr lang="en-US" dirty="0"/>
-          </a:p>
-        </p:txBody>
-      </p:sp>
-    </p:spTree>
-    <p:extLst>
-      <p:ext uri="{BB962C8B-B14F-4D97-AF65-F5344CB8AC3E}">
-        <p14:creationId xmlns:p14="http://schemas.microsoft.com/office/powerpoint/2010/main" val="4250168137"/>
-      </p:ext>
-    </p:extLst>
-  </p:cSld>
-  <p:clrMapOvr>
-    <a:masterClrMapping/>
-  </p:clrMapOvr>
-</p:sldLayout>
-</file>
-
-<file path=ppt/slideLayouts/slideLayout62.xml><?xml version="1.0" encoding="utf-8"?>
 <p:sldLayout xmlns:a="http://schemas.openxmlformats.org/drawingml/2006/main" xmlns:r="http://schemas.openxmlformats.org/officeDocument/2006/relationships" xmlns:p="http://schemas.openxmlformats.org/presentationml/2006/main" showMasterSp="0" preserve="1" userDrawn="1">
   <p:cSld name="Title (Clean)">
     <p:spTree>
@@ -22799,7 +22574,7 @@
 </p:sldLayout>
 </file>
 
-<file path=ppt/slideLayouts/slideLayout63.xml><?xml version="1.0" encoding="utf-8"?>
+<file path=ppt/slideLayouts/slideLayout62.xml><?xml version="1.0" encoding="utf-8"?>
 <p:sldLayout xmlns:a="http://schemas.openxmlformats.org/drawingml/2006/main" xmlns:r="http://schemas.openxmlformats.org/officeDocument/2006/relationships" xmlns:p="http://schemas.openxmlformats.org/presentationml/2006/main" showMasterSp="0" preserve="1" userDrawn="1">
   <p:cSld name="Title (Azure icon)">
     <p:spTree>
@@ -23295,7 +23070,7 @@
 </p:sldLayout>
 </file>
 
-<file path=ppt/slideLayouts/slideLayout64.xml><?xml version="1.0" encoding="utf-8"?>
+<file path=ppt/slideLayouts/slideLayout63.xml><?xml version="1.0" encoding="utf-8"?>
 <p:sldLayout xmlns:a="http://schemas.openxmlformats.org/drawingml/2006/main" xmlns:r="http://schemas.openxmlformats.org/officeDocument/2006/relationships" xmlns:p="http://schemas.openxmlformats.org/presentationml/2006/main" showMasterSp="0" preserve="1" userDrawn="1">
   <p:cSld name="Title (Viz 1)">
     <p:spTree>
@@ -23779,7 +23554,7 @@
 </p:sldLayout>
 </file>
 
-<file path=ppt/slideLayouts/slideLayout65.xml><?xml version="1.0" encoding="utf-8"?>
+<file path=ppt/slideLayouts/slideLayout64.xml><?xml version="1.0" encoding="utf-8"?>
 <p:sldLayout xmlns:a="http://schemas.openxmlformats.org/drawingml/2006/main" xmlns:r="http://schemas.openxmlformats.org/officeDocument/2006/relationships" xmlns:p="http://schemas.openxmlformats.org/presentationml/2006/main" showMasterSp="0" preserve="1" userDrawn="1">
   <p:cSld name="Title (Viz 2)">
     <p:spTree>
@@ -24267,7 +24042,7 @@
 </p:sldLayout>
 </file>
 
-<file path=ppt/slideLayouts/slideLayout66.xml><?xml version="1.0" encoding="utf-8"?>
+<file path=ppt/slideLayouts/slideLayout65.xml><?xml version="1.0" encoding="utf-8"?>
 <p:sldLayout xmlns:a="http://schemas.openxmlformats.org/drawingml/2006/main" xmlns:r="http://schemas.openxmlformats.org/officeDocument/2006/relationships" xmlns:p="http://schemas.openxmlformats.org/presentationml/2006/main" showMasterSp="0" preserve="1" userDrawn="1">
   <p:cSld name="Title + Agenda (Viz 1)">
     <p:spTree>
@@ -24887,7 +24662,7 @@
 </p:sldLayout>
 </file>
 
-<file path=ppt/slideLayouts/slideLayout67.xml><?xml version="1.0" encoding="utf-8"?>
+<file path=ppt/slideLayouts/slideLayout66.xml><?xml version="1.0" encoding="utf-8"?>
 <p:sldLayout xmlns:a="http://schemas.openxmlformats.org/drawingml/2006/main" xmlns:r="http://schemas.openxmlformats.org/officeDocument/2006/relationships" xmlns:p="http://schemas.openxmlformats.org/presentationml/2006/main" showMasterSp="0" preserve="1" userDrawn="1">
   <p:cSld name="Title + Agenda (Viz 2)">
     <p:spTree>
@@ -25517,7 +25292,7 @@
 </p:sldLayout>
 </file>
 
-<file path=ppt/slideLayouts/slideLayout68.xml><?xml version="1.0" encoding="utf-8"?>
+<file path=ppt/slideLayouts/slideLayout67.xml><?xml version="1.0" encoding="utf-8"?>
 <p:sldLayout xmlns:a="http://schemas.openxmlformats.org/drawingml/2006/main" xmlns:r="http://schemas.openxmlformats.org/officeDocument/2006/relationships" xmlns:p="http://schemas.openxmlformats.org/presentationml/2006/main" showMasterSp="0" preserve="1" userDrawn="1">
   <p:cSld name="Divider (Clean)">
     <p:spTree>
@@ -25683,7 +25458,7 @@
 </p:sldLayout>
 </file>
 
-<file path=ppt/slideLayouts/slideLayout69.xml><?xml version="1.0" encoding="utf-8"?>
+<file path=ppt/slideLayouts/slideLayout68.xml><?xml version="1.0" encoding="utf-8"?>
 <p:sldLayout xmlns:a="http://schemas.openxmlformats.org/drawingml/2006/main" xmlns:r="http://schemas.openxmlformats.org/officeDocument/2006/relationships" xmlns:p="http://schemas.openxmlformats.org/presentationml/2006/main" showMasterSp="0" preserve="1" userDrawn="1">
   <p:cSld name="1_Divider (Viz 1)">
     <p:spTree>
@@ -25870,6 +25645,204 @@
     <p:extLst>
       <p:ext uri="{BB962C8B-B14F-4D97-AF65-F5344CB8AC3E}">
         <p14:creationId xmlns:p14="http://schemas.microsoft.com/office/powerpoint/2010/main" val="98124238"/>
+      </p:ext>
+    </p:extLst>
+  </p:cSld>
+  <p:clrMapOvr>
+    <a:masterClrMapping/>
+  </p:clrMapOvr>
+</p:sldLayout>
+</file>
+
+<file path=ppt/slideLayouts/slideLayout69.xml><?xml version="1.0" encoding="utf-8"?>
+<p:sldLayout xmlns:a="http://schemas.openxmlformats.org/drawingml/2006/main" xmlns:r="http://schemas.openxmlformats.org/officeDocument/2006/relationships" xmlns:p="http://schemas.openxmlformats.org/presentationml/2006/main" showMasterSp="0" preserve="1" userDrawn="1">
+  <p:cSld name="Divider (Viz 2)">
+    <p:spTree>
+      <p:nvGrpSpPr>
+        <p:cNvPr id="1" name=""/>
+        <p:cNvGrpSpPr/>
+        <p:nvPr/>
+      </p:nvGrpSpPr>
+      <p:grpSpPr>
+        <a:xfrm>
+          <a:off x="0" y="0"/>
+          <a:ext cx="0" cy="0"/>
+          <a:chOff x="0" y="0"/>
+          <a:chExt cx="0" cy="0"/>
+        </a:xfrm>
+      </p:grpSpPr>
+      <p:pic>
+        <p:nvPicPr>
+          <p:cNvPr id="13" name="Picture 12">
+            <a:extLst>
+              <a:ext uri="{FF2B5EF4-FFF2-40B4-BE49-F238E27FC236}">
+                <a16:creationId xmlns:a16="http://schemas.microsoft.com/office/drawing/2014/main" id="{77786E81-E6CB-644F-A2CF-67E98B2C4FFA}"/>
+              </a:ext>
+            </a:extLst>
+          </p:cNvPr>
+          <p:cNvPicPr>
+            <a:picLocks noChangeAspect="1"/>
+          </p:cNvPicPr>
+          <p:nvPr userDrawn="1"/>
+        </p:nvPicPr>
+        <p:blipFill>
+          <a:blip r:embed="rId2">
+            <a:lum bright="13000"/>
+            <a:alphaModFix amt="8000"/>
+          </a:blip>
+          <a:stretch>
+            <a:fillRect/>
+          </a:stretch>
+        </p:blipFill>
+        <p:spPr>
+          <a:xfrm>
+            <a:off x="5813611" y="115747"/>
+            <a:ext cx="6014762" cy="6439596"/>
+          </a:xfrm>
+          <a:prstGeom prst="rect">
+            <a:avLst/>
+          </a:prstGeom>
+        </p:spPr>
+      </p:pic>
+      <p:sp>
+        <p:nvSpPr>
+          <p:cNvPr id="9" name="Title 13">
+            <a:extLst>
+              <a:ext uri="{FF2B5EF4-FFF2-40B4-BE49-F238E27FC236}">
+                <a16:creationId xmlns:a16="http://schemas.microsoft.com/office/drawing/2014/main" id="{6037461D-632E-404D-BB75-731493EDC066}"/>
+              </a:ext>
+            </a:extLst>
+          </p:cNvPr>
+          <p:cNvSpPr>
+            <a:spLocks noGrp="1"/>
+          </p:cNvSpPr>
+          <p:nvPr>
+            <p:ph type="title" hasCustomPrompt="1"/>
+          </p:nvPr>
+        </p:nvSpPr>
+        <p:spPr>
+          <a:xfrm>
+            <a:off x="405636" y="3276601"/>
+            <a:ext cx="9195564" cy="1402440"/>
+          </a:xfrm>
+          <a:prstGeom prst="rect">
+            <a:avLst/>
+          </a:prstGeom>
+        </p:spPr>
+        <p:txBody>
+          <a:bodyPr lIns="0" anchor="t" anchorCtr="0">
+            <a:noAutofit/>
+          </a:bodyPr>
+          <a:lstStyle>
+            <a:lvl1pPr>
+              <a:defRPr sz="5400" baseline="0">
+                <a:solidFill>
+                  <a:schemeClr val="tx1"/>
+                </a:solidFill>
+              </a:defRPr>
+            </a:lvl1pPr>
+          </a:lstStyle>
+          <a:p>
+            <a:r>
+              <a:rPr lang="en-US" dirty="0"/>
+              <a:t>Divider</a:t>
+            </a:r>
+          </a:p>
+        </p:txBody>
+      </p:sp>
+      <p:sp>
+        <p:nvSpPr>
+          <p:cNvPr id="10" name="Shape 78">
+            <a:extLst>
+              <a:ext uri="{FF2B5EF4-FFF2-40B4-BE49-F238E27FC236}">
+                <a16:creationId xmlns:a16="http://schemas.microsoft.com/office/drawing/2014/main" id="{02FD2D8F-4FAF-48C2-B9C9-6D1822EE9549}"/>
+              </a:ext>
+            </a:extLst>
+          </p:cNvPr>
+          <p:cNvSpPr txBox="1">
+            <a:spLocks noGrp="1"/>
+          </p:cNvSpPr>
+          <p:nvPr>
+            <p:ph type="body" idx="7" hasCustomPrompt="1"/>
+          </p:nvPr>
+        </p:nvSpPr>
+        <p:spPr>
+          <a:xfrm>
+            <a:off x="462960" y="2590800"/>
+            <a:ext cx="8452440" cy="685801"/>
+          </a:xfrm>
+          <a:prstGeom prst="rect">
+            <a:avLst/>
+          </a:prstGeom>
+        </p:spPr>
+        <p:txBody>
+          <a:bodyPr vert="horz" lIns="0" tIns="0" rIns="0" bIns="0" rtlCol="0" anchor="b" anchorCtr="0">
+            <a:noAutofit/>
+          </a:bodyPr>
+          <a:lstStyle>
+            <a:lvl1pPr marL="457114" indent="-457114">
+              <a:buFont typeface="+mj-lt"/>
+              <a:buNone/>
+              <a:defRPr sz="2400" b="0" i="0" dirty="0">
+                <a:solidFill>
+                  <a:schemeClr val="accent2"/>
+                </a:solidFill>
+                <a:latin typeface="Segoe UI Semibold" panose="020B0702040204020203" pitchFamily="34" charset="0"/>
+                <a:cs typeface="Segoe UI Semibold" panose="020B0702040204020203" pitchFamily="34" charset="0"/>
+              </a:defRPr>
+            </a:lvl1pPr>
+          </a:lstStyle>
+          <a:p>
+            <a:pPr marL="0" lvl="0" indent="0"/>
+            <a:r>
+              <a:rPr lang="en-US" dirty="0"/>
+              <a:t>Click to edit Master text styles</a:t>
+            </a:r>
+          </a:p>
+        </p:txBody>
+      </p:sp>
+      <p:sp>
+        <p:nvSpPr>
+          <p:cNvPr id="2" name="Slide Number Placeholder 1">
+            <a:extLst>
+              <a:ext uri="{FF2B5EF4-FFF2-40B4-BE49-F238E27FC236}">
+                <a16:creationId xmlns:a16="http://schemas.microsoft.com/office/drawing/2014/main" id="{78DB1D9C-4A07-1A4E-8C31-FDBDD36F1915}"/>
+              </a:ext>
+            </a:extLst>
+          </p:cNvPr>
+          <p:cNvSpPr>
+            <a:spLocks noGrp="1"/>
+          </p:cNvSpPr>
+          <p:nvPr>
+            <p:ph type="sldNum" sz="quarter" idx="31"/>
+          </p:nvPr>
+        </p:nvSpPr>
+        <p:spPr>
+          <a:xfrm>
+            <a:off x="11010899" y="6442502"/>
+            <a:ext cx="1180135" cy="415498"/>
+          </a:xfrm>
+          <a:prstGeom prst="rect">
+            <a:avLst/>
+          </a:prstGeom>
+        </p:spPr>
+        <p:txBody>
+          <a:bodyPr/>
+          <a:lstStyle/>
+          <a:p>
+            <a:fld id="{529AFA16-AEC4-7D4A-82F3-BDAE8E49079E}" type="slidenum">
+              <a:rPr lang="en-US" smtClean="0"/>
+              <a:pPr/>
+              <a:t>‹#›</a:t>
+            </a:fld>
+            <a:endParaRPr lang="en-US"/>
+          </a:p>
+        </p:txBody>
+      </p:sp>
+    </p:spTree>
+    <p:extLst>
+      <p:ext uri="{BB962C8B-B14F-4D97-AF65-F5344CB8AC3E}">
+        <p14:creationId xmlns:p14="http://schemas.microsoft.com/office/powerpoint/2010/main" val="3135717175"/>
       </p:ext>
     </p:extLst>
   </p:cSld>
@@ -26180,204 +26153,6 @@
 
 <file path=ppt/slideLayouts/slideLayout70.xml><?xml version="1.0" encoding="utf-8"?>
 <p:sldLayout xmlns:a="http://schemas.openxmlformats.org/drawingml/2006/main" xmlns:r="http://schemas.openxmlformats.org/officeDocument/2006/relationships" xmlns:p="http://schemas.openxmlformats.org/presentationml/2006/main" showMasterSp="0" preserve="1" userDrawn="1">
-  <p:cSld name="Divider (Viz 2)">
-    <p:spTree>
-      <p:nvGrpSpPr>
-        <p:cNvPr id="1" name=""/>
-        <p:cNvGrpSpPr/>
-        <p:nvPr/>
-      </p:nvGrpSpPr>
-      <p:grpSpPr>
-        <a:xfrm>
-          <a:off x="0" y="0"/>
-          <a:ext cx="0" cy="0"/>
-          <a:chOff x="0" y="0"/>
-          <a:chExt cx="0" cy="0"/>
-        </a:xfrm>
-      </p:grpSpPr>
-      <p:pic>
-        <p:nvPicPr>
-          <p:cNvPr id="13" name="Picture 12">
-            <a:extLst>
-              <a:ext uri="{FF2B5EF4-FFF2-40B4-BE49-F238E27FC236}">
-                <a16:creationId xmlns:a16="http://schemas.microsoft.com/office/drawing/2014/main" id="{77786E81-E6CB-644F-A2CF-67E98B2C4FFA}"/>
-              </a:ext>
-            </a:extLst>
-          </p:cNvPr>
-          <p:cNvPicPr>
-            <a:picLocks noChangeAspect="1"/>
-          </p:cNvPicPr>
-          <p:nvPr userDrawn="1"/>
-        </p:nvPicPr>
-        <p:blipFill>
-          <a:blip r:embed="rId2">
-            <a:lum bright="13000"/>
-            <a:alphaModFix amt="8000"/>
-          </a:blip>
-          <a:stretch>
-            <a:fillRect/>
-          </a:stretch>
-        </p:blipFill>
-        <p:spPr>
-          <a:xfrm>
-            <a:off x="5813611" y="115747"/>
-            <a:ext cx="6014762" cy="6439596"/>
-          </a:xfrm>
-          <a:prstGeom prst="rect">
-            <a:avLst/>
-          </a:prstGeom>
-        </p:spPr>
-      </p:pic>
-      <p:sp>
-        <p:nvSpPr>
-          <p:cNvPr id="9" name="Title 13">
-            <a:extLst>
-              <a:ext uri="{FF2B5EF4-FFF2-40B4-BE49-F238E27FC236}">
-                <a16:creationId xmlns:a16="http://schemas.microsoft.com/office/drawing/2014/main" id="{6037461D-632E-404D-BB75-731493EDC066}"/>
-              </a:ext>
-            </a:extLst>
-          </p:cNvPr>
-          <p:cNvSpPr>
-            <a:spLocks noGrp="1"/>
-          </p:cNvSpPr>
-          <p:nvPr>
-            <p:ph type="title" hasCustomPrompt="1"/>
-          </p:nvPr>
-        </p:nvSpPr>
-        <p:spPr>
-          <a:xfrm>
-            <a:off x="405636" y="3276601"/>
-            <a:ext cx="9195564" cy="1402440"/>
-          </a:xfrm>
-          <a:prstGeom prst="rect">
-            <a:avLst/>
-          </a:prstGeom>
-        </p:spPr>
-        <p:txBody>
-          <a:bodyPr lIns="0" anchor="t" anchorCtr="0">
-            <a:noAutofit/>
-          </a:bodyPr>
-          <a:lstStyle>
-            <a:lvl1pPr>
-              <a:defRPr sz="5400" baseline="0">
-                <a:solidFill>
-                  <a:schemeClr val="tx1"/>
-                </a:solidFill>
-              </a:defRPr>
-            </a:lvl1pPr>
-          </a:lstStyle>
-          <a:p>
-            <a:r>
-              <a:rPr lang="en-US" dirty="0"/>
-              <a:t>Divider</a:t>
-            </a:r>
-          </a:p>
-        </p:txBody>
-      </p:sp>
-      <p:sp>
-        <p:nvSpPr>
-          <p:cNvPr id="10" name="Shape 78">
-            <a:extLst>
-              <a:ext uri="{FF2B5EF4-FFF2-40B4-BE49-F238E27FC236}">
-                <a16:creationId xmlns:a16="http://schemas.microsoft.com/office/drawing/2014/main" id="{02FD2D8F-4FAF-48C2-B9C9-6D1822EE9549}"/>
-              </a:ext>
-            </a:extLst>
-          </p:cNvPr>
-          <p:cNvSpPr txBox="1">
-            <a:spLocks noGrp="1"/>
-          </p:cNvSpPr>
-          <p:nvPr>
-            <p:ph type="body" idx="7" hasCustomPrompt="1"/>
-          </p:nvPr>
-        </p:nvSpPr>
-        <p:spPr>
-          <a:xfrm>
-            <a:off x="462960" y="2590800"/>
-            <a:ext cx="8452440" cy="685801"/>
-          </a:xfrm>
-          <a:prstGeom prst="rect">
-            <a:avLst/>
-          </a:prstGeom>
-        </p:spPr>
-        <p:txBody>
-          <a:bodyPr vert="horz" lIns="0" tIns="0" rIns="0" bIns="0" rtlCol="0" anchor="b" anchorCtr="0">
-            <a:noAutofit/>
-          </a:bodyPr>
-          <a:lstStyle>
-            <a:lvl1pPr marL="457114" indent="-457114">
-              <a:buFont typeface="+mj-lt"/>
-              <a:buNone/>
-              <a:defRPr sz="2400" b="0" i="0" dirty="0">
-                <a:solidFill>
-                  <a:schemeClr val="accent2"/>
-                </a:solidFill>
-                <a:latin typeface="Segoe UI Semibold" panose="020B0702040204020203" pitchFamily="34" charset="0"/>
-                <a:cs typeface="Segoe UI Semibold" panose="020B0702040204020203" pitchFamily="34" charset="0"/>
-              </a:defRPr>
-            </a:lvl1pPr>
-          </a:lstStyle>
-          <a:p>
-            <a:pPr marL="0" lvl="0" indent="0"/>
-            <a:r>
-              <a:rPr lang="en-US" dirty="0"/>
-              <a:t>Click to edit Master text styles</a:t>
-            </a:r>
-          </a:p>
-        </p:txBody>
-      </p:sp>
-      <p:sp>
-        <p:nvSpPr>
-          <p:cNvPr id="2" name="Slide Number Placeholder 1">
-            <a:extLst>
-              <a:ext uri="{FF2B5EF4-FFF2-40B4-BE49-F238E27FC236}">
-                <a16:creationId xmlns:a16="http://schemas.microsoft.com/office/drawing/2014/main" id="{78DB1D9C-4A07-1A4E-8C31-FDBDD36F1915}"/>
-              </a:ext>
-            </a:extLst>
-          </p:cNvPr>
-          <p:cNvSpPr>
-            <a:spLocks noGrp="1"/>
-          </p:cNvSpPr>
-          <p:nvPr>
-            <p:ph type="sldNum" sz="quarter" idx="31"/>
-          </p:nvPr>
-        </p:nvSpPr>
-        <p:spPr>
-          <a:xfrm>
-            <a:off x="11010899" y="6442502"/>
-            <a:ext cx="1180135" cy="415498"/>
-          </a:xfrm>
-          <a:prstGeom prst="rect">
-            <a:avLst/>
-          </a:prstGeom>
-        </p:spPr>
-        <p:txBody>
-          <a:bodyPr/>
-          <a:lstStyle/>
-          <a:p>
-            <a:fld id="{529AFA16-AEC4-7D4A-82F3-BDAE8E49079E}" type="slidenum">
-              <a:rPr lang="en-US" smtClean="0"/>
-              <a:pPr/>
-              <a:t>‹#›</a:t>
-            </a:fld>
-            <a:endParaRPr lang="en-US"/>
-          </a:p>
-        </p:txBody>
-      </p:sp>
-    </p:spTree>
-    <p:extLst>
-      <p:ext uri="{BB962C8B-B14F-4D97-AF65-F5344CB8AC3E}">
-        <p14:creationId xmlns:p14="http://schemas.microsoft.com/office/powerpoint/2010/main" val="3135717175"/>
-      </p:ext>
-    </p:extLst>
-  </p:cSld>
-  <p:clrMapOvr>
-    <a:masterClrMapping/>
-  </p:clrMapOvr>
-</p:sldLayout>
-</file>
-
-<file path=ppt/slideLayouts/slideLayout71.xml><?xml version="1.0" encoding="utf-8"?>
-<p:sldLayout xmlns:a="http://schemas.openxmlformats.org/drawingml/2006/main" xmlns:r="http://schemas.openxmlformats.org/officeDocument/2006/relationships" xmlns:p="http://schemas.openxmlformats.org/presentationml/2006/main" showMasterSp="0" preserve="1" userDrawn="1">
   <p:cSld name="Divider + Index (Clean)">
     <p:spTree>
       <p:nvGrpSpPr>
@@ -26643,7 +26418,7 @@
 </p:sldLayout>
 </file>
 
-<file path=ppt/slideLayouts/slideLayout72.xml><?xml version="1.0" encoding="utf-8"?>
+<file path=ppt/slideLayouts/slideLayout71.xml><?xml version="1.0" encoding="utf-8"?>
 <p:sldLayout xmlns:a="http://schemas.openxmlformats.org/drawingml/2006/main" xmlns:r="http://schemas.openxmlformats.org/officeDocument/2006/relationships" xmlns:p="http://schemas.openxmlformats.org/presentationml/2006/main" showMasterSp="0" preserve="1" userDrawn="1">
   <p:cSld name="1_Divider + Index (Viz 1)">
     <p:spTree>
@@ -26940,7 +26715,7 @@
 </p:sldLayout>
 </file>
 
-<file path=ppt/slideLayouts/slideLayout73.xml><?xml version="1.0" encoding="utf-8"?>
+<file path=ppt/slideLayouts/slideLayout72.xml><?xml version="1.0" encoding="utf-8"?>
 <p:sldLayout xmlns:a="http://schemas.openxmlformats.org/drawingml/2006/main" xmlns:r="http://schemas.openxmlformats.org/officeDocument/2006/relationships" xmlns:p="http://schemas.openxmlformats.org/presentationml/2006/main" showMasterSp="0" preserve="1" userDrawn="1">
   <p:cSld name="Divider + Index (Viz 2)">
     <p:spTree>
@@ -27245,7 +27020,7 @@
 </p:sldLayout>
 </file>
 
-<file path=ppt/slideLayouts/slideLayout74.xml><?xml version="1.0" encoding="utf-8"?>
+<file path=ppt/slideLayouts/slideLayout73.xml><?xml version="1.0" encoding="utf-8"?>
 <p:sldLayout xmlns:a="http://schemas.openxmlformats.org/drawingml/2006/main" xmlns:r="http://schemas.openxmlformats.org/officeDocument/2006/relationships" xmlns:p="http://schemas.openxmlformats.org/presentationml/2006/main" showMasterSp="0" preserve="1" userDrawn="1">
   <p:cSld name="Demo">
     <p:spTree>
@@ -27549,7 +27324,7 @@
 </p:sldLayout>
 </file>
 
-<file path=ppt/slideLayouts/slideLayout75.xml><?xml version="1.0" encoding="utf-8"?>
+<file path=ppt/slideLayouts/slideLayout74.xml><?xml version="1.0" encoding="utf-8"?>
 <p:sldLayout xmlns:a="http://schemas.openxmlformats.org/drawingml/2006/main" xmlns:r="http://schemas.openxmlformats.org/officeDocument/2006/relationships" xmlns:p="http://schemas.openxmlformats.org/presentationml/2006/main" preserve="1" userDrawn="1">
   <p:cSld name="Thanks! | Q+A | Contact | Resources">
     <p:spTree>
@@ -28071,7 +27846,7 @@
 </p:sldLayout>
 </file>
 
-<file path=ppt/slideLayouts/slideLayout76.xml><?xml version="1.0" encoding="utf-8"?>
+<file path=ppt/slideLayouts/slideLayout75.xml><?xml version="1.0" encoding="utf-8"?>
 <p:sldLayout xmlns:a="http://schemas.openxmlformats.org/drawingml/2006/main" xmlns:r="http://schemas.openxmlformats.org/officeDocument/2006/relationships" xmlns:p="http://schemas.openxmlformats.org/presentationml/2006/main" showMasterSp="0" preserve="1">
   <p:cSld name="End (Data Viz)">
     <p:spTree>
@@ -28210,7 +27985,7 @@
 </p:sldLayout>
 </file>
 
-<file path=ppt/slideLayouts/slideLayout77.xml><?xml version="1.0" encoding="utf-8"?>
+<file path=ppt/slideLayouts/slideLayout76.xml><?xml version="1.0" encoding="utf-8"?>
 <p:sldLayout xmlns:a="http://schemas.openxmlformats.org/drawingml/2006/main" xmlns:r="http://schemas.openxmlformats.org/officeDocument/2006/relationships" xmlns:p="http://schemas.openxmlformats.org/presentationml/2006/main" showMasterSp="0" preserve="1">
   <p:cSld name="End (Clean)">
     <p:spTree>
@@ -33948,7 +33723,6 @@
     <p:sldLayoutId id="2147483687" r:id="rId27"/>
     <p:sldLayoutId id="2147483688" r:id="rId28"/>
     <p:sldLayoutId id="2147483689" r:id="rId29"/>
-    <p:sldLayoutId id="2147483690" r:id="rId30"/>
   </p:sldLayoutIdLst>
   <p:txStyles>
     <p:titleStyle>
@@ -40320,1431 +40094,6 @@
 </p:sld>
 </file>
 
-<file path=ppt/slides/slide10.xml><?xml version="1.0" encoding="utf-8"?>
-<p:sld xmlns:a="http://schemas.openxmlformats.org/drawingml/2006/main" xmlns:r="http://schemas.openxmlformats.org/officeDocument/2006/relationships" xmlns:p="http://schemas.openxmlformats.org/presentationml/2006/main">
-  <p:cSld>
-    <p:bg>
-      <p:bgPr>
-        <a:solidFill>
-          <a:schemeClr val="bg1">
-            <a:lumMod val="50000"/>
-          </a:schemeClr>
-        </a:solidFill>
-        <a:effectLst/>
-      </p:bgPr>
-    </p:bg>
-    <p:spTree>
-      <p:nvGrpSpPr>
-        <p:cNvPr id="1" name=""/>
-        <p:cNvGrpSpPr/>
-        <p:nvPr/>
-      </p:nvGrpSpPr>
-      <p:grpSpPr>
-        <a:xfrm>
-          <a:off x="0" y="0"/>
-          <a:ext cx="0" cy="0"/>
-          <a:chOff x="0" y="0"/>
-          <a:chExt cx="0" cy="0"/>
-        </a:xfrm>
-      </p:grpSpPr>
-      <p:sp>
-        <p:nvSpPr>
-          <p:cNvPr id="2" name="Title 1">
-            <a:extLst>
-              <a:ext uri="{FF2B5EF4-FFF2-40B4-BE49-F238E27FC236}">
-                <a16:creationId xmlns:a16="http://schemas.microsoft.com/office/drawing/2014/main" id="{0A8F9138-C357-4B4E-8D2F-20936639B06F}"/>
-              </a:ext>
-            </a:extLst>
-          </p:cNvPr>
-          <p:cNvSpPr>
-            <a:spLocks noGrp="1"/>
-          </p:cNvSpPr>
-          <p:nvPr>
-            <p:ph type="title"/>
-          </p:nvPr>
-        </p:nvSpPr>
-        <p:spPr>
-          <a:prstGeom prst="rect">
-            <a:avLst/>
-          </a:prstGeom>
-        </p:spPr>
-        <p:txBody>
-          <a:bodyPr anchor="t">
-            <a:normAutofit/>
-          </a:bodyPr>
-          <a:lstStyle/>
-          <a:p>
-            <a:r>
-              <a:rPr lang="en-US" dirty="0"/>
-              <a:t>Pipeline Orchestration Demo</a:t>
-            </a:r>
-          </a:p>
-        </p:txBody>
-      </p:sp>
-      <p:pic>
-        <p:nvPicPr>
-          <p:cNvPr id="9" name="Picture 6" descr="A large ship in a body of water&#10;&#10;Description automatically generated">
-            <a:extLst>
-              <a:ext uri="{FF2B5EF4-FFF2-40B4-BE49-F238E27FC236}">
-                <a16:creationId xmlns:a16="http://schemas.microsoft.com/office/drawing/2014/main" id="{210A1B90-0140-4BAA-BB1B-2F4C54D5AE30}"/>
-              </a:ext>
-            </a:extLst>
-          </p:cNvPr>
-          <p:cNvPicPr>
-            <a:picLocks noChangeAspect="1"/>
-          </p:cNvPicPr>
-          <p:nvPr/>
-        </p:nvPicPr>
-        <p:blipFill rotWithShape="1">
-          <a:blip r:embed="rId2"/>
-          <a:srcRect t="21372" r="-1" b="-1"/>
-          <a:stretch/>
-        </p:blipFill>
-        <p:spPr>
-          <a:xfrm>
-            <a:off x="473102" y="1257300"/>
-            <a:ext cx="11261697" cy="4980888"/>
-          </a:xfrm>
-          <a:prstGeom prst="rect">
-            <a:avLst/>
-          </a:prstGeom>
-          <a:noFill/>
-        </p:spPr>
-      </p:pic>
-    </p:spTree>
-    <p:extLst>
-      <p:ext uri="{BB962C8B-B14F-4D97-AF65-F5344CB8AC3E}">
-        <p14:creationId xmlns:p14="http://schemas.microsoft.com/office/powerpoint/2010/main" val="2238809932"/>
-      </p:ext>
-    </p:extLst>
-  </p:cSld>
-  <p:clrMapOvr>
-    <a:masterClrMapping/>
-  </p:clrMapOvr>
-  <p:transition>
-    <p:fade/>
-  </p:transition>
-</p:sld>
-</file>
-
-<file path=ppt/slides/slide11.xml><?xml version="1.0" encoding="utf-8"?>
-<p:sld xmlns:a="http://schemas.openxmlformats.org/drawingml/2006/main" xmlns:r="http://schemas.openxmlformats.org/officeDocument/2006/relationships" xmlns:p="http://schemas.openxmlformats.org/presentationml/2006/main">
-  <p:cSld>
-    <p:spTree>
-      <p:nvGrpSpPr>
-        <p:cNvPr id="1" name=""/>
-        <p:cNvGrpSpPr/>
-        <p:nvPr/>
-      </p:nvGrpSpPr>
-      <p:grpSpPr>
-        <a:xfrm>
-          <a:off x="0" y="0"/>
-          <a:ext cx="0" cy="0"/>
-          <a:chOff x="0" y="0"/>
-          <a:chExt cx="0" cy="0"/>
-        </a:xfrm>
-      </p:grpSpPr>
-    </p:spTree>
-    <p:extLst>
-      <p:ext uri="{BB962C8B-B14F-4D97-AF65-F5344CB8AC3E}">
-        <p14:creationId xmlns:p14="http://schemas.microsoft.com/office/powerpoint/2010/main" val="674240187"/>
-      </p:ext>
-    </p:extLst>
-  </p:cSld>
-  <p:clrMapOvr>
-    <a:masterClrMapping/>
-  </p:clrMapOvr>
-</p:sld>
-</file>
-
-<file path=ppt/slides/slide12.xml><?xml version="1.0" encoding="utf-8"?>
-<p:sld xmlns:a="http://schemas.openxmlformats.org/drawingml/2006/main" xmlns:r="http://schemas.openxmlformats.org/officeDocument/2006/relationships" xmlns:p="http://schemas.openxmlformats.org/presentationml/2006/main">
-  <p:cSld>
-    <p:spTree>
-      <p:nvGrpSpPr>
-        <p:cNvPr id="1" name=""/>
-        <p:cNvGrpSpPr/>
-        <p:nvPr/>
-      </p:nvGrpSpPr>
-      <p:grpSpPr>
-        <a:xfrm>
-          <a:off x="0" y="0"/>
-          <a:ext cx="0" cy="0"/>
-          <a:chOff x="0" y="0"/>
-          <a:chExt cx="0" cy="0"/>
-        </a:xfrm>
-      </p:grpSpPr>
-      <p:pic>
-        <p:nvPicPr>
-          <p:cNvPr id="5" name="Graphic 4">
-            <a:extLst>
-              <a:ext uri="{FF2B5EF4-FFF2-40B4-BE49-F238E27FC236}">
-                <a16:creationId xmlns:a16="http://schemas.microsoft.com/office/drawing/2014/main" id="{4156A44A-847D-4A6B-87DA-96EC5B85DE3E}"/>
-              </a:ext>
-            </a:extLst>
-          </p:cNvPr>
-          <p:cNvPicPr>
-            <a:picLocks noChangeAspect="1"/>
-          </p:cNvPicPr>
-          <p:nvPr/>
-        </p:nvPicPr>
-        <p:blipFill>
-          <a:blip r:embed="rId2">
-            <a:extLst>
-              <a:ext uri="{28A0092B-C50C-407E-A947-70E740481C1C}">
-                <a14:useLocalDpi xmlns:a14="http://schemas.microsoft.com/office/drawing/2010/main" val="0"/>
-              </a:ext>
-              <a:ext uri="{96DAC541-7B7A-43D3-8B79-37D633B846F1}">
-                <asvg:svgBlip xmlns:asvg="http://schemas.microsoft.com/office/drawing/2016/SVG/main" r:embed="rId3"/>
-              </a:ext>
-            </a:extLst>
-          </a:blip>
-          <a:stretch>
-            <a:fillRect/>
-          </a:stretch>
-        </p:blipFill>
-        <p:spPr>
-          <a:xfrm>
-            <a:off x="4119722" y="2676496"/>
-            <a:ext cx="640080" cy="640080"/>
-          </a:xfrm>
-          <a:prstGeom prst="rect">
-            <a:avLst/>
-          </a:prstGeom>
-        </p:spPr>
-      </p:pic>
-      <p:pic>
-        <p:nvPicPr>
-          <p:cNvPr id="7" name="Graphic 6">
-            <a:extLst>
-              <a:ext uri="{FF2B5EF4-FFF2-40B4-BE49-F238E27FC236}">
-                <a16:creationId xmlns:a16="http://schemas.microsoft.com/office/drawing/2014/main" id="{831D1292-CF92-4BF2-BBA7-40625F5043E0}"/>
-              </a:ext>
-            </a:extLst>
-          </p:cNvPr>
-          <p:cNvPicPr>
-            <a:picLocks noChangeAspect="1"/>
-          </p:cNvPicPr>
-          <p:nvPr/>
-        </p:nvPicPr>
-        <p:blipFill>
-          <a:blip r:embed="rId4">
-            <a:extLst>
-              <a:ext uri="{28A0092B-C50C-407E-A947-70E740481C1C}">
-                <a14:useLocalDpi xmlns:a14="http://schemas.microsoft.com/office/drawing/2010/main" val="0"/>
-              </a:ext>
-              <a:ext uri="{96DAC541-7B7A-43D3-8B79-37D633B846F1}">
-                <asvg:svgBlip xmlns:asvg="http://schemas.microsoft.com/office/drawing/2016/SVG/main" r:embed="rId5"/>
-              </a:ext>
-            </a:extLst>
-          </a:blip>
-          <a:stretch>
-            <a:fillRect/>
-          </a:stretch>
-        </p:blipFill>
-        <p:spPr>
-          <a:xfrm>
-            <a:off x="387950" y="5068000"/>
-            <a:ext cx="640080" cy="640080"/>
-          </a:xfrm>
-          <a:prstGeom prst="rect">
-            <a:avLst/>
-          </a:prstGeom>
-        </p:spPr>
-      </p:pic>
-      <p:pic>
-        <p:nvPicPr>
-          <p:cNvPr id="11" name="Graphic 10">
-            <a:extLst>
-              <a:ext uri="{FF2B5EF4-FFF2-40B4-BE49-F238E27FC236}">
-                <a16:creationId xmlns:a16="http://schemas.microsoft.com/office/drawing/2014/main" id="{9C77E098-BBEC-4529-92B0-40A4CDA5718D}"/>
-              </a:ext>
-            </a:extLst>
-          </p:cNvPr>
-          <p:cNvPicPr>
-            <a:picLocks noChangeAspect="1"/>
-          </p:cNvPicPr>
-          <p:nvPr/>
-        </p:nvPicPr>
-        <p:blipFill>
-          <a:blip r:embed="rId6">
-            <a:extLst>
-              <a:ext uri="{28A0092B-C50C-407E-A947-70E740481C1C}">
-                <a14:useLocalDpi xmlns:a14="http://schemas.microsoft.com/office/drawing/2010/main" val="0"/>
-              </a:ext>
-              <a:ext uri="{96DAC541-7B7A-43D3-8B79-37D633B846F1}">
-                <asvg:svgBlip xmlns:asvg="http://schemas.microsoft.com/office/drawing/2016/SVG/main" r:embed="rId7"/>
-              </a:ext>
-            </a:extLst>
-          </a:blip>
-          <a:stretch>
-            <a:fillRect/>
-          </a:stretch>
-        </p:blipFill>
-        <p:spPr>
-          <a:xfrm>
-            <a:off x="387950" y="1078030"/>
-            <a:ext cx="640080" cy="640080"/>
-          </a:xfrm>
-          <a:prstGeom prst="rect">
-            <a:avLst/>
-          </a:prstGeom>
-        </p:spPr>
-      </p:pic>
-      <p:pic>
-        <p:nvPicPr>
-          <p:cNvPr id="13" name="Graphic 12">
-            <a:extLst>
-              <a:ext uri="{FF2B5EF4-FFF2-40B4-BE49-F238E27FC236}">
-                <a16:creationId xmlns:a16="http://schemas.microsoft.com/office/drawing/2014/main" id="{65A60323-83CA-4A86-87A1-97F538E84300}"/>
-              </a:ext>
-            </a:extLst>
-          </p:cNvPr>
-          <p:cNvPicPr>
-            <a:picLocks noChangeAspect="1"/>
-          </p:cNvPicPr>
-          <p:nvPr/>
-        </p:nvPicPr>
-        <p:blipFill>
-          <a:blip r:embed="rId8">
-            <a:extLst>
-              <a:ext uri="{28A0092B-C50C-407E-A947-70E740481C1C}">
-                <a14:useLocalDpi xmlns:a14="http://schemas.microsoft.com/office/drawing/2010/main" val="0"/>
-              </a:ext>
-              <a:ext uri="{96DAC541-7B7A-43D3-8B79-37D633B846F1}">
-                <asvg:svgBlip xmlns:asvg="http://schemas.microsoft.com/office/drawing/2016/SVG/main" r:embed="rId9"/>
-              </a:ext>
-            </a:extLst>
-          </a:blip>
-          <a:stretch>
-            <a:fillRect/>
-          </a:stretch>
-        </p:blipFill>
-        <p:spPr>
-          <a:xfrm>
-            <a:off x="4119722" y="5862507"/>
-            <a:ext cx="640080" cy="640080"/>
-          </a:xfrm>
-          <a:prstGeom prst="rect">
-            <a:avLst/>
-          </a:prstGeom>
-        </p:spPr>
-      </p:pic>
-      <p:pic>
-        <p:nvPicPr>
-          <p:cNvPr id="15" name="Graphic 14">
-            <a:extLst>
-              <a:ext uri="{FF2B5EF4-FFF2-40B4-BE49-F238E27FC236}">
-                <a16:creationId xmlns:a16="http://schemas.microsoft.com/office/drawing/2014/main" id="{C0FAA99E-B314-4522-A012-5D12D48F44E7}"/>
-              </a:ext>
-            </a:extLst>
-          </p:cNvPr>
-          <p:cNvPicPr>
-            <a:picLocks noChangeAspect="1"/>
-          </p:cNvPicPr>
-          <p:nvPr/>
-        </p:nvPicPr>
-        <p:blipFill>
-          <a:blip r:embed="rId10">
-            <a:extLst>
-              <a:ext uri="{28A0092B-C50C-407E-A947-70E740481C1C}">
-                <a14:useLocalDpi xmlns:a14="http://schemas.microsoft.com/office/drawing/2010/main" val="0"/>
-              </a:ext>
-              <a:ext uri="{96DAC541-7B7A-43D3-8B79-37D633B846F1}">
-                <asvg:svgBlip xmlns:asvg="http://schemas.microsoft.com/office/drawing/2016/SVG/main" r:embed="rId11"/>
-              </a:ext>
-            </a:extLst>
-          </a:blip>
-          <a:stretch>
-            <a:fillRect/>
-          </a:stretch>
-        </p:blipFill>
-        <p:spPr>
-          <a:xfrm>
-            <a:off x="8488826" y="280036"/>
-            <a:ext cx="640080" cy="640080"/>
-          </a:xfrm>
-          <a:prstGeom prst="rect">
-            <a:avLst/>
-          </a:prstGeom>
-        </p:spPr>
-      </p:pic>
-      <p:pic>
-        <p:nvPicPr>
-          <p:cNvPr id="19" name="Graphic 18">
-            <a:extLst>
-              <a:ext uri="{FF2B5EF4-FFF2-40B4-BE49-F238E27FC236}">
-                <a16:creationId xmlns:a16="http://schemas.microsoft.com/office/drawing/2014/main" id="{A951C41B-76A1-461E-A55B-9900BBBB445D}"/>
-              </a:ext>
-            </a:extLst>
-          </p:cNvPr>
-          <p:cNvPicPr>
-            <a:picLocks noChangeAspect="1"/>
-          </p:cNvPicPr>
-          <p:nvPr/>
-        </p:nvPicPr>
-        <p:blipFill>
-          <a:blip r:embed="rId12">
-            <a:extLst>
-              <a:ext uri="{28A0092B-C50C-407E-A947-70E740481C1C}">
-                <a14:useLocalDpi xmlns:a14="http://schemas.microsoft.com/office/drawing/2010/main" val="0"/>
-              </a:ext>
-              <a:ext uri="{96DAC541-7B7A-43D3-8B79-37D633B846F1}">
-                <asvg:svgBlip xmlns:asvg="http://schemas.microsoft.com/office/drawing/2016/SVG/main" r:embed="rId13"/>
-              </a:ext>
-            </a:extLst>
-          </a:blip>
-          <a:stretch>
-            <a:fillRect/>
-          </a:stretch>
-        </p:blipFill>
-        <p:spPr>
-          <a:xfrm>
-            <a:off x="387950" y="280036"/>
-            <a:ext cx="640080" cy="640080"/>
-          </a:xfrm>
-          <a:prstGeom prst="rect">
-            <a:avLst/>
-          </a:prstGeom>
-        </p:spPr>
-      </p:pic>
-      <p:pic>
-        <p:nvPicPr>
-          <p:cNvPr id="21" name="Graphic 20">
-            <a:extLst>
-              <a:ext uri="{FF2B5EF4-FFF2-40B4-BE49-F238E27FC236}">
-                <a16:creationId xmlns:a16="http://schemas.microsoft.com/office/drawing/2014/main" id="{0D9E00C2-2B25-4D46-B9F7-3A8668754953}"/>
-              </a:ext>
-            </a:extLst>
-          </p:cNvPr>
-          <p:cNvPicPr>
-            <a:picLocks noChangeAspect="1"/>
-          </p:cNvPicPr>
-          <p:nvPr/>
-        </p:nvPicPr>
-        <p:blipFill>
-          <a:blip r:embed="rId14">
-            <a:extLst>
-              <a:ext uri="{28A0092B-C50C-407E-A947-70E740481C1C}">
-                <a14:useLocalDpi xmlns:a14="http://schemas.microsoft.com/office/drawing/2010/main" val="0"/>
-              </a:ext>
-              <a:ext uri="{96DAC541-7B7A-43D3-8B79-37D633B846F1}">
-                <asvg:svgBlip xmlns:asvg="http://schemas.microsoft.com/office/drawing/2016/SVG/main" r:embed="rId15"/>
-              </a:ext>
-            </a:extLst>
-          </a:blip>
-          <a:stretch>
-            <a:fillRect/>
-          </a:stretch>
-        </p:blipFill>
-        <p:spPr>
-          <a:xfrm>
-            <a:off x="387950" y="3472012"/>
-            <a:ext cx="640080" cy="640080"/>
-          </a:xfrm>
-          <a:prstGeom prst="rect">
-            <a:avLst/>
-          </a:prstGeom>
-        </p:spPr>
-      </p:pic>
-      <p:pic>
-        <p:nvPicPr>
-          <p:cNvPr id="23" name="Graphic 22">
-            <a:extLst>
-              <a:ext uri="{FF2B5EF4-FFF2-40B4-BE49-F238E27FC236}">
-                <a16:creationId xmlns:a16="http://schemas.microsoft.com/office/drawing/2014/main" id="{E3C01CD6-2AA3-48BC-8AA5-ACF14948552F}"/>
-              </a:ext>
-            </a:extLst>
-          </p:cNvPr>
-          <p:cNvPicPr>
-            <a:picLocks noChangeAspect="1"/>
-          </p:cNvPicPr>
-          <p:nvPr/>
-        </p:nvPicPr>
-        <p:blipFill>
-          <a:blip r:embed="rId16">
-            <a:extLst>
-              <a:ext uri="{28A0092B-C50C-407E-A947-70E740481C1C}">
-                <a14:useLocalDpi xmlns:a14="http://schemas.microsoft.com/office/drawing/2010/main" val="0"/>
-              </a:ext>
-              <a:ext uri="{96DAC541-7B7A-43D3-8B79-37D633B846F1}">
-                <asvg:svgBlip xmlns:asvg="http://schemas.microsoft.com/office/drawing/2016/SVG/main" r:embed="rId17"/>
-              </a:ext>
-            </a:extLst>
-          </a:blip>
-          <a:stretch>
-            <a:fillRect/>
-          </a:stretch>
-        </p:blipFill>
-        <p:spPr>
-          <a:xfrm>
-            <a:off x="387950" y="1876024"/>
-            <a:ext cx="640080" cy="640080"/>
-          </a:xfrm>
-          <a:prstGeom prst="rect">
-            <a:avLst/>
-          </a:prstGeom>
-        </p:spPr>
-      </p:pic>
-      <p:pic>
-        <p:nvPicPr>
-          <p:cNvPr id="25" name="Graphic 24">
-            <a:extLst>
-              <a:ext uri="{FF2B5EF4-FFF2-40B4-BE49-F238E27FC236}">
-                <a16:creationId xmlns:a16="http://schemas.microsoft.com/office/drawing/2014/main" id="{6F7F11CE-ED47-4931-9E2F-CDBD96E0D2E7}"/>
-              </a:ext>
-            </a:extLst>
-          </p:cNvPr>
-          <p:cNvPicPr>
-            <a:picLocks noChangeAspect="1"/>
-          </p:cNvPicPr>
-          <p:nvPr/>
-        </p:nvPicPr>
-        <p:blipFill>
-          <a:blip r:embed="rId18">
-            <a:extLst>
-              <a:ext uri="{28A0092B-C50C-407E-A947-70E740481C1C}">
-                <a14:useLocalDpi xmlns:a14="http://schemas.microsoft.com/office/drawing/2010/main" val="0"/>
-              </a:ext>
-              <a:ext uri="{96DAC541-7B7A-43D3-8B79-37D633B846F1}">
-                <asvg:svgBlip xmlns:asvg="http://schemas.microsoft.com/office/drawing/2016/SVG/main" r:embed="rId19"/>
-              </a:ext>
-            </a:extLst>
-          </a:blip>
-          <a:stretch>
-            <a:fillRect/>
-          </a:stretch>
-        </p:blipFill>
-        <p:spPr>
-          <a:xfrm>
-            <a:off x="4119722" y="286987"/>
-            <a:ext cx="640080" cy="640080"/>
-          </a:xfrm>
-          <a:prstGeom prst="rect">
-            <a:avLst/>
-          </a:prstGeom>
-        </p:spPr>
-      </p:pic>
-      <p:pic>
-        <p:nvPicPr>
-          <p:cNvPr id="27" name="Graphic 26">
-            <a:extLst>
-              <a:ext uri="{FF2B5EF4-FFF2-40B4-BE49-F238E27FC236}">
-                <a16:creationId xmlns:a16="http://schemas.microsoft.com/office/drawing/2014/main" id="{120030D9-B69F-4CCE-A8D8-DE86D148842D}"/>
-              </a:ext>
-            </a:extLst>
-          </p:cNvPr>
-          <p:cNvPicPr>
-            <a:picLocks noChangeAspect="1"/>
-          </p:cNvPicPr>
-          <p:nvPr/>
-        </p:nvPicPr>
-        <p:blipFill>
-          <a:blip r:embed="rId20">
-            <a:extLst>
-              <a:ext uri="{28A0092B-C50C-407E-A947-70E740481C1C}">
-                <a14:useLocalDpi xmlns:a14="http://schemas.microsoft.com/office/drawing/2010/main" val="0"/>
-              </a:ext>
-              <a:ext uri="{96DAC541-7B7A-43D3-8B79-37D633B846F1}">
-                <asvg:svgBlip xmlns:asvg="http://schemas.microsoft.com/office/drawing/2016/SVG/main" r:embed="rId21"/>
-              </a:ext>
-            </a:extLst>
-          </a:blip>
-          <a:stretch>
-            <a:fillRect/>
-          </a:stretch>
-        </p:blipFill>
-        <p:spPr>
-          <a:xfrm>
-            <a:off x="4119722" y="5066005"/>
-            <a:ext cx="640080" cy="640080"/>
-          </a:xfrm>
-          <a:prstGeom prst="rect">
-            <a:avLst/>
-          </a:prstGeom>
-        </p:spPr>
-      </p:pic>
-      <p:pic>
-        <p:nvPicPr>
-          <p:cNvPr id="29" name="Graphic 28">
-            <a:extLst>
-              <a:ext uri="{FF2B5EF4-FFF2-40B4-BE49-F238E27FC236}">
-                <a16:creationId xmlns:a16="http://schemas.microsoft.com/office/drawing/2014/main" id="{F5C32E38-AC28-4730-8707-F10BE2BE74C8}"/>
-              </a:ext>
-            </a:extLst>
-          </p:cNvPr>
-          <p:cNvPicPr>
-            <a:picLocks noChangeAspect="1"/>
-          </p:cNvPicPr>
-          <p:nvPr/>
-        </p:nvPicPr>
-        <p:blipFill>
-          <a:blip r:embed="rId22">
-            <a:extLst>
-              <a:ext uri="{28A0092B-C50C-407E-A947-70E740481C1C}">
-                <a14:useLocalDpi xmlns:a14="http://schemas.microsoft.com/office/drawing/2010/main" val="0"/>
-              </a:ext>
-              <a:ext uri="{96DAC541-7B7A-43D3-8B79-37D633B846F1}">
-                <asvg:svgBlip xmlns:asvg="http://schemas.microsoft.com/office/drawing/2016/SVG/main" r:embed="rId23"/>
-              </a:ext>
-            </a:extLst>
-          </a:blip>
-          <a:stretch>
-            <a:fillRect/>
-          </a:stretch>
-        </p:blipFill>
-        <p:spPr>
-          <a:xfrm>
-            <a:off x="387950" y="5865992"/>
-            <a:ext cx="640080" cy="640080"/>
-          </a:xfrm>
-          <a:prstGeom prst="rect">
-            <a:avLst/>
-          </a:prstGeom>
-        </p:spPr>
-      </p:pic>
-      <p:pic>
-        <p:nvPicPr>
-          <p:cNvPr id="31" name="Graphic 30">
-            <a:extLst>
-              <a:ext uri="{FF2B5EF4-FFF2-40B4-BE49-F238E27FC236}">
-                <a16:creationId xmlns:a16="http://schemas.microsoft.com/office/drawing/2014/main" id="{6125EF6D-33D3-4335-A3E8-C3CA05C20361}"/>
-              </a:ext>
-            </a:extLst>
-          </p:cNvPr>
-          <p:cNvPicPr>
-            <a:picLocks noChangeAspect="1"/>
-          </p:cNvPicPr>
-          <p:nvPr/>
-        </p:nvPicPr>
-        <p:blipFill>
-          <a:blip r:embed="rId24">
-            <a:extLst>
-              <a:ext uri="{28A0092B-C50C-407E-A947-70E740481C1C}">
-                <a14:useLocalDpi xmlns:a14="http://schemas.microsoft.com/office/drawing/2010/main" val="0"/>
-              </a:ext>
-              <a:ext uri="{96DAC541-7B7A-43D3-8B79-37D633B846F1}">
-                <asvg:svgBlip xmlns:asvg="http://schemas.microsoft.com/office/drawing/2016/SVG/main" r:embed="rId25"/>
-              </a:ext>
-            </a:extLst>
-          </a:blip>
-          <a:stretch>
-            <a:fillRect/>
-          </a:stretch>
-        </p:blipFill>
-        <p:spPr>
-          <a:xfrm>
-            <a:off x="387950" y="4270006"/>
-            <a:ext cx="640080" cy="640080"/>
-          </a:xfrm>
-          <a:prstGeom prst="rect">
-            <a:avLst/>
-          </a:prstGeom>
-        </p:spPr>
-      </p:pic>
-      <p:pic>
-        <p:nvPicPr>
-          <p:cNvPr id="33" name="Graphic 32">
-            <a:extLst>
-              <a:ext uri="{FF2B5EF4-FFF2-40B4-BE49-F238E27FC236}">
-                <a16:creationId xmlns:a16="http://schemas.microsoft.com/office/drawing/2014/main" id="{415DDF53-FBA4-4A6E-8B33-AA13360D02EE}"/>
-              </a:ext>
-            </a:extLst>
-          </p:cNvPr>
-          <p:cNvPicPr>
-            <a:picLocks noChangeAspect="1"/>
-          </p:cNvPicPr>
-          <p:nvPr/>
-        </p:nvPicPr>
-        <p:blipFill>
-          <a:blip r:embed="rId26">
-            <a:extLst>
-              <a:ext uri="{28A0092B-C50C-407E-A947-70E740481C1C}">
-                <a14:useLocalDpi xmlns:a14="http://schemas.microsoft.com/office/drawing/2010/main" val="0"/>
-              </a:ext>
-              <a:ext uri="{96DAC541-7B7A-43D3-8B79-37D633B846F1}">
-                <asvg:svgBlip xmlns:asvg="http://schemas.microsoft.com/office/drawing/2016/SVG/main" r:embed="rId27"/>
-              </a:ext>
-            </a:extLst>
-          </a:blip>
-          <a:stretch>
-            <a:fillRect/>
-          </a:stretch>
-        </p:blipFill>
-        <p:spPr>
-          <a:xfrm>
-            <a:off x="4119722" y="1083490"/>
-            <a:ext cx="640080" cy="640080"/>
-          </a:xfrm>
-          <a:prstGeom prst="rect">
-            <a:avLst/>
-          </a:prstGeom>
-        </p:spPr>
-      </p:pic>
-      <p:pic>
-        <p:nvPicPr>
-          <p:cNvPr id="35" name="Graphic 34">
-            <a:extLst>
-              <a:ext uri="{FF2B5EF4-FFF2-40B4-BE49-F238E27FC236}">
-                <a16:creationId xmlns:a16="http://schemas.microsoft.com/office/drawing/2014/main" id="{C7FB2CEB-5F7F-4E29-81B9-B78A81B2313D}"/>
-              </a:ext>
-            </a:extLst>
-          </p:cNvPr>
-          <p:cNvPicPr>
-            <a:picLocks noChangeAspect="1"/>
-          </p:cNvPicPr>
-          <p:nvPr/>
-        </p:nvPicPr>
-        <p:blipFill>
-          <a:blip r:embed="rId28">
-            <a:extLst>
-              <a:ext uri="{28A0092B-C50C-407E-A947-70E740481C1C}">
-                <a14:useLocalDpi xmlns:a14="http://schemas.microsoft.com/office/drawing/2010/main" val="0"/>
-              </a:ext>
-              <a:ext uri="{96DAC541-7B7A-43D3-8B79-37D633B846F1}">
-                <asvg:svgBlip xmlns:asvg="http://schemas.microsoft.com/office/drawing/2016/SVG/main" r:embed="rId29"/>
-              </a:ext>
-            </a:extLst>
-          </a:blip>
-          <a:stretch>
-            <a:fillRect/>
-          </a:stretch>
-        </p:blipFill>
-        <p:spPr>
-          <a:xfrm>
-            <a:off x="387950" y="2674018"/>
-            <a:ext cx="640080" cy="640080"/>
-          </a:xfrm>
-          <a:prstGeom prst="rect">
-            <a:avLst/>
-          </a:prstGeom>
-        </p:spPr>
-      </p:pic>
-      <p:pic>
-        <p:nvPicPr>
-          <p:cNvPr id="3" name="Graphic 2">
-            <a:extLst>
-              <a:ext uri="{FF2B5EF4-FFF2-40B4-BE49-F238E27FC236}">
-                <a16:creationId xmlns:a16="http://schemas.microsoft.com/office/drawing/2014/main" id="{821FB0C8-3AFE-4BE2-A460-A70005B47EF6}"/>
-              </a:ext>
-            </a:extLst>
-          </p:cNvPr>
-          <p:cNvPicPr>
-            <a:picLocks noChangeAspect="1"/>
-          </p:cNvPicPr>
-          <p:nvPr/>
-        </p:nvPicPr>
-        <p:blipFill>
-          <a:blip r:embed="rId30">
-            <a:extLst>
-              <a:ext uri="{28A0092B-C50C-407E-A947-70E740481C1C}">
-                <a14:useLocalDpi xmlns:a14="http://schemas.microsoft.com/office/drawing/2010/main" val="0"/>
-              </a:ext>
-              <a:ext uri="{96DAC541-7B7A-43D3-8B79-37D633B846F1}">
-                <asvg:svgBlip xmlns:asvg="http://schemas.microsoft.com/office/drawing/2016/SVG/main" r:embed="rId31"/>
-              </a:ext>
-            </a:extLst>
-          </a:blip>
-          <a:stretch>
-            <a:fillRect/>
-          </a:stretch>
-        </p:blipFill>
-        <p:spPr>
-          <a:xfrm>
-            <a:off x="4119722" y="1879993"/>
-            <a:ext cx="640080" cy="640080"/>
-          </a:xfrm>
-          <a:prstGeom prst="rect">
-            <a:avLst/>
-          </a:prstGeom>
-        </p:spPr>
-      </p:pic>
-      <p:pic>
-        <p:nvPicPr>
-          <p:cNvPr id="18" name="Graphic 17">
-            <a:extLst>
-              <a:ext uri="{FF2B5EF4-FFF2-40B4-BE49-F238E27FC236}">
-                <a16:creationId xmlns:a16="http://schemas.microsoft.com/office/drawing/2014/main" id="{D82B441A-5AF2-4A5B-B107-32AC0D6C8954}"/>
-              </a:ext>
-            </a:extLst>
-          </p:cNvPr>
-          <p:cNvPicPr>
-            <a:picLocks noChangeAspect="1"/>
-          </p:cNvPicPr>
-          <p:nvPr/>
-        </p:nvPicPr>
-        <p:blipFill>
-          <a:blip r:embed="rId32">
-            <a:extLst>
-              <a:ext uri="{28A0092B-C50C-407E-A947-70E740481C1C}">
-                <a14:useLocalDpi xmlns:a14="http://schemas.microsoft.com/office/drawing/2010/main" val="0"/>
-              </a:ext>
-              <a:ext uri="{96DAC541-7B7A-43D3-8B79-37D633B846F1}">
-                <asvg:svgBlip xmlns:asvg="http://schemas.microsoft.com/office/drawing/2016/SVG/main" r:embed="rId33"/>
-              </a:ext>
-            </a:extLst>
-          </a:blip>
-          <a:stretch>
-            <a:fillRect/>
-          </a:stretch>
-        </p:blipFill>
-        <p:spPr>
-          <a:xfrm>
-            <a:off x="4119722" y="3472999"/>
-            <a:ext cx="640080" cy="640080"/>
-          </a:xfrm>
-          <a:prstGeom prst="rect">
-            <a:avLst/>
-          </a:prstGeom>
-        </p:spPr>
-      </p:pic>
-      <p:pic>
-        <p:nvPicPr>
-          <p:cNvPr id="20" name="Graphic 19">
-            <a:extLst>
-              <a:ext uri="{FF2B5EF4-FFF2-40B4-BE49-F238E27FC236}">
-                <a16:creationId xmlns:a16="http://schemas.microsoft.com/office/drawing/2014/main" id="{DEAF254A-4F1A-4006-B5F4-91A674E6EBC8}"/>
-              </a:ext>
-            </a:extLst>
-          </p:cNvPr>
-          <p:cNvPicPr>
-            <a:picLocks noChangeAspect="1"/>
-          </p:cNvPicPr>
-          <p:nvPr/>
-        </p:nvPicPr>
-        <p:blipFill>
-          <a:blip r:embed="rId34">
-            <a:extLst>
-              <a:ext uri="{28A0092B-C50C-407E-A947-70E740481C1C}">
-                <a14:useLocalDpi xmlns:a14="http://schemas.microsoft.com/office/drawing/2010/main" val="0"/>
-              </a:ext>
-              <a:ext uri="{96DAC541-7B7A-43D3-8B79-37D633B846F1}">
-                <asvg:svgBlip xmlns:asvg="http://schemas.microsoft.com/office/drawing/2016/SVG/main" r:embed="rId35"/>
-              </a:ext>
-            </a:extLst>
-          </a:blip>
-          <a:stretch>
-            <a:fillRect/>
-          </a:stretch>
-        </p:blipFill>
-        <p:spPr>
-          <a:xfrm>
-            <a:off x="4119722" y="4269502"/>
-            <a:ext cx="640080" cy="640080"/>
-          </a:xfrm>
-          <a:prstGeom prst="rect">
-            <a:avLst/>
-          </a:prstGeom>
-        </p:spPr>
-      </p:pic>
-      <p:sp>
-        <p:nvSpPr>
-          <p:cNvPr id="4" name="TextBox 3">
-            <a:extLst>
-              <a:ext uri="{FF2B5EF4-FFF2-40B4-BE49-F238E27FC236}">
-                <a16:creationId xmlns:a16="http://schemas.microsoft.com/office/drawing/2014/main" id="{FAB9FC39-5DDC-45D0-9941-56FB3F802FA2}"/>
-              </a:ext>
-            </a:extLst>
-          </p:cNvPr>
-          <p:cNvSpPr txBox="1"/>
-          <p:nvPr/>
-        </p:nvSpPr>
-        <p:spPr>
-          <a:xfrm>
-            <a:off x="1098177" y="415410"/>
-            <a:ext cx="1685141" cy="369332"/>
-          </a:xfrm>
-          <a:prstGeom prst="rect">
-            <a:avLst/>
-          </a:prstGeom>
-          <a:noFill/>
-        </p:spPr>
-        <p:txBody>
-          <a:bodyPr wrap="none" rtlCol="0">
-            <a:spAutoFit/>
-          </a:bodyPr>
-          <a:lstStyle/>
-          <a:p>
-            <a:r>
-              <a:rPr lang="en-US" dirty="0"/>
-              <a:t>Resource Group</a:t>
-            </a:r>
-          </a:p>
-        </p:txBody>
-      </p:sp>
-      <p:sp>
-        <p:nvSpPr>
-          <p:cNvPr id="22" name="TextBox 21">
-            <a:extLst>
-              <a:ext uri="{FF2B5EF4-FFF2-40B4-BE49-F238E27FC236}">
-                <a16:creationId xmlns:a16="http://schemas.microsoft.com/office/drawing/2014/main" id="{D5AB1384-D7EF-43A8-819A-6DBBEA05E76E}"/>
-              </a:ext>
-            </a:extLst>
-          </p:cNvPr>
-          <p:cNvSpPr txBox="1"/>
-          <p:nvPr/>
-        </p:nvSpPr>
-        <p:spPr>
-          <a:xfrm>
-            <a:off x="1098177" y="1207634"/>
-            <a:ext cx="2038250" cy="369332"/>
-          </a:xfrm>
-          <a:prstGeom prst="rect">
-            <a:avLst/>
-          </a:prstGeom>
-          <a:noFill/>
-        </p:spPr>
-        <p:txBody>
-          <a:bodyPr wrap="none" rtlCol="0">
-            <a:spAutoFit/>
-          </a:bodyPr>
-          <a:lstStyle/>
-          <a:p>
-            <a:r>
-              <a:rPr lang="en-US" dirty="0"/>
-              <a:t>Integration Account</a:t>
-            </a:r>
-          </a:p>
-        </p:txBody>
-      </p:sp>
-      <p:sp>
-        <p:nvSpPr>
-          <p:cNvPr id="24" name="TextBox 23">
-            <a:extLst>
-              <a:ext uri="{FF2B5EF4-FFF2-40B4-BE49-F238E27FC236}">
-                <a16:creationId xmlns:a16="http://schemas.microsoft.com/office/drawing/2014/main" id="{B74D5013-D3BE-449D-9C4F-7F70AE5C3C0F}"/>
-              </a:ext>
-            </a:extLst>
-          </p:cNvPr>
-          <p:cNvSpPr txBox="1"/>
-          <p:nvPr/>
-        </p:nvSpPr>
-        <p:spPr>
-          <a:xfrm>
-            <a:off x="1098177" y="1999858"/>
-            <a:ext cx="1673728" cy="369332"/>
-          </a:xfrm>
-          <a:prstGeom prst="rect">
-            <a:avLst/>
-          </a:prstGeom>
-          <a:noFill/>
-        </p:spPr>
-        <p:txBody>
-          <a:bodyPr wrap="none" rtlCol="0">
-            <a:spAutoFit/>
-          </a:bodyPr>
-          <a:lstStyle/>
-          <a:p>
-            <a:r>
-              <a:rPr lang="en-US" dirty="0"/>
-              <a:t>Virtual Network</a:t>
-            </a:r>
-          </a:p>
-        </p:txBody>
-      </p:sp>
-      <p:sp>
-        <p:nvSpPr>
-          <p:cNvPr id="26" name="TextBox 25">
-            <a:extLst>
-              <a:ext uri="{FF2B5EF4-FFF2-40B4-BE49-F238E27FC236}">
-                <a16:creationId xmlns:a16="http://schemas.microsoft.com/office/drawing/2014/main" id="{70716F13-8B8F-42BE-A5E8-794E0408ED37}"/>
-              </a:ext>
-            </a:extLst>
-          </p:cNvPr>
-          <p:cNvSpPr txBox="1"/>
-          <p:nvPr/>
-        </p:nvSpPr>
-        <p:spPr>
-          <a:xfrm>
-            <a:off x="1098177" y="5960976"/>
-            <a:ext cx="1622560" cy="369332"/>
-          </a:xfrm>
-          <a:prstGeom prst="rect">
-            <a:avLst/>
-          </a:prstGeom>
-          <a:noFill/>
-        </p:spPr>
-        <p:txBody>
-          <a:bodyPr wrap="none" rtlCol="0">
-            <a:spAutoFit/>
-          </a:bodyPr>
-          <a:lstStyle/>
-          <a:p>
-            <a:r>
-              <a:rPr lang="en-US" dirty="0"/>
-              <a:t>API Connection</a:t>
-            </a:r>
-          </a:p>
-        </p:txBody>
-      </p:sp>
-      <p:sp>
-        <p:nvSpPr>
-          <p:cNvPr id="28" name="TextBox 27">
-            <a:extLst>
-              <a:ext uri="{FF2B5EF4-FFF2-40B4-BE49-F238E27FC236}">
-                <a16:creationId xmlns:a16="http://schemas.microsoft.com/office/drawing/2014/main" id="{B2B5F503-DA74-4C26-9796-A3C694236279}"/>
-              </a:ext>
-            </a:extLst>
-          </p:cNvPr>
-          <p:cNvSpPr txBox="1"/>
-          <p:nvPr/>
-        </p:nvSpPr>
-        <p:spPr>
-          <a:xfrm>
-            <a:off x="1098177" y="5168754"/>
-            <a:ext cx="1806072" cy="369332"/>
-          </a:xfrm>
-          <a:prstGeom prst="rect">
-            <a:avLst/>
-          </a:prstGeom>
-          <a:noFill/>
-        </p:spPr>
-        <p:txBody>
-          <a:bodyPr wrap="none" rtlCol="0">
-            <a:spAutoFit/>
-          </a:bodyPr>
-          <a:lstStyle/>
-          <a:p>
-            <a:r>
-              <a:rPr lang="en-US" dirty="0"/>
-              <a:t>API Management</a:t>
-            </a:r>
-          </a:p>
-        </p:txBody>
-      </p:sp>
-      <p:sp>
-        <p:nvSpPr>
-          <p:cNvPr id="30" name="TextBox 29">
-            <a:extLst>
-              <a:ext uri="{FF2B5EF4-FFF2-40B4-BE49-F238E27FC236}">
-                <a16:creationId xmlns:a16="http://schemas.microsoft.com/office/drawing/2014/main" id="{3492573F-343E-4787-AC7D-E44B81CC0991}"/>
-              </a:ext>
-            </a:extLst>
-          </p:cNvPr>
-          <p:cNvSpPr txBox="1"/>
-          <p:nvPr/>
-        </p:nvSpPr>
-        <p:spPr>
-          <a:xfrm>
-            <a:off x="1098177" y="4376530"/>
-            <a:ext cx="1234953" cy="369332"/>
-          </a:xfrm>
-          <a:prstGeom prst="rect">
-            <a:avLst/>
-          </a:prstGeom>
-          <a:noFill/>
-        </p:spPr>
-        <p:txBody>
-          <a:bodyPr wrap="none" rtlCol="0">
-            <a:spAutoFit/>
-          </a:bodyPr>
-          <a:lstStyle/>
-          <a:p>
-            <a:r>
-              <a:rPr lang="en-US" dirty="0"/>
-              <a:t>Event Hubs</a:t>
-            </a:r>
-          </a:p>
-        </p:txBody>
-      </p:sp>
-      <p:sp>
-        <p:nvSpPr>
-          <p:cNvPr id="32" name="TextBox 31">
-            <a:extLst>
-              <a:ext uri="{FF2B5EF4-FFF2-40B4-BE49-F238E27FC236}">
-                <a16:creationId xmlns:a16="http://schemas.microsoft.com/office/drawing/2014/main" id="{2F9D88F4-7730-4014-9892-58837926D881}"/>
-              </a:ext>
-            </a:extLst>
-          </p:cNvPr>
-          <p:cNvSpPr txBox="1"/>
-          <p:nvPr/>
-        </p:nvSpPr>
-        <p:spPr>
-          <a:xfrm>
-            <a:off x="1098177" y="3584306"/>
-            <a:ext cx="1049198" cy="369332"/>
-          </a:xfrm>
-          <a:prstGeom prst="rect">
-            <a:avLst/>
-          </a:prstGeom>
-          <a:noFill/>
-        </p:spPr>
-        <p:txBody>
-          <a:bodyPr wrap="none" rtlCol="0">
-            <a:spAutoFit/>
-          </a:bodyPr>
-          <a:lstStyle/>
-          <a:p>
-            <a:r>
-              <a:rPr lang="en-US" dirty="0"/>
-              <a:t>Template</a:t>
-            </a:r>
-          </a:p>
-        </p:txBody>
-      </p:sp>
-      <p:sp>
-        <p:nvSpPr>
-          <p:cNvPr id="34" name="TextBox 33">
-            <a:extLst>
-              <a:ext uri="{FF2B5EF4-FFF2-40B4-BE49-F238E27FC236}">
-                <a16:creationId xmlns:a16="http://schemas.microsoft.com/office/drawing/2014/main" id="{4E15C993-D638-496A-AE47-9A6323C19D2B}"/>
-              </a:ext>
-            </a:extLst>
-          </p:cNvPr>
-          <p:cNvSpPr txBox="1"/>
-          <p:nvPr/>
-        </p:nvSpPr>
-        <p:spPr>
-          <a:xfrm>
-            <a:off x="1098177" y="2792082"/>
-            <a:ext cx="2015552" cy="369332"/>
-          </a:xfrm>
-          <a:prstGeom prst="rect">
-            <a:avLst/>
-          </a:prstGeom>
-          <a:noFill/>
-        </p:spPr>
-        <p:txBody>
-          <a:bodyPr wrap="none" rtlCol="0">
-            <a:spAutoFit/>
-          </a:bodyPr>
-          <a:lstStyle/>
-          <a:p>
-            <a:r>
-              <a:rPr lang="en-US" dirty="0"/>
-              <a:t>Application Insights</a:t>
-            </a:r>
-          </a:p>
-        </p:txBody>
-      </p:sp>
-      <p:sp>
-        <p:nvSpPr>
-          <p:cNvPr id="36" name="TextBox 35">
-            <a:extLst>
-              <a:ext uri="{FF2B5EF4-FFF2-40B4-BE49-F238E27FC236}">
-                <a16:creationId xmlns:a16="http://schemas.microsoft.com/office/drawing/2014/main" id="{2DB2A059-D034-4059-A5CC-FC35EA591CE5}"/>
-              </a:ext>
-            </a:extLst>
-          </p:cNvPr>
-          <p:cNvSpPr txBox="1"/>
-          <p:nvPr/>
-        </p:nvSpPr>
-        <p:spPr>
-          <a:xfrm>
-            <a:off x="4876596" y="415410"/>
-            <a:ext cx="2442656" cy="369332"/>
-          </a:xfrm>
-          <a:prstGeom prst="rect">
-            <a:avLst/>
-          </a:prstGeom>
-          <a:noFill/>
-        </p:spPr>
-        <p:txBody>
-          <a:bodyPr wrap="none" rtlCol="0">
-            <a:spAutoFit/>
-          </a:bodyPr>
-          <a:lstStyle/>
-          <a:p>
-            <a:r>
-              <a:rPr lang="en-US" dirty="0"/>
-              <a:t>Network Security Group</a:t>
-            </a:r>
-          </a:p>
-        </p:txBody>
-      </p:sp>
-      <p:sp>
-        <p:nvSpPr>
-          <p:cNvPr id="37" name="TextBox 36">
-            <a:extLst>
-              <a:ext uri="{FF2B5EF4-FFF2-40B4-BE49-F238E27FC236}">
-                <a16:creationId xmlns:a16="http://schemas.microsoft.com/office/drawing/2014/main" id="{9E0AC2AC-5ABA-46F7-8764-BC845BEA6387}"/>
-              </a:ext>
-            </a:extLst>
-          </p:cNvPr>
-          <p:cNvSpPr txBox="1"/>
-          <p:nvPr/>
-        </p:nvSpPr>
-        <p:spPr>
-          <a:xfrm>
-            <a:off x="4876596" y="1207634"/>
-            <a:ext cx="2495170" cy="369332"/>
-          </a:xfrm>
-          <a:prstGeom prst="rect">
-            <a:avLst/>
-          </a:prstGeom>
-          <a:noFill/>
-        </p:spPr>
-        <p:txBody>
-          <a:bodyPr wrap="none" rtlCol="0">
-            <a:spAutoFit/>
-          </a:bodyPr>
-          <a:lstStyle/>
-          <a:p>
-            <a:r>
-              <a:rPr lang="en-US" dirty="0"/>
-              <a:t>Log Analytics Workspace</a:t>
-            </a:r>
-          </a:p>
-        </p:txBody>
-      </p:sp>
-      <p:sp>
-        <p:nvSpPr>
-          <p:cNvPr id="38" name="TextBox 37">
-            <a:extLst>
-              <a:ext uri="{FF2B5EF4-FFF2-40B4-BE49-F238E27FC236}">
-                <a16:creationId xmlns:a16="http://schemas.microsoft.com/office/drawing/2014/main" id="{B56DF500-8E00-4A5D-BA35-779402B94F95}"/>
-              </a:ext>
-            </a:extLst>
-          </p:cNvPr>
-          <p:cNvSpPr txBox="1"/>
-          <p:nvPr/>
-        </p:nvSpPr>
-        <p:spPr>
-          <a:xfrm>
-            <a:off x="4876596" y="1999858"/>
-            <a:ext cx="1052660" cy="369332"/>
-          </a:xfrm>
-          <a:prstGeom prst="rect">
-            <a:avLst/>
-          </a:prstGeom>
-          <a:noFill/>
-        </p:spPr>
-        <p:txBody>
-          <a:bodyPr wrap="none" rtlCol="0">
-            <a:spAutoFit/>
-          </a:bodyPr>
-          <a:lstStyle/>
-          <a:p>
-            <a:r>
-              <a:rPr lang="en-US" dirty="0"/>
-              <a:t>Key Vault</a:t>
-            </a:r>
-          </a:p>
-        </p:txBody>
-      </p:sp>
-      <p:sp>
-        <p:nvSpPr>
-          <p:cNvPr id="39" name="TextBox 38">
-            <a:extLst>
-              <a:ext uri="{FF2B5EF4-FFF2-40B4-BE49-F238E27FC236}">
-                <a16:creationId xmlns:a16="http://schemas.microsoft.com/office/drawing/2014/main" id="{A66FB850-550E-45C3-899E-14CF6DEEB36F}"/>
-              </a:ext>
-            </a:extLst>
-          </p:cNvPr>
-          <p:cNvSpPr txBox="1"/>
-          <p:nvPr/>
-        </p:nvSpPr>
-        <p:spPr>
-          <a:xfrm>
-            <a:off x="4876596" y="5960976"/>
-            <a:ext cx="3201710" cy="369332"/>
-          </a:xfrm>
-          <a:prstGeom prst="rect">
-            <a:avLst/>
-          </a:prstGeom>
-          <a:noFill/>
-        </p:spPr>
-        <p:txBody>
-          <a:bodyPr wrap="none" rtlCol="0">
-            <a:spAutoFit/>
-          </a:bodyPr>
-          <a:lstStyle/>
-          <a:p>
-            <a:r>
-              <a:rPr lang="en-US" dirty="0"/>
-              <a:t>Integration Service Environment</a:t>
-            </a:r>
-          </a:p>
-        </p:txBody>
-      </p:sp>
-      <p:sp>
-        <p:nvSpPr>
-          <p:cNvPr id="40" name="TextBox 39">
-            <a:extLst>
-              <a:ext uri="{FF2B5EF4-FFF2-40B4-BE49-F238E27FC236}">
-                <a16:creationId xmlns:a16="http://schemas.microsoft.com/office/drawing/2014/main" id="{187A1529-0B43-434D-816F-F1B0E073C235}"/>
-              </a:ext>
-            </a:extLst>
-          </p:cNvPr>
-          <p:cNvSpPr txBox="1"/>
-          <p:nvPr/>
-        </p:nvSpPr>
-        <p:spPr>
-          <a:xfrm>
-            <a:off x="4876596" y="5168754"/>
-            <a:ext cx="1715406" cy="369332"/>
-          </a:xfrm>
-          <a:prstGeom prst="rect">
-            <a:avLst/>
-          </a:prstGeom>
-          <a:noFill/>
-        </p:spPr>
-        <p:txBody>
-          <a:bodyPr wrap="none" rtlCol="0">
-            <a:spAutoFit/>
-          </a:bodyPr>
-          <a:lstStyle/>
-          <a:p>
-            <a:r>
-              <a:rPr lang="en-US" dirty="0"/>
-              <a:t>Storage Account</a:t>
-            </a:r>
-          </a:p>
-        </p:txBody>
-      </p:sp>
-      <p:sp>
-        <p:nvSpPr>
-          <p:cNvPr id="41" name="TextBox 40">
-            <a:extLst>
-              <a:ext uri="{FF2B5EF4-FFF2-40B4-BE49-F238E27FC236}">
-                <a16:creationId xmlns:a16="http://schemas.microsoft.com/office/drawing/2014/main" id="{CF0F045D-CE25-4D0B-B4CE-15A1F1A24645}"/>
-              </a:ext>
-            </a:extLst>
-          </p:cNvPr>
-          <p:cNvSpPr txBox="1"/>
-          <p:nvPr/>
-        </p:nvSpPr>
-        <p:spPr>
-          <a:xfrm>
-            <a:off x="4876596" y="4376530"/>
-            <a:ext cx="1744901" cy="369332"/>
-          </a:xfrm>
-          <a:prstGeom prst="rect">
-            <a:avLst/>
-          </a:prstGeom>
-          <a:noFill/>
-        </p:spPr>
-        <p:txBody>
-          <a:bodyPr wrap="none" rtlCol="0">
-            <a:spAutoFit/>
-          </a:bodyPr>
-          <a:lstStyle/>
-          <a:p>
-            <a:r>
-              <a:rPr lang="en-US" dirty="0"/>
-              <a:t>App Service Plan</a:t>
-            </a:r>
-          </a:p>
-        </p:txBody>
-      </p:sp>
-      <p:sp>
-        <p:nvSpPr>
-          <p:cNvPr id="42" name="TextBox 41">
-            <a:extLst>
-              <a:ext uri="{FF2B5EF4-FFF2-40B4-BE49-F238E27FC236}">
-                <a16:creationId xmlns:a16="http://schemas.microsoft.com/office/drawing/2014/main" id="{DAD947FA-1DC5-4235-A769-87EAC71EBFCB}"/>
-              </a:ext>
-            </a:extLst>
-          </p:cNvPr>
-          <p:cNvSpPr txBox="1"/>
-          <p:nvPr/>
-        </p:nvSpPr>
-        <p:spPr>
-          <a:xfrm>
-            <a:off x="4876596" y="3584306"/>
-            <a:ext cx="1435008" cy="369332"/>
-          </a:xfrm>
-          <a:prstGeom prst="rect">
-            <a:avLst/>
-          </a:prstGeom>
-          <a:noFill/>
-        </p:spPr>
-        <p:txBody>
-          <a:bodyPr wrap="none" rtlCol="0">
-            <a:spAutoFit/>
-          </a:bodyPr>
-          <a:lstStyle/>
-          <a:p>
-            <a:r>
-              <a:rPr lang="en-US" dirty="0"/>
-              <a:t>Function App</a:t>
-            </a:r>
-          </a:p>
-        </p:txBody>
-      </p:sp>
-      <p:sp>
-        <p:nvSpPr>
-          <p:cNvPr id="43" name="TextBox 42">
-            <a:extLst>
-              <a:ext uri="{FF2B5EF4-FFF2-40B4-BE49-F238E27FC236}">
-                <a16:creationId xmlns:a16="http://schemas.microsoft.com/office/drawing/2014/main" id="{57730C3A-F429-454E-9737-385796B17674}"/>
-              </a:ext>
-            </a:extLst>
-          </p:cNvPr>
-          <p:cNvSpPr txBox="1"/>
-          <p:nvPr/>
-        </p:nvSpPr>
-        <p:spPr>
-          <a:xfrm>
-            <a:off x="4876596" y="2792082"/>
-            <a:ext cx="1093569" cy="369332"/>
-          </a:xfrm>
-          <a:prstGeom prst="rect">
-            <a:avLst/>
-          </a:prstGeom>
-          <a:noFill/>
-        </p:spPr>
-        <p:txBody>
-          <a:bodyPr wrap="none" rtlCol="0">
-            <a:spAutoFit/>
-          </a:bodyPr>
-          <a:lstStyle/>
-          <a:p>
-            <a:r>
-              <a:rPr lang="en-US" dirty="0"/>
-              <a:t>Logic App</a:t>
-            </a:r>
-          </a:p>
-        </p:txBody>
-      </p:sp>
-      <p:sp>
-        <p:nvSpPr>
-          <p:cNvPr id="44" name="TextBox 43">
-            <a:extLst>
-              <a:ext uri="{FF2B5EF4-FFF2-40B4-BE49-F238E27FC236}">
-                <a16:creationId xmlns:a16="http://schemas.microsoft.com/office/drawing/2014/main" id="{16893D05-E58C-40CD-83D2-B5ABA67E12D3}"/>
-              </a:ext>
-            </a:extLst>
-          </p:cNvPr>
-          <p:cNvSpPr txBox="1"/>
-          <p:nvPr/>
-        </p:nvSpPr>
-        <p:spPr>
-          <a:xfrm>
-            <a:off x="9195479" y="415410"/>
-            <a:ext cx="1247970" cy="369332"/>
-          </a:xfrm>
-          <a:prstGeom prst="rect">
-            <a:avLst/>
-          </a:prstGeom>
-          <a:noFill/>
-        </p:spPr>
-        <p:txBody>
-          <a:bodyPr wrap="none" rtlCol="0">
-            <a:spAutoFit/>
-          </a:bodyPr>
-          <a:lstStyle/>
-          <a:p>
-            <a:r>
-              <a:rPr lang="en-US" dirty="0"/>
-              <a:t>Service Bus</a:t>
-            </a:r>
-          </a:p>
-        </p:txBody>
-      </p:sp>
-    </p:spTree>
-    <p:extLst>
-      <p:ext uri="{BB962C8B-B14F-4D97-AF65-F5344CB8AC3E}">
-        <p14:creationId xmlns:p14="http://schemas.microsoft.com/office/powerpoint/2010/main" val="101958806"/>
-      </p:ext>
-    </p:extLst>
-  </p:cSld>
-  <p:clrMapOvr>
-    <a:masterClrMapping/>
-  </p:clrMapOvr>
-</p:sld>
-</file>
-
 <file path=ppt/slides/slide2.xml><?xml version="1.0" encoding="utf-8"?>
 <p:sld xmlns:a="http://schemas.openxmlformats.org/drawingml/2006/main" xmlns:r="http://schemas.openxmlformats.org/officeDocument/2006/relationships" xmlns:p="http://schemas.openxmlformats.org/presentationml/2006/main">
   <p:cSld>
@@ -41764,89 +40113,6 @@
       </p:grpSpPr>
       <p:sp>
         <p:nvSpPr>
-          <p:cNvPr id="6" name="Title 5">
-            <a:extLst>
-              <a:ext uri="{FF2B5EF4-FFF2-40B4-BE49-F238E27FC236}">
-                <a16:creationId xmlns:a16="http://schemas.microsoft.com/office/drawing/2014/main" id="{9CEDA966-D3AE-4FC3-90F6-67CC8136F94C}"/>
-              </a:ext>
-            </a:extLst>
-          </p:cNvPr>
-          <p:cNvSpPr>
-            <a:spLocks noGrp="1"/>
-          </p:cNvSpPr>
-          <p:nvPr>
-            <p:ph type="title"/>
-          </p:nvPr>
-        </p:nvSpPr>
-        <p:spPr/>
-        <p:txBody>
-          <a:bodyPr/>
-          <a:lstStyle/>
-          <a:p>
-            <a:r>
-              <a:rPr lang="en-US" dirty="0"/>
-              <a:t>Example case</a:t>
-            </a:r>
-          </a:p>
-        </p:txBody>
-      </p:sp>
-      <p:sp>
-        <p:nvSpPr>
-          <p:cNvPr id="7" name="Text Placeholder 6">
-            <a:extLst>
-              <a:ext uri="{FF2B5EF4-FFF2-40B4-BE49-F238E27FC236}">
-                <a16:creationId xmlns:a16="http://schemas.microsoft.com/office/drawing/2014/main" id="{525905B5-9C4C-4C27-978F-76FB95AE15E3}"/>
-              </a:ext>
-            </a:extLst>
-          </p:cNvPr>
-          <p:cNvSpPr>
-            <a:spLocks noGrp="1"/>
-          </p:cNvSpPr>
-          <p:nvPr>
-            <p:ph type="body" idx="7"/>
-          </p:nvPr>
-        </p:nvSpPr>
-        <p:spPr/>
-        <p:txBody>
-          <a:bodyPr/>
-          <a:lstStyle/>
-          <a:p>
-            <a:endParaRPr lang="en-US" dirty="0"/>
-          </a:p>
-        </p:txBody>
-      </p:sp>
-    </p:spTree>
-    <p:extLst>
-      <p:ext uri="{BB962C8B-B14F-4D97-AF65-F5344CB8AC3E}">
-        <p14:creationId xmlns:p14="http://schemas.microsoft.com/office/powerpoint/2010/main" val="1031131883"/>
-      </p:ext>
-    </p:extLst>
-  </p:cSld>
-  <p:clrMapOvr>
-    <a:masterClrMapping/>
-  </p:clrMapOvr>
-</p:sld>
-</file>
-
-<file path=ppt/slides/slide3.xml><?xml version="1.0" encoding="utf-8"?>
-<p:sld xmlns:a="http://schemas.openxmlformats.org/drawingml/2006/main" xmlns:r="http://schemas.openxmlformats.org/officeDocument/2006/relationships" xmlns:p="http://schemas.openxmlformats.org/presentationml/2006/main">
-  <p:cSld>
-    <p:spTree>
-      <p:nvGrpSpPr>
-        <p:cNvPr id="1" name=""/>
-        <p:cNvGrpSpPr/>
-        <p:nvPr/>
-      </p:nvGrpSpPr>
-      <p:grpSpPr>
-        <a:xfrm>
-          <a:off x="0" y="0"/>
-          <a:ext cx="0" cy="0"/>
-          <a:chOff x="0" y="0"/>
-          <a:chExt cx="0" cy="0"/>
-        </a:xfrm>
-      </p:grpSpPr>
-      <p:sp>
-        <p:nvSpPr>
           <p:cNvPr id="7" name="Rectangle 6">
             <a:extLst>
               <a:ext uri="{FF2B5EF4-FFF2-40B4-BE49-F238E27FC236}">
@@ -42231,7 +40497,7 @@
 </p:sld>
 </file>
 
-<file path=ppt/slides/slide4.xml><?xml version="1.0" encoding="utf-8"?>
+<file path=ppt/slides/slide3.xml><?xml version="1.0" encoding="utf-8"?>
 <p:sld xmlns:a="http://schemas.openxmlformats.org/drawingml/2006/main" xmlns:r="http://schemas.openxmlformats.org/officeDocument/2006/relationships" xmlns:p="http://schemas.openxmlformats.org/presentationml/2006/main">
   <p:cSld>
     <p:spTree>
@@ -44535,7 +42801,7 @@
 </p:sld>
 </file>
 
-<file path=ppt/slides/slide5.xml><?xml version="1.0" encoding="utf-8"?>
+<file path=ppt/slides/slide4.xml><?xml version="1.0" encoding="utf-8"?>
 <p:sld xmlns:a="http://schemas.openxmlformats.org/drawingml/2006/main" xmlns:r="http://schemas.openxmlformats.org/officeDocument/2006/relationships" xmlns:p="http://schemas.openxmlformats.org/presentationml/2006/main">
   <p:cSld>
     <p:spTree>
@@ -45604,7 +43870,7 @@
 </p:sld>
 </file>
 
-<file path=ppt/slides/slide6.xml><?xml version="1.0" encoding="utf-8"?>
+<file path=ppt/slides/slide5.xml><?xml version="1.0" encoding="utf-8"?>
 <p:sld xmlns:a="http://schemas.openxmlformats.org/drawingml/2006/main" xmlns:r="http://schemas.openxmlformats.org/officeDocument/2006/relationships" xmlns:p="http://schemas.openxmlformats.org/presentationml/2006/main">
   <p:cSld>
     <p:spTree>
@@ -47189,6 +45455,113 @@
 </p:sld>
 </file>
 
+<file path=ppt/slides/slide6.xml><?xml version="1.0" encoding="utf-8"?>
+<p:sld xmlns:a="http://schemas.openxmlformats.org/drawingml/2006/main" xmlns:r="http://schemas.openxmlformats.org/officeDocument/2006/relationships" xmlns:p="http://schemas.openxmlformats.org/presentationml/2006/main">
+  <p:cSld>
+    <p:bg>
+      <p:bgPr>
+        <a:solidFill>
+          <a:schemeClr val="bg1">
+            <a:lumMod val="50000"/>
+          </a:schemeClr>
+        </a:solidFill>
+        <a:effectLst/>
+      </p:bgPr>
+    </p:bg>
+    <p:spTree>
+      <p:nvGrpSpPr>
+        <p:cNvPr id="1" name=""/>
+        <p:cNvGrpSpPr/>
+        <p:nvPr/>
+      </p:nvGrpSpPr>
+      <p:grpSpPr>
+        <a:xfrm>
+          <a:off x="0" y="0"/>
+          <a:ext cx="0" cy="0"/>
+          <a:chOff x="0" y="0"/>
+          <a:chExt cx="0" cy="0"/>
+        </a:xfrm>
+      </p:grpSpPr>
+      <p:sp>
+        <p:nvSpPr>
+          <p:cNvPr id="2" name="Title 1">
+            <a:extLst>
+              <a:ext uri="{FF2B5EF4-FFF2-40B4-BE49-F238E27FC236}">
+                <a16:creationId xmlns:a16="http://schemas.microsoft.com/office/drawing/2014/main" id="{0A8F9138-C357-4B4E-8D2F-20936639B06F}"/>
+              </a:ext>
+            </a:extLst>
+          </p:cNvPr>
+          <p:cNvSpPr>
+            <a:spLocks noGrp="1"/>
+          </p:cNvSpPr>
+          <p:nvPr>
+            <p:ph type="title"/>
+          </p:nvPr>
+        </p:nvSpPr>
+        <p:spPr>
+          <a:prstGeom prst="rect">
+            <a:avLst/>
+          </a:prstGeom>
+        </p:spPr>
+        <p:txBody>
+          <a:bodyPr anchor="t">
+            <a:normAutofit/>
+          </a:bodyPr>
+          <a:lstStyle/>
+          <a:p>
+            <a:r>
+              <a:rPr lang="en-US" dirty="0"/>
+              <a:t>Pipeline Orchestration Demo</a:t>
+            </a:r>
+          </a:p>
+        </p:txBody>
+      </p:sp>
+      <p:pic>
+        <p:nvPicPr>
+          <p:cNvPr id="9" name="Picture 6" descr="A large ship in a body of water&#10;&#10;Description automatically generated">
+            <a:extLst>
+              <a:ext uri="{FF2B5EF4-FFF2-40B4-BE49-F238E27FC236}">
+                <a16:creationId xmlns:a16="http://schemas.microsoft.com/office/drawing/2014/main" id="{210A1B90-0140-4BAA-BB1B-2F4C54D5AE30}"/>
+              </a:ext>
+            </a:extLst>
+          </p:cNvPr>
+          <p:cNvPicPr>
+            <a:picLocks noChangeAspect="1"/>
+          </p:cNvPicPr>
+          <p:nvPr/>
+        </p:nvPicPr>
+        <p:blipFill rotWithShape="1">
+          <a:blip r:embed="rId2"/>
+          <a:srcRect t="21372" r="-1" b="-1"/>
+          <a:stretch/>
+        </p:blipFill>
+        <p:spPr>
+          <a:xfrm>
+            <a:off x="473102" y="1257300"/>
+            <a:ext cx="11261697" cy="4980888"/>
+          </a:xfrm>
+          <a:prstGeom prst="rect">
+            <a:avLst/>
+          </a:prstGeom>
+          <a:noFill/>
+        </p:spPr>
+      </p:pic>
+    </p:spTree>
+    <p:extLst>
+      <p:ext uri="{BB962C8B-B14F-4D97-AF65-F5344CB8AC3E}">
+        <p14:creationId xmlns:p14="http://schemas.microsoft.com/office/powerpoint/2010/main" val="2238809932"/>
+      </p:ext>
+    </p:extLst>
+  </p:cSld>
+  <p:clrMapOvr>
+    <a:masterClrMapping/>
+  </p:clrMapOvr>
+  <p:transition>
+    <p:fade/>
+  </p:transition>
+</p:sld>
+</file>
+
 <file path=ppt/slides/slide7.xml><?xml version="1.0" encoding="utf-8"?>
 <p:sld xmlns:a="http://schemas.openxmlformats.org/drawingml/2006/main" xmlns:r="http://schemas.openxmlformats.org/officeDocument/2006/relationships" xmlns:p="http://schemas.openxmlformats.org/presentationml/2006/main">
   <p:cSld>
@@ -47206,322 +45579,10 @@
           <a:chExt cx="0" cy="0"/>
         </a:xfrm>
       </p:grpSpPr>
-      <p:sp>
-        <p:nvSpPr>
-          <p:cNvPr id="9" name="Title 8">
-            <a:extLst>
-              <a:ext uri="{FF2B5EF4-FFF2-40B4-BE49-F238E27FC236}">
-                <a16:creationId xmlns:a16="http://schemas.microsoft.com/office/drawing/2014/main" id="{61F708E7-CEB6-4F83-84BA-921AA82C6305}"/>
-              </a:ext>
-            </a:extLst>
-          </p:cNvPr>
-          <p:cNvSpPr>
-            <a:spLocks noGrp="1"/>
-          </p:cNvSpPr>
-          <p:nvPr>
-            <p:ph type="title"/>
-          </p:nvPr>
-        </p:nvSpPr>
-        <p:spPr/>
-        <p:txBody>
-          <a:bodyPr>
-            <a:normAutofit fontScale="90000"/>
-          </a:bodyPr>
-          <a:lstStyle/>
-          <a:p>
-            <a:r>
-              <a:rPr lang="en-US" dirty="0"/>
-              <a:t>What is it exactly?</a:t>
-            </a:r>
-          </a:p>
-        </p:txBody>
-      </p:sp>
-      <p:sp>
-        <p:nvSpPr>
-          <p:cNvPr id="11" name="Subtitle 10">
-            <a:extLst>
-              <a:ext uri="{FF2B5EF4-FFF2-40B4-BE49-F238E27FC236}">
-                <a16:creationId xmlns:a16="http://schemas.microsoft.com/office/drawing/2014/main" id="{42E136C4-67FD-4D89-90C0-FB1D6D2B36B7}"/>
-              </a:ext>
-            </a:extLst>
-          </p:cNvPr>
-          <p:cNvSpPr>
-            <a:spLocks noGrp="1"/>
-          </p:cNvSpPr>
-          <p:nvPr>
-            <p:ph type="subTitle" idx="27"/>
-          </p:nvPr>
-        </p:nvSpPr>
-        <p:spPr/>
-        <p:txBody>
-          <a:bodyPr/>
-          <a:lstStyle/>
-          <a:p>
-            <a:endParaRPr lang="en-US" dirty="0"/>
-          </a:p>
-        </p:txBody>
-      </p:sp>
-      <p:sp>
-        <p:nvSpPr>
-          <p:cNvPr id="10" name="Content Placeholder 9">
-            <a:extLst>
-              <a:ext uri="{FF2B5EF4-FFF2-40B4-BE49-F238E27FC236}">
-                <a16:creationId xmlns:a16="http://schemas.microsoft.com/office/drawing/2014/main" id="{F9612E3A-ED10-4719-BC40-4F0F15860EF2}"/>
-              </a:ext>
-            </a:extLst>
-          </p:cNvPr>
-          <p:cNvSpPr>
-            <a:spLocks noGrp="1"/>
-          </p:cNvSpPr>
-          <p:nvPr>
-            <p:ph idx="1"/>
-          </p:nvPr>
-        </p:nvSpPr>
-        <p:spPr/>
-        <p:txBody>
-          <a:bodyPr/>
-          <a:lstStyle/>
-          <a:p>
-            <a:r>
-              <a:rPr lang="en-US" dirty="0"/>
-              <a:t>An Azure Logic App with 2 API Connections</a:t>
-            </a:r>
-          </a:p>
-          <a:p>
-            <a:pPr marL="457200" lvl="1" indent="-457200">
-              <a:buFont typeface="Arial" panose="020B0604020202020204" pitchFamily="34" charset="0"/>
-              <a:buChar char="•"/>
-            </a:pPr>
-            <a:r>
-              <a:rPr lang="en-US" dirty="0"/>
-              <a:t>Azure DevOps</a:t>
-            </a:r>
-          </a:p>
-          <a:p>
-            <a:pPr marL="457200" lvl="1" indent="-457200">
-              <a:buFont typeface="Arial" panose="020B0604020202020204" pitchFamily="34" charset="0"/>
-              <a:buChar char="•"/>
-            </a:pPr>
-            <a:r>
-              <a:rPr lang="en-US" dirty="0"/>
-              <a:t>Azure Resource Manager</a:t>
-            </a:r>
-          </a:p>
-          <a:p>
-            <a:r>
-              <a:rPr lang="en-US" dirty="0"/>
-              <a:t>HTTP Endpoint JSON body to define pipeline execution sequence</a:t>
-            </a:r>
-          </a:p>
-          <a:p>
-            <a:r>
-              <a:rPr lang="en-US" dirty="0"/>
-              <a:t>Primary set of Synchronously executed pipelines</a:t>
-            </a:r>
-          </a:p>
-          <a:p>
-            <a:r>
-              <a:rPr lang="en-US" dirty="0"/>
-              <a:t>Secondary set of Asynchronously executed pipelines</a:t>
-            </a:r>
-          </a:p>
-        </p:txBody>
-      </p:sp>
     </p:spTree>
     <p:extLst>
       <p:ext uri="{BB962C8B-B14F-4D97-AF65-F5344CB8AC3E}">
-        <p14:creationId xmlns:p14="http://schemas.microsoft.com/office/powerpoint/2010/main" val="4018757990"/>
-      </p:ext>
-    </p:extLst>
-  </p:cSld>
-  <p:clrMapOvr>
-    <a:masterClrMapping/>
-  </p:clrMapOvr>
-</p:sld>
-</file>
-
-<file path=ppt/slides/slide8.xml><?xml version="1.0" encoding="utf-8"?>
-<p:sld xmlns:a="http://schemas.openxmlformats.org/drawingml/2006/main" xmlns:r="http://schemas.openxmlformats.org/officeDocument/2006/relationships" xmlns:p="http://schemas.openxmlformats.org/presentationml/2006/main">
-  <p:cSld>
-    <p:spTree>
-      <p:nvGrpSpPr>
-        <p:cNvPr id="1" name=""/>
-        <p:cNvGrpSpPr/>
-        <p:nvPr/>
-      </p:nvGrpSpPr>
-      <p:grpSpPr>
-        <a:xfrm>
-          <a:off x="0" y="0"/>
-          <a:ext cx="0" cy="0"/>
-          <a:chOff x="0" y="0"/>
-          <a:chExt cx="0" cy="0"/>
-        </a:xfrm>
-      </p:grpSpPr>
-      <p:sp>
-        <p:nvSpPr>
-          <p:cNvPr id="2" name="Title 1">
-            <a:extLst>
-              <a:ext uri="{FF2B5EF4-FFF2-40B4-BE49-F238E27FC236}">
-                <a16:creationId xmlns:a16="http://schemas.microsoft.com/office/drawing/2014/main" id="{CF3B1331-12F8-41B1-9633-8D0517A0843C}"/>
-              </a:ext>
-            </a:extLst>
-          </p:cNvPr>
-          <p:cNvSpPr>
-            <a:spLocks noGrp="1"/>
-          </p:cNvSpPr>
-          <p:nvPr>
-            <p:ph type="title"/>
-          </p:nvPr>
-        </p:nvSpPr>
-        <p:spPr/>
-        <p:txBody>
-          <a:bodyPr>
-            <a:normAutofit fontScale="90000"/>
-          </a:bodyPr>
-          <a:lstStyle/>
-          <a:p>
-            <a:r>
-              <a:rPr lang="en-US" dirty="0"/>
-              <a:t>Why would I use it?</a:t>
-            </a:r>
-          </a:p>
-        </p:txBody>
-      </p:sp>
-      <p:sp>
-        <p:nvSpPr>
-          <p:cNvPr id="7" name="Subtitle 6">
-            <a:extLst>
-              <a:ext uri="{FF2B5EF4-FFF2-40B4-BE49-F238E27FC236}">
-                <a16:creationId xmlns:a16="http://schemas.microsoft.com/office/drawing/2014/main" id="{4066BE0E-1002-4B31-9AAF-D0D0CF561481}"/>
-              </a:ext>
-            </a:extLst>
-          </p:cNvPr>
-          <p:cNvSpPr>
-            <a:spLocks noGrp="1"/>
-          </p:cNvSpPr>
-          <p:nvPr>
-            <p:ph type="subTitle" idx="27"/>
-          </p:nvPr>
-        </p:nvSpPr>
-        <p:spPr/>
-        <p:txBody>
-          <a:bodyPr/>
-          <a:lstStyle/>
-          <a:p>
-            <a:endParaRPr lang="en-US"/>
-          </a:p>
-        </p:txBody>
-      </p:sp>
-      <p:sp>
-        <p:nvSpPr>
-          <p:cNvPr id="6" name="Content Placeholder 5">
-            <a:extLst>
-              <a:ext uri="{FF2B5EF4-FFF2-40B4-BE49-F238E27FC236}">
-                <a16:creationId xmlns:a16="http://schemas.microsoft.com/office/drawing/2014/main" id="{EA1749E6-C0B1-44D3-BFEC-25D300DDB20F}"/>
-              </a:ext>
-            </a:extLst>
-          </p:cNvPr>
-          <p:cNvSpPr>
-            <a:spLocks noGrp="1"/>
-          </p:cNvSpPr>
-          <p:nvPr>
-            <p:ph idx="1"/>
-          </p:nvPr>
-        </p:nvSpPr>
-        <p:spPr/>
-        <p:txBody>
-          <a:bodyPr/>
-          <a:lstStyle/>
-          <a:p>
-            <a:r>
-              <a:rPr lang="en-US" dirty="0"/>
-              <a:t>Orchestrate the execution of a series of Azure DevOps pipelines.</a:t>
-            </a:r>
-          </a:p>
-          <a:p>
-            <a:r>
-              <a:rPr lang="en-US" dirty="0"/>
-              <a:t>Series of discrete applications/services are combined to create a larger system.</a:t>
-            </a:r>
-          </a:p>
-          <a:p>
-            <a:r>
-              <a:rPr lang="en-US" dirty="0"/>
-              <a:t>Manual execution of the series of applications is error prone.</a:t>
-            </a:r>
-          </a:p>
-          <a:p>
-            <a:r>
-              <a:rPr lang="en-US" dirty="0"/>
-              <a:t>A long running pipeline exists within the series of deployments.</a:t>
-            </a:r>
-          </a:p>
-        </p:txBody>
-      </p:sp>
-    </p:spTree>
-    <p:extLst>
-      <p:ext uri="{BB962C8B-B14F-4D97-AF65-F5344CB8AC3E}">
-        <p14:creationId xmlns:p14="http://schemas.microsoft.com/office/powerpoint/2010/main" val="3927680586"/>
-      </p:ext>
-    </p:extLst>
-  </p:cSld>
-  <p:clrMapOvr>
-    <a:masterClrMapping/>
-  </p:clrMapOvr>
-</p:sld>
-</file>
-
-<file path=ppt/slides/slide9.xml><?xml version="1.0" encoding="utf-8"?>
-<p:sld xmlns:a="http://schemas.openxmlformats.org/drawingml/2006/main" xmlns:r="http://schemas.openxmlformats.org/officeDocument/2006/relationships" xmlns:p="http://schemas.openxmlformats.org/presentationml/2006/main">
-  <p:cSld>
-    <p:spTree>
-      <p:nvGrpSpPr>
-        <p:cNvPr id="1" name=""/>
-        <p:cNvGrpSpPr/>
-        <p:nvPr/>
-      </p:nvGrpSpPr>
-      <p:grpSpPr>
-        <a:xfrm>
-          <a:off x="0" y="0"/>
-          <a:ext cx="0" cy="0"/>
-          <a:chOff x="0" y="0"/>
-          <a:chExt cx="0" cy="0"/>
-        </a:xfrm>
-      </p:grpSpPr>
-      <p:pic>
-        <p:nvPicPr>
-          <p:cNvPr id="2" name="Picture 1">
-            <a:extLst>
-              <a:ext uri="{FF2B5EF4-FFF2-40B4-BE49-F238E27FC236}">
-                <a16:creationId xmlns:a16="http://schemas.microsoft.com/office/drawing/2014/main" id="{AD728762-F9C4-490F-8D64-16CF55432F2D}"/>
-              </a:ext>
-            </a:extLst>
-          </p:cNvPr>
-          <p:cNvPicPr>
-            <a:picLocks noChangeAspect="1"/>
-          </p:cNvPicPr>
-          <p:nvPr/>
-        </p:nvPicPr>
-        <p:blipFill>
-          <a:blip r:embed="rId2"/>
-          <a:stretch>
-            <a:fillRect/>
-          </a:stretch>
-        </p:blipFill>
-        <p:spPr>
-          <a:xfrm>
-            <a:off x="221320" y="243211"/>
-            <a:ext cx="11831480" cy="6371578"/>
-          </a:xfrm>
-          <a:prstGeom prst="rect">
-            <a:avLst/>
-          </a:prstGeom>
-        </p:spPr>
-      </p:pic>
-    </p:spTree>
-    <p:extLst>
-      <p:ext uri="{BB962C8B-B14F-4D97-AF65-F5344CB8AC3E}">
-        <p14:creationId xmlns:p14="http://schemas.microsoft.com/office/powerpoint/2010/main" val="1035908304"/>
+        <p14:creationId xmlns:p14="http://schemas.microsoft.com/office/powerpoint/2010/main" val="674240187"/>
       </p:ext>
     </p:extLst>
   </p:cSld>
